--- a/Presentation.pptx
+++ b/Presentation.pptx
@@ -2,7 +2,7 @@
 <file path=ppt/presentation.xml><?xml version="1.0" encoding="utf-8"?>
 <p:presentation xmlns:a="http://schemas.openxmlformats.org/drawingml/2006/main" xmlns:r="http://schemas.openxmlformats.org/officeDocument/2006/relationships" xmlns:p="http://schemas.openxmlformats.org/presentationml/2006/main" saveSubsetFonts="1">
   <p:sldMasterIdLst>
-    <p:sldMasterId id="2147483648" r:id="rId1"/>
+    <p:sldMasterId id="2147483660" r:id="rId1"/>
   </p:sldMasterIdLst>
   <p:notesMasterIdLst>
     <p:notesMasterId r:id="rId10"/>
@@ -23,7 +23,7 @@
     <a:defPPr>
       <a:defRPr lang="en-US"/>
     </a:defPPr>
-    <a:lvl1pPr marL="0" algn="l" defTabSz="914400" rtl="0" eaLnBrk="1" latinLnBrk="0" hangingPunct="1">
+    <a:lvl1pPr marL="0" algn="l" defTabSz="457200" rtl="0" eaLnBrk="1" latinLnBrk="0" hangingPunct="1">
       <a:defRPr sz="1800" kern="1200">
         <a:solidFill>
           <a:schemeClr val="tx1"/>
@@ -33,7 +33,7 @@
         <a:cs typeface="+mn-cs"/>
       </a:defRPr>
     </a:lvl1pPr>
-    <a:lvl2pPr marL="457200" algn="l" defTabSz="914400" rtl="0" eaLnBrk="1" latinLnBrk="0" hangingPunct="1">
+    <a:lvl2pPr marL="457200" algn="l" defTabSz="457200" rtl="0" eaLnBrk="1" latinLnBrk="0" hangingPunct="1">
       <a:defRPr sz="1800" kern="1200">
         <a:solidFill>
           <a:schemeClr val="tx1"/>
@@ -43,7 +43,7 @@
         <a:cs typeface="+mn-cs"/>
       </a:defRPr>
     </a:lvl2pPr>
-    <a:lvl3pPr marL="914400" algn="l" defTabSz="914400" rtl="0" eaLnBrk="1" latinLnBrk="0" hangingPunct="1">
+    <a:lvl3pPr marL="914400" algn="l" defTabSz="457200" rtl="0" eaLnBrk="1" latinLnBrk="0" hangingPunct="1">
       <a:defRPr sz="1800" kern="1200">
         <a:solidFill>
           <a:schemeClr val="tx1"/>
@@ -53,7 +53,7 @@
         <a:cs typeface="+mn-cs"/>
       </a:defRPr>
     </a:lvl3pPr>
-    <a:lvl4pPr marL="1371600" algn="l" defTabSz="914400" rtl="0" eaLnBrk="1" latinLnBrk="0" hangingPunct="1">
+    <a:lvl4pPr marL="1371600" algn="l" defTabSz="457200" rtl="0" eaLnBrk="1" latinLnBrk="0" hangingPunct="1">
       <a:defRPr sz="1800" kern="1200">
         <a:solidFill>
           <a:schemeClr val="tx1"/>
@@ -63,7 +63,7 @@
         <a:cs typeface="+mn-cs"/>
       </a:defRPr>
     </a:lvl4pPr>
-    <a:lvl5pPr marL="1828800" algn="l" defTabSz="914400" rtl="0" eaLnBrk="1" latinLnBrk="0" hangingPunct="1">
+    <a:lvl5pPr marL="1828800" algn="l" defTabSz="457200" rtl="0" eaLnBrk="1" latinLnBrk="0" hangingPunct="1">
       <a:defRPr sz="1800" kern="1200">
         <a:solidFill>
           <a:schemeClr val="tx1"/>
@@ -73,7 +73,7 @@
         <a:cs typeface="+mn-cs"/>
       </a:defRPr>
     </a:lvl5pPr>
-    <a:lvl6pPr marL="2286000" algn="l" defTabSz="914400" rtl="0" eaLnBrk="1" latinLnBrk="0" hangingPunct="1">
+    <a:lvl6pPr marL="2286000" algn="l" defTabSz="457200" rtl="0" eaLnBrk="1" latinLnBrk="0" hangingPunct="1">
       <a:defRPr sz="1800" kern="1200">
         <a:solidFill>
           <a:schemeClr val="tx1"/>
@@ -83,7 +83,7 @@
         <a:cs typeface="+mn-cs"/>
       </a:defRPr>
     </a:lvl6pPr>
-    <a:lvl7pPr marL="2743200" algn="l" defTabSz="914400" rtl="0" eaLnBrk="1" latinLnBrk="0" hangingPunct="1">
+    <a:lvl7pPr marL="2743200" algn="l" defTabSz="457200" rtl="0" eaLnBrk="1" latinLnBrk="0" hangingPunct="1">
       <a:defRPr sz="1800" kern="1200">
         <a:solidFill>
           <a:schemeClr val="tx1"/>
@@ -93,7 +93,7 @@
         <a:cs typeface="+mn-cs"/>
       </a:defRPr>
     </a:lvl7pPr>
-    <a:lvl8pPr marL="3200400" algn="l" defTabSz="914400" rtl="0" eaLnBrk="1" latinLnBrk="0" hangingPunct="1">
+    <a:lvl8pPr marL="3200400" algn="l" defTabSz="457200" rtl="0" eaLnBrk="1" latinLnBrk="0" hangingPunct="1">
       <a:defRPr sz="1800" kern="1200">
         <a:solidFill>
           <a:schemeClr val="tx1"/>
@@ -103,7 +103,7 @@
         <a:cs typeface="+mn-cs"/>
       </a:defRPr>
     </a:lvl8pPr>
-    <a:lvl9pPr marL="3657600" algn="l" defTabSz="914400" rtl="0" eaLnBrk="1" latinLnBrk="0" hangingPunct="1">
+    <a:lvl9pPr marL="3657600" algn="l" defTabSz="457200" rtl="0" eaLnBrk="1" latinLnBrk="0" hangingPunct="1">
       <a:defRPr sz="1800" kern="1200">
         <a:solidFill>
           <a:schemeClr val="tx1"/>
@@ -114,6 +114,11 @@
       </a:defRPr>
     </a:lvl9pPr>
   </p:defaultTextStyle>
+  <p:extLst>
+    <p:ext uri="{EFAFB233-063F-42B5-8137-9DF3F51BA10A}">
+      <p15:sldGuideLst xmlns:p15="http://schemas.microsoft.com/office/powerpoint/2012/main"/>
+    </p:ext>
+  </p:extLst>
 </p:presentation>
 </file>
 
@@ -199,7 +204,7 @@
           <a:p>
             <a:fld id="{5F2751A6-3A54-4A02-ACC4-19F322273FD9}" type="datetimeFigureOut">
               <a:rPr lang="en-GB" smtClean="0"/>
-              <a:t>15/01/2024</a:t>
+              <a:t>17/01/2024</a:t>
             </a:fld>
             <a:endParaRPr lang="en-GB"/>
           </a:p>
@@ -528,7 +533,7 @@
             </a:r>
             <a:r>
               <a:rPr lang="en-GB" dirty="0"/>
-              <a:t> and scale etc. It also has special functions for incrementing the positions like move instead of set position. The Piece represents each piece of the board. It handles drawing itself, and also has a function for when it is clicked, dragged and also when it is selected/deselected. These last two are critical for the clicking and dragging the pieces. The board class holds an array of pieces, and has a draw function so that the empty piece is drawn below all the others. The Board class holds all the functions that require changing the order of pieces on the board, such as Swap() or Scramble(). It also holds the function to check if the board is correct. The final class is the Button class that represents UI buttons, it has a Draw() function that handles drawing its background rectangle and icon. It also handles Clicking() the button as well. There is another class Game1 that inherits Game, but this is simply </a:t>
+              <a:t> and scale etc. It also has special functions for incrementing the positions like move instead of set position where the object can be moved by an amount. The Piece class represents each piece of the board. It handles drawing itself, and also has a function for when it is clicked, dragged and also when it is selected/deselected. These last two are critical for the clicking and dragging the pieces for mouse control. The board class holds an array of pieces, and has a special draw function so that the empty piece is drawn below all the others. The Board class holds all the functions that require changing the order of pieces on the board, such as Swap() or Scramble(). It also holds the function to check if the board is correct. The final class is the Button class that represents UI buttons, it has a Draw() function that handles drawing its background rectangle and icon. It also handles Clicking() the button as well. There is another class Game1 that inherits Game, but this is simply </a:t>
             </a:r>
             <a:r>
               <a:rPr lang="en-GB" dirty="0" err="1"/>
@@ -623,7 +628,7 @@
           <a:p>
             <a:r>
               <a:rPr lang="en-GB" dirty="0"/>
-              <a:t>The game can load a custom texture from Content/customAtlas.png in the execution directory. The game will pick a square subset from the custom atlas’ pixels so that no matter the aspect ratio the board will display the texture square. The board can also detect when it has been solved. The board can also be scrambled at will. The scrambling is very efficient and can be run 1 million times in less than a second. To move the tiles, the player can click and drag the tiles, or they can use the arrow keys instead. The game has UI buttons to control the changing of the board size, texture, and scrambling. The game can be any size in terms of tiles. The board will stay the same size on the screen. In theory.</a:t>
+              <a:t>The game can load a custom texture from Content/customAtlas.png in the execution directory. The game will pick a square subset from the custom atlas’ pixels so that no matter the aspect ratio the board will display the texture square. The board can also detect when it has been solved. The board can also be scrambled at will. The scrambling is very efficient and can be run 1 million times in less than a second. To move the tiles, the player can click and drag the tiles, or they can use the arrow keys instead. The game has UI buttons to control the changing of the board size, texture, and scrambling. The board can be any size in terms of tiles. The board will stay the same size on the screen. In theory.</a:t>
             </a:r>
           </a:p>
         </p:txBody>
@@ -718,7 +723,7 @@
             </a:r>
             <a:r>
               <a:rPr lang="en-GB" dirty="0"/>
-              <a:t>. This took a while to fix, because the calculation for offset was a bit more complex and hid the original issue. This issue happened to be one I couldn’t fix due to limitations in </a:t>
+              <a:t>. This took a while to fix, because the calculation for offset was a bit more complex and hid the original issue. Another eureka moment was when I fixed the gaps that appeared in the board at different sizes. This happened a few times and was fixed by rounding the values properly, however, it happened again and I couldn’t properly fix it. This last time the issue happened to be one I couldn’t fix due to limitations in the </a:t>
             </a:r>
             <a:r>
               <a:rPr lang="en-GB" dirty="0" err="1"/>
@@ -726,7 +731,7 @@
             </a:r>
             <a:r>
               <a:rPr lang="en-GB" dirty="0"/>
-              <a:t>/XNA.</a:t>
+              <a:t>/XNA implementation with my current framework.</a:t>
             </a:r>
           </a:p>
         </p:txBody>
@@ -813,7 +818,7 @@
           <a:p>
             <a:r>
               <a:rPr lang="en-GB" dirty="0"/>
-              <a:t>When creating the board class, my code, seen here, creates the pieces, then moves them to the proper position. Somehow, with certain board sizes, where </a:t>
+              <a:t>When creating the board class, my code, seen here, creates the pieces with the correct dimensions, then moves them to the proper position. Somehow, with certain board sizes, where </a:t>
             </a:r>
             <a:r>
               <a:rPr lang="en-GB" dirty="0" err="1"/>
@@ -853,7 +858,15 @@
             </a:r>
             <a:r>
               <a:rPr lang="en-GB" dirty="0"/>
-              <a:t> PhysX uses floats for its vector classes as well, and it had never struggled with precision for me. The final option is that because I am forced to round all my values to integers to create the rectangle to render to the screen, there is a massive loss of precision here. This to my knowledge shouldn’t be a requirement. My project uses OpenGL which happily takes floating point values to be displayed on screen. There is an alternative to using a “destination” rectangle, but it still takes the piece’s onscreen dimensions from a “source” rectangle from the texture so the issue persists. Another option would be to “</a:t>
+              <a:t> PhysX uses floats for its vector classes as well, and it had never struggled with precision for me. The final option is that because I am forced to round all my values to integers to create the rectangle to render to the screen, there is a massive loss of precision here. This to my knowledge shouldn’t be a requirement. My project uses OpenGL which happily takes floating point values to be displayed on screen. However, for some reason, </a:t>
+            </a:r>
+            <a:r>
+              <a:rPr lang="en-GB" dirty="0" err="1"/>
+              <a:t>monogame</a:t>
+            </a:r>
+            <a:r>
+              <a:rPr lang="en-GB" dirty="0"/>
+              <a:t> required integers for rectangles. There is an alternative to using a “destination” rectangle, but it still takes the piece’s onscreen dimensions from a “source” rectangle from the texture so the issue persists. Another option would be to “</a:t>
             </a:r>
             <a:r>
               <a:rPr lang="en-GB" dirty="0" err="1"/>
@@ -1138,7 +1151,7 @@
           <a:p>
             <a:r>
               <a:rPr lang="en-GB" dirty="0"/>
-              <a:t>This framework allows the board to be different sizes, have custom textures of any size, and scramble as well. This allows the framework to be used to build basically any 15 puzzle game. The one major flaw with the game in it’s current state is that on some board sizes, the pieces don’t line up properly. This is primarily the fault of the library. This limits the flexibility of the framework it makes the </a:t>
+              <a:t>This framework allows the board to be different sizes, have custom textures of any size, and scramble as well. This allows the framework to be used to build basically any 15 puzzle game. The one major flaw with the game in it’s current state is that on some board sizes, the pieces don’t line up properly. This limits the flexibility of the framework it makes the </a:t>
             </a:r>
             <a:r>
               <a:rPr lang="en-GB" dirty="0" err="1"/>
@@ -1154,13 +1167,16 @@
             </a:r>
             <a:r>
               <a:rPr lang="en-GB" dirty="0"/>
-              <a:t>() which may fix </a:t>
+              <a:t>() which may fix the issue. Another issue is the input system is not flexible at all. It has been made for this game and it is possible that it might need to be altered if the game changes a lot. For example, the arrow keys are hard coded to do the swaps. The mouse control also has a lot of bespoke code that cannot be changed </a:t>
             </a:r>
             <a:r>
               <a:rPr lang="en-GB"/>
-              <a:t>the issue.</a:t>
-            </a:r>
-            <a:endParaRPr lang="en-GB" dirty="0"/>
+              <a:t>easily. The </a:t>
+            </a:r>
+            <a:r>
+              <a:rPr lang="en-GB" dirty="0"/>
+              <a:t>UI buttons are slightly less flexible than they could be. This is because each new button must have its click method in the update loop and its Draw function in the draw loop added manually.</a:t>
+            </a:r>
           </a:p>
         </p:txBody>
       </p:sp>
@@ -1201,7 +1217,7 @@
 </file>
 
 <file path=ppt/slideLayouts/slideLayout1.xml><?xml version="1.0" encoding="utf-8"?>
-<p:sldLayout xmlns:a="http://schemas.openxmlformats.org/drawingml/2006/main" xmlns:r="http://schemas.openxmlformats.org/officeDocument/2006/relationships" xmlns:p="http://schemas.openxmlformats.org/presentationml/2006/main" type="title" preserve="1">
+<p:sldLayout xmlns:a="http://schemas.openxmlformats.org/drawingml/2006/main" xmlns:r="http://schemas.openxmlformats.org/officeDocument/2006/relationships" xmlns:p="http://schemas.openxmlformats.org/presentationml/2006/main" showMasterSp="0" type="title" preserve="1">
   <p:cSld name="Title Slide">
     <p:spTree>
       <p:nvGrpSpPr>
@@ -1217,15 +1233,539 @@
           <a:chExt cx="0" cy="0"/>
         </a:xfrm>
       </p:grpSpPr>
-      <p:sp>
-        <p:nvSpPr>
-          <p:cNvPr id="2" name="Title 1">
-            <a:extLst>
-              <a:ext uri="{FF2B5EF4-FFF2-40B4-BE49-F238E27FC236}">
-                <a16:creationId xmlns:a16="http://schemas.microsoft.com/office/drawing/2014/main" id="{7A8C13B6-1920-D685-C51A-5985C463283D}"/>
-              </a:ext>
-            </a:extLst>
-          </p:cNvPr>
+      <p:grpSp>
+        <p:nvGrpSpPr>
+          <p:cNvPr id="7" name="Group 6"/>
+          <p:cNvGrpSpPr/>
+          <p:nvPr/>
+        </p:nvGrpSpPr>
+        <p:grpSpPr>
+          <a:xfrm>
+            <a:off x="0" y="-8467"/>
+            <a:ext cx="12192000" cy="6866467"/>
+            <a:chOff x="0" y="-8467"/>
+            <a:chExt cx="12192000" cy="6866467"/>
+          </a:xfrm>
+        </p:grpSpPr>
+        <p:cxnSp>
+          <p:nvCxnSpPr>
+            <p:cNvPr id="32" name="Straight Connector 31"/>
+            <p:cNvCxnSpPr/>
+            <p:nvPr/>
+          </p:nvCxnSpPr>
+          <p:spPr>
+            <a:xfrm>
+              <a:off x="9371012" y="0"/>
+              <a:ext cx="1219200" cy="6858000"/>
+            </a:xfrm>
+            <a:prstGeom prst="line">
+              <a:avLst/>
+            </a:prstGeom>
+            <a:ln w="9525">
+              <a:solidFill>
+                <a:schemeClr val="bg1">
+                  <a:lumMod val="75000"/>
+                </a:schemeClr>
+              </a:solidFill>
+            </a:ln>
+          </p:spPr>
+          <p:style>
+            <a:lnRef idx="2">
+              <a:schemeClr val="accent1"/>
+            </a:lnRef>
+            <a:fillRef idx="0">
+              <a:schemeClr val="accent1"/>
+            </a:fillRef>
+            <a:effectRef idx="1">
+              <a:schemeClr val="accent1"/>
+            </a:effectRef>
+            <a:fontRef idx="minor">
+              <a:schemeClr val="tx1"/>
+            </a:fontRef>
+          </p:style>
+        </p:cxnSp>
+        <p:cxnSp>
+          <p:nvCxnSpPr>
+            <p:cNvPr id="21" name="Straight Connector 20"/>
+            <p:cNvCxnSpPr/>
+            <p:nvPr/>
+          </p:nvCxnSpPr>
+          <p:spPr>
+            <a:xfrm flipH="1">
+              <a:off x="7425267" y="3681413"/>
+              <a:ext cx="4763558" cy="3176587"/>
+            </a:xfrm>
+            <a:prstGeom prst="line">
+              <a:avLst/>
+            </a:prstGeom>
+            <a:ln w="9525">
+              <a:solidFill>
+                <a:schemeClr val="bg1">
+                  <a:lumMod val="85000"/>
+                </a:schemeClr>
+              </a:solidFill>
+            </a:ln>
+          </p:spPr>
+          <p:style>
+            <a:lnRef idx="2">
+              <a:schemeClr val="accent1"/>
+            </a:lnRef>
+            <a:fillRef idx="0">
+              <a:schemeClr val="accent1"/>
+            </a:fillRef>
+            <a:effectRef idx="1">
+              <a:schemeClr val="accent1"/>
+            </a:effectRef>
+            <a:fontRef idx="minor">
+              <a:schemeClr val="tx1"/>
+            </a:fontRef>
+          </p:style>
+        </p:cxnSp>
+        <p:sp>
+          <p:nvSpPr>
+            <p:cNvPr id="24" name="Rectangle 23"/>
+            <p:cNvSpPr/>
+            <p:nvPr/>
+          </p:nvSpPr>
+          <p:spPr>
+            <a:xfrm>
+              <a:off x="9181476" y="-8467"/>
+              <a:ext cx="3007349" cy="6866467"/>
+            </a:xfrm>
+            <a:custGeom>
+              <a:avLst/>
+              <a:gdLst/>
+              <a:ahLst/>
+              <a:cxnLst/>
+              <a:rect l="l" t="t" r="r" b="b"/>
+              <a:pathLst>
+                <a:path w="3007349" h="6866467">
+                  <a:moveTo>
+                    <a:pt x="2045532" y="0"/>
+                  </a:moveTo>
+                  <a:lnTo>
+                    <a:pt x="3007349" y="0"/>
+                  </a:lnTo>
+                  <a:lnTo>
+                    <a:pt x="3007349" y="6866467"/>
+                  </a:lnTo>
+                  <a:lnTo>
+                    <a:pt x="0" y="6866467"/>
+                  </a:lnTo>
+                  <a:lnTo>
+                    <a:pt x="2045532" y="0"/>
+                  </a:lnTo>
+                  <a:close/>
+                </a:path>
+              </a:pathLst>
+            </a:custGeom>
+            <a:solidFill>
+              <a:schemeClr val="accent1">
+                <a:alpha val="30000"/>
+              </a:schemeClr>
+            </a:solidFill>
+            <a:ln>
+              <a:noFill/>
+            </a:ln>
+            <a:effectLst/>
+          </p:spPr>
+          <p:style>
+            <a:lnRef idx="1">
+              <a:schemeClr val="accent1"/>
+            </a:lnRef>
+            <a:fillRef idx="3">
+              <a:schemeClr val="accent1"/>
+            </a:fillRef>
+            <a:effectRef idx="2">
+              <a:schemeClr val="accent1"/>
+            </a:effectRef>
+            <a:fontRef idx="minor">
+              <a:schemeClr val="lt1"/>
+            </a:fontRef>
+          </p:style>
+        </p:sp>
+        <p:sp>
+          <p:nvSpPr>
+            <p:cNvPr id="26" name="Rectangle 25"/>
+            <p:cNvSpPr/>
+            <p:nvPr/>
+          </p:nvSpPr>
+          <p:spPr>
+            <a:xfrm>
+              <a:off x="9603442" y="-8467"/>
+              <a:ext cx="2588558" cy="6866467"/>
+            </a:xfrm>
+            <a:custGeom>
+              <a:avLst/>
+              <a:gdLst/>
+              <a:ahLst/>
+              <a:cxnLst/>
+              <a:rect l="l" t="t" r="r" b="b"/>
+              <a:pathLst>
+                <a:path w="2573311" h="6866467">
+                  <a:moveTo>
+                    <a:pt x="0" y="0"/>
+                  </a:moveTo>
+                  <a:lnTo>
+                    <a:pt x="2573311" y="0"/>
+                  </a:lnTo>
+                  <a:lnTo>
+                    <a:pt x="2573311" y="6866467"/>
+                  </a:lnTo>
+                  <a:lnTo>
+                    <a:pt x="1202336" y="6866467"/>
+                  </a:lnTo>
+                  <a:lnTo>
+                    <a:pt x="0" y="0"/>
+                  </a:lnTo>
+                  <a:close/>
+                </a:path>
+              </a:pathLst>
+            </a:custGeom>
+            <a:solidFill>
+              <a:schemeClr val="accent1">
+                <a:alpha val="20000"/>
+              </a:schemeClr>
+            </a:solidFill>
+            <a:ln>
+              <a:noFill/>
+            </a:ln>
+            <a:effectLst/>
+          </p:spPr>
+          <p:style>
+            <a:lnRef idx="1">
+              <a:schemeClr val="accent1"/>
+            </a:lnRef>
+            <a:fillRef idx="3">
+              <a:schemeClr val="accent1"/>
+            </a:fillRef>
+            <a:effectRef idx="2">
+              <a:schemeClr val="accent1"/>
+            </a:effectRef>
+            <a:fontRef idx="minor">
+              <a:schemeClr val="lt1"/>
+            </a:fontRef>
+          </p:style>
+        </p:sp>
+        <p:sp>
+          <p:nvSpPr>
+            <p:cNvPr id="27" name="Isosceles Triangle 26"/>
+            <p:cNvSpPr/>
+            <p:nvPr/>
+          </p:nvSpPr>
+          <p:spPr>
+            <a:xfrm>
+              <a:off x="8932333" y="3048000"/>
+              <a:ext cx="3259667" cy="3810000"/>
+            </a:xfrm>
+            <a:prstGeom prst="triangle">
+              <a:avLst>
+                <a:gd name="adj" fmla="val 100000"/>
+              </a:avLst>
+            </a:prstGeom>
+            <a:solidFill>
+              <a:schemeClr val="accent2">
+                <a:alpha val="72000"/>
+              </a:schemeClr>
+            </a:solidFill>
+            <a:ln>
+              <a:noFill/>
+            </a:ln>
+            <a:effectLst/>
+          </p:spPr>
+          <p:style>
+            <a:lnRef idx="1">
+              <a:schemeClr val="accent1"/>
+            </a:lnRef>
+            <a:fillRef idx="3">
+              <a:schemeClr val="accent1"/>
+            </a:fillRef>
+            <a:effectRef idx="2">
+              <a:schemeClr val="accent1"/>
+            </a:effectRef>
+            <a:fontRef idx="minor">
+              <a:schemeClr val="lt1"/>
+            </a:fontRef>
+          </p:style>
+        </p:sp>
+        <p:sp>
+          <p:nvSpPr>
+            <p:cNvPr id="28" name="Rectangle 27"/>
+            <p:cNvSpPr/>
+            <p:nvPr/>
+          </p:nvSpPr>
+          <p:spPr>
+            <a:xfrm>
+              <a:off x="9334500" y="-8467"/>
+              <a:ext cx="2854326" cy="6866467"/>
+            </a:xfrm>
+            <a:custGeom>
+              <a:avLst/>
+              <a:gdLst/>
+              <a:ahLst/>
+              <a:cxnLst/>
+              <a:rect l="l" t="t" r="r" b="b"/>
+              <a:pathLst>
+                <a:path w="2858013" h="6866467">
+                  <a:moveTo>
+                    <a:pt x="0" y="0"/>
+                  </a:moveTo>
+                  <a:lnTo>
+                    <a:pt x="2858013" y="0"/>
+                  </a:lnTo>
+                  <a:lnTo>
+                    <a:pt x="2858013" y="6866467"/>
+                  </a:lnTo>
+                  <a:lnTo>
+                    <a:pt x="2473942" y="6866467"/>
+                  </a:lnTo>
+                  <a:lnTo>
+                    <a:pt x="0" y="0"/>
+                  </a:lnTo>
+                  <a:close/>
+                </a:path>
+              </a:pathLst>
+            </a:custGeom>
+            <a:solidFill>
+              <a:schemeClr val="accent2">
+                <a:lumMod val="75000"/>
+                <a:alpha val="70000"/>
+              </a:schemeClr>
+            </a:solidFill>
+            <a:ln>
+              <a:noFill/>
+            </a:ln>
+            <a:effectLst/>
+          </p:spPr>
+          <p:style>
+            <a:lnRef idx="1">
+              <a:schemeClr val="accent1"/>
+            </a:lnRef>
+            <a:fillRef idx="3">
+              <a:schemeClr val="accent1"/>
+            </a:fillRef>
+            <a:effectRef idx="2">
+              <a:schemeClr val="accent1"/>
+            </a:effectRef>
+            <a:fontRef idx="minor">
+              <a:schemeClr val="lt1"/>
+            </a:fontRef>
+          </p:style>
+        </p:sp>
+        <p:sp>
+          <p:nvSpPr>
+            <p:cNvPr id="29" name="Rectangle 28"/>
+            <p:cNvSpPr/>
+            <p:nvPr/>
+          </p:nvSpPr>
+          <p:spPr>
+            <a:xfrm>
+              <a:off x="10898730" y="-8467"/>
+              <a:ext cx="1290094" cy="6866467"/>
+            </a:xfrm>
+            <a:custGeom>
+              <a:avLst/>
+              <a:gdLst/>
+              <a:ahLst/>
+              <a:cxnLst/>
+              <a:rect l="l" t="t" r="r" b="b"/>
+              <a:pathLst>
+                <a:path w="1290094" h="6858000">
+                  <a:moveTo>
+                    <a:pt x="1019735" y="0"/>
+                  </a:moveTo>
+                  <a:lnTo>
+                    <a:pt x="1290094" y="0"/>
+                  </a:lnTo>
+                  <a:lnTo>
+                    <a:pt x="1290094" y="6858000"/>
+                  </a:lnTo>
+                  <a:lnTo>
+                    <a:pt x="0" y="6858000"/>
+                  </a:lnTo>
+                  <a:lnTo>
+                    <a:pt x="1019735" y="0"/>
+                  </a:lnTo>
+                  <a:close/>
+                </a:path>
+              </a:pathLst>
+            </a:custGeom>
+            <a:solidFill>
+              <a:schemeClr val="accent1">
+                <a:lumMod val="60000"/>
+                <a:lumOff val="40000"/>
+                <a:alpha val="70000"/>
+              </a:schemeClr>
+            </a:solidFill>
+            <a:ln>
+              <a:noFill/>
+            </a:ln>
+            <a:effectLst/>
+          </p:spPr>
+          <p:style>
+            <a:lnRef idx="1">
+              <a:schemeClr val="accent1"/>
+            </a:lnRef>
+            <a:fillRef idx="3">
+              <a:schemeClr val="accent1"/>
+            </a:fillRef>
+            <a:effectRef idx="2">
+              <a:schemeClr val="accent1"/>
+            </a:effectRef>
+            <a:fontRef idx="minor">
+              <a:schemeClr val="lt1"/>
+            </a:fontRef>
+          </p:style>
+        </p:sp>
+        <p:sp>
+          <p:nvSpPr>
+            <p:cNvPr id="30" name="Rectangle 29"/>
+            <p:cNvSpPr/>
+            <p:nvPr/>
+          </p:nvSpPr>
+          <p:spPr>
+            <a:xfrm>
+              <a:off x="10938999" y="-8467"/>
+              <a:ext cx="1249825" cy="6866467"/>
+            </a:xfrm>
+            <a:custGeom>
+              <a:avLst/>
+              <a:gdLst/>
+              <a:ahLst/>
+              <a:cxnLst/>
+              <a:rect l="l" t="t" r="r" b="b"/>
+              <a:pathLst>
+                <a:path w="1249825" h="6858000">
+                  <a:moveTo>
+                    <a:pt x="0" y="0"/>
+                  </a:moveTo>
+                  <a:lnTo>
+                    <a:pt x="1249825" y="0"/>
+                  </a:lnTo>
+                  <a:lnTo>
+                    <a:pt x="1249825" y="6858000"/>
+                  </a:lnTo>
+                  <a:lnTo>
+                    <a:pt x="1109382" y="6858000"/>
+                  </a:lnTo>
+                  <a:lnTo>
+                    <a:pt x="0" y="0"/>
+                  </a:lnTo>
+                  <a:close/>
+                </a:path>
+              </a:pathLst>
+            </a:custGeom>
+            <a:solidFill>
+              <a:schemeClr val="accent1">
+                <a:alpha val="65000"/>
+              </a:schemeClr>
+            </a:solidFill>
+            <a:ln>
+              <a:noFill/>
+            </a:ln>
+            <a:effectLst/>
+          </p:spPr>
+          <p:style>
+            <a:lnRef idx="1">
+              <a:schemeClr val="accent1"/>
+            </a:lnRef>
+            <a:fillRef idx="3">
+              <a:schemeClr val="accent1"/>
+            </a:fillRef>
+            <a:effectRef idx="2">
+              <a:schemeClr val="accent1"/>
+            </a:effectRef>
+            <a:fontRef idx="minor">
+              <a:schemeClr val="lt1"/>
+            </a:fontRef>
+          </p:style>
+        </p:sp>
+        <p:sp>
+          <p:nvSpPr>
+            <p:cNvPr id="31" name="Isosceles Triangle 30"/>
+            <p:cNvSpPr/>
+            <p:nvPr/>
+          </p:nvSpPr>
+          <p:spPr>
+            <a:xfrm>
+              <a:off x="10371666" y="3589867"/>
+              <a:ext cx="1817159" cy="3268133"/>
+            </a:xfrm>
+            <a:prstGeom prst="triangle">
+              <a:avLst>
+                <a:gd name="adj" fmla="val 100000"/>
+              </a:avLst>
+            </a:prstGeom>
+            <a:solidFill>
+              <a:schemeClr val="accent1">
+                <a:alpha val="80000"/>
+              </a:schemeClr>
+            </a:solidFill>
+            <a:ln>
+              <a:noFill/>
+            </a:ln>
+            <a:effectLst/>
+          </p:spPr>
+          <p:style>
+            <a:lnRef idx="1">
+              <a:schemeClr val="accent1"/>
+            </a:lnRef>
+            <a:fillRef idx="3">
+              <a:schemeClr val="accent1"/>
+            </a:fillRef>
+            <a:effectRef idx="2">
+              <a:schemeClr val="accent1"/>
+            </a:effectRef>
+            <a:fontRef idx="minor">
+              <a:schemeClr val="lt1"/>
+            </a:fontRef>
+          </p:style>
+        </p:sp>
+        <p:sp>
+          <p:nvSpPr>
+            <p:cNvPr id="19" name="Isosceles Triangle 18"/>
+            <p:cNvSpPr/>
+            <p:nvPr/>
+          </p:nvSpPr>
+          <p:spPr>
+            <a:xfrm rot="10800000">
+              <a:off x="0" y="0"/>
+              <a:ext cx="842596" cy="5666154"/>
+            </a:xfrm>
+            <a:prstGeom prst="triangle">
+              <a:avLst>
+                <a:gd name="adj" fmla="val 100000"/>
+              </a:avLst>
+            </a:prstGeom>
+            <a:solidFill>
+              <a:schemeClr val="accent1">
+                <a:alpha val="85000"/>
+              </a:schemeClr>
+            </a:solidFill>
+            <a:ln>
+              <a:noFill/>
+            </a:ln>
+            <a:effectLst/>
+          </p:spPr>
+          <p:style>
+            <a:lnRef idx="1">
+              <a:schemeClr val="accent1"/>
+            </a:lnRef>
+            <a:fillRef idx="3">
+              <a:schemeClr val="accent1"/>
+            </a:fillRef>
+            <a:effectRef idx="2">
+              <a:schemeClr val="accent1"/>
+            </a:effectRef>
+            <a:fontRef idx="minor">
+              <a:schemeClr val="lt1"/>
+            </a:fontRef>
+          </p:style>
+        </p:sp>
+      </p:grpSp>
+      <p:sp>
+        <p:nvSpPr>
+          <p:cNvPr id="2" name="Title 1"/>
           <p:cNvSpPr>
             <a:spLocks noGrp="1"/>
           </p:cNvSpPr>
@@ -1235,15 +1775,21 @@
         </p:nvSpPr>
         <p:spPr>
           <a:xfrm>
-            <a:off x="1524000" y="1122363"/>
-            <a:ext cx="9144000" cy="2387600"/>
+            <a:off x="1507067" y="2404534"/>
+            <a:ext cx="7766936" cy="1646302"/>
           </a:xfrm>
         </p:spPr>
         <p:txBody>
-          <a:bodyPr anchor="b"/>
+          <a:bodyPr anchor="b">
+            <a:noAutofit/>
+          </a:bodyPr>
           <a:lstStyle>
-            <a:lvl1pPr algn="ctr">
-              <a:defRPr sz="6000"/>
+            <a:lvl1pPr algn="r">
+              <a:defRPr sz="5400">
+                <a:solidFill>
+                  <a:schemeClr val="accent1"/>
+                </a:solidFill>
+              </a:defRPr>
             </a:lvl1pPr>
           </a:lstStyle>
           <a:p>
@@ -1251,18 +1797,13 @@
               <a:rPr lang="en-GB"/>
               <a:t>Click to edit Master title style</a:t>
             </a:r>
-          </a:p>
-        </p:txBody>
-      </p:sp>
-      <p:sp>
-        <p:nvSpPr>
-          <p:cNvPr id="3" name="Subtitle 2">
-            <a:extLst>
-              <a:ext uri="{FF2B5EF4-FFF2-40B4-BE49-F238E27FC236}">
-                <a16:creationId xmlns:a16="http://schemas.microsoft.com/office/drawing/2014/main" id="{E81F1BB3-0081-5161-AB9E-680D272FEFF9}"/>
-              </a:ext>
-            </a:extLst>
-          </p:cNvPr>
+            <a:endParaRPr lang="en-US" dirty="0"/>
+          </a:p>
+        </p:txBody>
+      </p:sp>
+      <p:sp>
+        <p:nvSpPr>
+          <p:cNvPr id="3" name="Subtitle 2"/>
           <p:cNvSpPr>
             <a:spLocks noGrp="1"/>
           </p:cNvSpPr>
@@ -1272,48 +1813,103 @@
         </p:nvSpPr>
         <p:spPr>
           <a:xfrm>
-            <a:off x="1524000" y="3602038"/>
-            <a:ext cx="9144000" cy="1655762"/>
+            <a:off x="1507067" y="4050833"/>
+            <a:ext cx="7766936" cy="1096899"/>
           </a:xfrm>
         </p:spPr>
         <p:txBody>
-          <a:bodyPr/>
+          <a:bodyPr anchor="t"/>
           <a:lstStyle>
-            <a:lvl1pPr marL="0" indent="0" algn="ctr">
-              <a:buNone/>
-              <a:defRPr sz="2400"/>
+            <a:lvl1pPr marL="0" indent="0" algn="r">
+              <a:buNone/>
+              <a:defRPr>
+                <a:solidFill>
+                  <a:schemeClr val="tx1">
+                    <a:lumMod val="50000"/>
+                    <a:lumOff val="50000"/>
+                  </a:schemeClr>
+                </a:solidFill>
+              </a:defRPr>
             </a:lvl1pPr>
             <a:lvl2pPr marL="457200" indent="0" algn="ctr">
               <a:buNone/>
-              <a:defRPr sz="2000"/>
+              <a:defRPr>
+                <a:solidFill>
+                  <a:schemeClr val="tx1">
+                    <a:tint val="75000"/>
+                  </a:schemeClr>
+                </a:solidFill>
+              </a:defRPr>
             </a:lvl2pPr>
             <a:lvl3pPr marL="914400" indent="0" algn="ctr">
               <a:buNone/>
-              <a:defRPr sz="1800"/>
+              <a:defRPr>
+                <a:solidFill>
+                  <a:schemeClr val="tx1">
+                    <a:tint val="75000"/>
+                  </a:schemeClr>
+                </a:solidFill>
+              </a:defRPr>
             </a:lvl3pPr>
             <a:lvl4pPr marL="1371600" indent="0" algn="ctr">
               <a:buNone/>
-              <a:defRPr sz="1600"/>
+              <a:defRPr>
+                <a:solidFill>
+                  <a:schemeClr val="tx1">
+                    <a:tint val="75000"/>
+                  </a:schemeClr>
+                </a:solidFill>
+              </a:defRPr>
             </a:lvl4pPr>
             <a:lvl5pPr marL="1828800" indent="0" algn="ctr">
               <a:buNone/>
-              <a:defRPr sz="1600"/>
+              <a:defRPr>
+                <a:solidFill>
+                  <a:schemeClr val="tx1">
+                    <a:tint val="75000"/>
+                  </a:schemeClr>
+                </a:solidFill>
+              </a:defRPr>
             </a:lvl5pPr>
             <a:lvl6pPr marL="2286000" indent="0" algn="ctr">
               <a:buNone/>
-              <a:defRPr sz="1600"/>
+              <a:defRPr>
+                <a:solidFill>
+                  <a:schemeClr val="tx1">
+                    <a:tint val="75000"/>
+                  </a:schemeClr>
+                </a:solidFill>
+              </a:defRPr>
             </a:lvl6pPr>
             <a:lvl7pPr marL="2743200" indent="0" algn="ctr">
               <a:buNone/>
-              <a:defRPr sz="1600"/>
+              <a:defRPr>
+                <a:solidFill>
+                  <a:schemeClr val="tx1">
+                    <a:tint val="75000"/>
+                  </a:schemeClr>
+                </a:solidFill>
+              </a:defRPr>
             </a:lvl7pPr>
             <a:lvl8pPr marL="3200400" indent="0" algn="ctr">
               <a:buNone/>
-              <a:defRPr sz="1600"/>
+              <a:defRPr>
+                <a:solidFill>
+                  <a:schemeClr val="tx1">
+                    <a:tint val="75000"/>
+                  </a:schemeClr>
+                </a:solidFill>
+              </a:defRPr>
             </a:lvl8pPr>
             <a:lvl9pPr marL="3657600" indent="0" algn="ctr">
               <a:buNone/>
-              <a:defRPr sz="1600"/>
+              <a:defRPr>
+                <a:solidFill>
+                  <a:schemeClr val="tx1">
+                    <a:tint val="75000"/>
+                  </a:schemeClr>
+                </a:solidFill>
+              </a:defRPr>
             </a:lvl9pPr>
           </a:lstStyle>
           <a:p>
@@ -1321,18 +1917,13 @@
               <a:rPr lang="en-GB"/>
               <a:t>Click to edit Master subtitle style</a:t>
             </a:r>
-          </a:p>
-        </p:txBody>
-      </p:sp>
-      <p:sp>
-        <p:nvSpPr>
-          <p:cNvPr id="4" name="Date Placeholder 3">
-            <a:extLst>
-              <a:ext uri="{FF2B5EF4-FFF2-40B4-BE49-F238E27FC236}">
-                <a16:creationId xmlns:a16="http://schemas.microsoft.com/office/drawing/2014/main" id="{76752F29-BFAB-D5D9-B038-CF8A615DDE8F}"/>
-              </a:ext>
-            </a:extLst>
-          </p:cNvPr>
+            <a:endParaRPr lang="en-US" dirty="0"/>
+          </a:p>
+        </p:txBody>
+      </p:sp>
+      <p:sp>
+        <p:nvSpPr>
+          <p:cNvPr id="4" name="Date Placeholder 3"/>
           <p:cNvSpPr>
             <a:spLocks noGrp="1"/>
           </p:cNvSpPr>
@@ -1347,7 +1938,7 @@
           <a:p>
             <a:fld id="{BD22A0CC-2790-4A20-A97B-69996E852145}" type="datetimeFigureOut">
               <a:rPr lang="en-GB" smtClean="0"/>
-              <a:t>15/01/2024</a:t>
+              <a:t>17/01/2024</a:t>
             </a:fld>
             <a:endParaRPr lang="en-GB"/>
           </a:p>
@@ -1355,13 +1946,7 @@
       </p:sp>
       <p:sp>
         <p:nvSpPr>
-          <p:cNvPr id="5" name="Footer Placeholder 4">
-            <a:extLst>
-              <a:ext uri="{FF2B5EF4-FFF2-40B4-BE49-F238E27FC236}">
-                <a16:creationId xmlns:a16="http://schemas.microsoft.com/office/drawing/2014/main" id="{DB7EC2D0-41C0-4FA8-1006-C50CD082FD0A}"/>
-              </a:ext>
-            </a:extLst>
-          </p:cNvPr>
+          <p:cNvPr id="5" name="Footer Placeholder 4"/>
           <p:cNvSpPr>
             <a:spLocks noGrp="1"/>
           </p:cNvSpPr>
@@ -1380,13 +1965,7 @@
       </p:sp>
       <p:sp>
         <p:nvSpPr>
-          <p:cNvPr id="6" name="Slide Number Placeholder 5">
-            <a:extLst>
-              <a:ext uri="{FF2B5EF4-FFF2-40B4-BE49-F238E27FC236}">
-                <a16:creationId xmlns:a16="http://schemas.microsoft.com/office/drawing/2014/main" id="{7AB382C9-E8FC-A17C-B0F5-2609C9F530A0}"/>
-              </a:ext>
-            </a:extLst>
-          </p:cNvPr>
+          <p:cNvPr id="6" name="Slide Number Placeholder 5"/>
           <p:cNvSpPr>
             <a:spLocks noGrp="1"/>
           </p:cNvSpPr>
@@ -1410,7 +1989,7 @@
     </p:spTree>
     <p:extLst>
       <p:ext uri="{BB962C8B-B14F-4D97-AF65-F5344CB8AC3E}">
-        <p14:creationId xmlns:p14="http://schemas.microsoft.com/office/powerpoint/2010/main" val="2703247372"/>
+        <p14:creationId xmlns:p14="http://schemas.microsoft.com/office/powerpoint/2010/main" val="2904444793"/>
       </p:ext>
     </p:extLst>
   </p:cSld>
@@ -1421,6 +2000,1619 @@
 </file>
 
 <file path=ppt/slideLayouts/slideLayout10.xml><?xml version="1.0" encoding="utf-8"?>
+<p:sldLayout xmlns:a="http://schemas.openxmlformats.org/drawingml/2006/main" xmlns:r="http://schemas.openxmlformats.org/officeDocument/2006/relationships" xmlns:p="http://schemas.openxmlformats.org/presentationml/2006/main" preserve="1">
+  <p:cSld name="Title and Caption">
+    <p:spTree>
+      <p:nvGrpSpPr>
+        <p:cNvPr id="1" name=""/>
+        <p:cNvGrpSpPr/>
+        <p:nvPr/>
+      </p:nvGrpSpPr>
+      <p:grpSpPr>
+        <a:xfrm>
+          <a:off x="0" y="0"/>
+          <a:ext cx="0" cy="0"/>
+          <a:chOff x="0" y="0"/>
+          <a:chExt cx="0" cy="0"/>
+        </a:xfrm>
+      </p:grpSpPr>
+      <p:sp>
+        <p:nvSpPr>
+          <p:cNvPr id="2" name="Title 1"/>
+          <p:cNvSpPr>
+            <a:spLocks noGrp="1"/>
+          </p:cNvSpPr>
+          <p:nvPr>
+            <p:ph type="title"/>
+          </p:nvPr>
+        </p:nvSpPr>
+        <p:spPr>
+          <a:xfrm>
+            <a:off x="677335" y="609600"/>
+            <a:ext cx="8596668" cy="3403600"/>
+          </a:xfrm>
+        </p:spPr>
+        <p:txBody>
+          <a:bodyPr anchor="ctr">
+            <a:normAutofit/>
+          </a:bodyPr>
+          <a:lstStyle>
+            <a:lvl1pPr algn="l">
+              <a:defRPr sz="4400" b="0" cap="none"/>
+            </a:lvl1pPr>
+          </a:lstStyle>
+          <a:p>
+            <a:r>
+              <a:rPr lang="en-GB"/>
+              <a:t>Click to edit Master title style</a:t>
+            </a:r>
+            <a:endParaRPr lang="en-US" dirty="0"/>
+          </a:p>
+        </p:txBody>
+      </p:sp>
+      <p:sp>
+        <p:nvSpPr>
+          <p:cNvPr id="3" name="Text Placeholder 2"/>
+          <p:cNvSpPr>
+            <a:spLocks noGrp="1"/>
+          </p:cNvSpPr>
+          <p:nvPr>
+            <p:ph type="body" idx="1"/>
+          </p:nvPr>
+        </p:nvSpPr>
+        <p:spPr>
+          <a:xfrm>
+            <a:off x="677335" y="4470400"/>
+            <a:ext cx="8596668" cy="1570962"/>
+          </a:xfrm>
+        </p:spPr>
+        <p:txBody>
+          <a:bodyPr anchor="ctr">
+            <a:normAutofit/>
+          </a:bodyPr>
+          <a:lstStyle>
+            <a:lvl1pPr marL="0" indent="0" algn="l">
+              <a:buNone/>
+              <a:defRPr sz="1800">
+                <a:solidFill>
+                  <a:schemeClr val="tx1">
+                    <a:lumMod val="75000"/>
+                    <a:lumOff val="25000"/>
+                  </a:schemeClr>
+                </a:solidFill>
+              </a:defRPr>
+            </a:lvl1pPr>
+            <a:lvl2pPr marL="457200" indent="0">
+              <a:buNone/>
+              <a:defRPr sz="1800">
+                <a:solidFill>
+                  <a:schemeClr val="tx1">
+                    <a:tint val="75000"/>
+                  </a:schemeClr>
+                </a:solidFill>
+              </a:defRPr>
+            </a:lvl2pPr>
+            <a:lvl3pPr marL="914400" indent="0">
+              <a:buNone/>
+              <a:defRPr sz="1600">
+                <a:solidFill>
+                  <a:schemeClr val="tx1">
+                    <a:tint val="75000"/>
+                  </a:schemeClr>
+                </a:solidFill>
+              </a:defRPr>
+            </a:lvl3pPr>
+            <a:lvl4pPr marL="1371600" indent="0">
+              <a:buNone/>
+              <a:defRPr sz="1400">
+                <a:solidFill>
+                  <a:schemeClr val="tx1">
+                    <a:tint val="75000"/>
+                  </a:schemeClr>
+                </a:solidFill>
+              </a:defRPr>
+            </a:lvl4pPr>
+            <a:lvl5pPr marL="1828800" indent="0">
+              <a:buNone/>
+              <a:defRPr sz="1400">
+                <a:solidFill>
+                  <a:schemeClr val="tx1">
+                    <a:tint val="75000"/>
+                  </a:schemeClr>
+                </a:solidFill>
+              </a:defRPr>
+            </a:lvl5pPr>
+            <a:lvl6pPr marL="2286000" indent="0">
+              <a:buNone/>
+              <a:defRPr sz="1400">
+                <a:solidFill>
+                  <a:schemeClr val="tx1">
+                    <a:tint val="75000"/>
+                  </a:schemeClr>
+                </a:solidFill>
+              </a:defRPr>
+            </a:lvl6pPr>
+            <a:lvl7pPr marL="2743200" indent="0">
+              <a:buNone/>
+              <a:defRPr sz="1400">
+                <a:solidFill>
+                  <a:schemeClr val="tx1">
+                    <a:tint val="75000"/>
+                  </a:schemeClr>
+                </a:solidFill>
+              </a:defRPr>
+            </a:lvl7pPr>
+            <a:lvl8pPr marL="3200400" indent="0">
+              <a:buNone/>
+              <a:defRPr sz="1400">
+                <a:solidFill>
+                  <a:schemeClr val="tx1">
+                    <a:tint val="75000"/>
+                  </a:schemeClr>
+                </a:solidFill>
+              </a:defRPr>
+            </a:lvl8pPr>
+            <a:lvl9pPr marL="3657600" indent="0">
+              <a:buNone/>
+              <a:defRPr sz="1400">
+                <a:solidFill>
+                  <a:schemeClr val="tx1">
+                    <a:tint val="75000"/>
+                  </a:schemeClr>
+                </a:solidFill>
+              </a:defRPr>
+            </a:lvl9pPr>
+          </a:lstStyle>
+          <a:p>
+            <a:pPr lvl="0"/>
+            <a:r>
+              <a:rPr lang="en-GB"/>
+              <a:t>Click to edit Master text styles</a:t>
+            </a:r>
+          </a:p>
+        </p:txBody>
+      </p:sp>
+      <p:sp>
+        <p:nvSpPr>
+          <p:cNvPr id="4" name="Date Placeholder 3"/>
+          <p:cNvSpPr>
+            <a:spLocks noGrp="1"/>
+          </p:cNvSpPr>
+          <p:nvPr>
+            <p:ph type="dt" sz="half" idx="10"/>
+          </p:nvPr>
+        </p:nvSpPr>
+        <p:spPr/>
+        <p:txBody>
+          <a:bodyPr/>
+          <a:lstStyle/>
+          <a:p>
+            <a:fld id="{BD22A0CC-2790-4A20-A97B-69996E852145}" type="datetimeFigureOut">
+              <a:rPr lang="en-GB" smtClean="0"/>
+              <a:t>17/01/2024</a:t>
+            </a:fld>
+            <a:endParaRPr lang="en-GB"/>
+          </a:p>
+        </p:txBody>
+      </p:sp>
+      <p:sp>
+        <p:nvSpPr>
+          <p:cNvPr id="5" name="Footer Placeholder 4"/>
+          <p:cNvSpPr>
+            <a:spLocks noGrp="1"/>
+          </p:cNvSpPr>
+          <p:nvPr>
+            <p:ph type="ftr" sz="quarter" idx="11"/>
+          </p:nvPr>
+        </p:nvSpPr>
+        <p:spPr/>
+        <p:txBody>
+          <a:bodyPr/>
+          <a:lstStyle/>
+          <a:p>
+            <a:endParaRPr lang="en-GB"/>
+          </a:p>
+        </p:txBody>
+      </p:sp>
+      <p:sp>
+        <p:nvSpPr>
+          <p:cNvPr id="6" name="Slide Number Placeholder 5"/>
+          <p:cNvSpPr>
+            <a:spLocks noGrp="1"/>
+          </p:cNvSpPr>
+          <p:nvPr>
+            <p:ph type="sldNum" sz="quarter" idx="12"/>
+          </p:nvPr>
+        </p:nvSpPr>
+        <p:spPr/>
+        <p:txBody>
+          <a:bodyPr/>
+          <a:lstStyle/>
+          <a:p>
+            <a:fld id="{3229C5EB-B930-4870-935C-95F6137B4414}" type="slidenum">
+              <a:rPr lang="en-GB" smtClean="0"/>
+              <a:t>‹#›</a:t>
+            </a:fld>
+            <a:endParaRPr lang="en-GB"/>
+          </a:p>
+        </p:txBody>
+      </p:sp>
+    </p:spTree>
+    <p:extLst>
+      <p:ext uri="{BB962C8B-B14F-4D97-AF65-F5344CB8AC3E}">
+        <p14:creationId xmlns:p14="http://schemas.microsoft.com/office/powerpoint/2010/main" val="488535440"/>
+      </p:ext>
+    </p:extLst>
+  </p:cSld>
+  <p:clrMapOvr>
+    <a:masterClrMapping/>
+  </p:clrMapOvr>
+</p:sldLayout>
+</file>
+
+<file path=ppt/slideLayouts/slideLayout11.xml><?xml version="1.0" encoding="utf-8"?>
+<p:sldLayout xmlns:a="http://schemas.openxmlformats.org/drawingml/2006/main" xmlns:r="http://schemas.openxmlformats.org/officeDocument/2006/relationships" xmlns:p="http://schemas.openxmlformats.org/presentationml/2006/main" preserve="1">
+  <p:cSld name="Quote with Caption">
+    <p:spTree>
+      <p:nvGrpSpPr>
+        <p:cNvPr id="1" name=""/>
+        <p:cNvGrpSpPr/>
+        <p:nvPr/>
+      </p:nvGrpSpPr>
+      <p:grpSpPr>
+        <a:xfrm>
+          <a:off x="0" y="0"/>
+          <a:ext cx="0" cy="0"/>
+          <a:chOff x="0" y="0"/>
+          <a:chExt cx="0" cy="0"/>
+        </a:xfrm>
+      </p:grpSpPr>
+      <p:sp>
+        <p:nvSpPr>
+          <p:cNvPr id="2" name="Title 1"/>
+          <p:cNvSpPr>
+            <a:spLocks noGrp="1"/>
+          </p:cNvSpPr>
+          <p:nvPr>
+            <p:ph type="title"/>
+          </p:nvPr>
+        </p:nvSpPr>
+        <p:spPr>
+          <a:xfrm>
+            <a:off x="931334" y="609600"/>
+            <a:ext cx="8094134" cy="3022600"/>
+          </a:xfrm>
+        </p:spPr>
+        <p:txBody>
+          <a:bodyPr anchor="ctr">
+            <a:normAutofit/>
+          </a:bodyPr>
+          <a:lstStyle>
+            <a:lvl1pPr algn="l">
+              <a:defRPr sz="4400" b="0" cap="none"/>
+            </a:lvl1pPr>
+          </a:lstStyle>
+          <a:p>
+            <a:r>
+              <a:rPr lang="en-GB"/>
+              <a:t>Click to edit Master title style</a:t>
+            </a:r>
+            <a:endParaRPr lang="en-US" dirty="0"/>
+          </a:p>
+        </p:txBody>
+      </p:sp>
+      <p:sp>
+        <p:nvSpPr>
+          <p:cNvPr id="23" name="Text Placeholder 9"/>
+          <p:cNvSpPr>
+            <a:spLocks noGrp="1"/>
+          </p:cNvSpPr>
+          <p:nvPr>
+            <p:ph type="body" sz="quarter" idx="13"/>
+          </p:nvPr>
+        </p:nvSpPr>
+        <p:spPr>
+          <a:xfrm>
+            <a:off x="1366139" y="3632200"/>
+            <a:ext cx="7224524" cy="381000"/>
+          </a:xfrm>
+        </p:spPr>
+        <p:txBody>
+          <a:bodyPr anchor="ctr">
+            <a:noAutofit/>
+          </a:bodyPr>
+          <a:lstStyle>
+            <a:lvl1pPr marL="0" indent="0">
+              <a:buFontTx/>
+              <a:buNone/>
+              <a:defRPr sz="1600">
+                <a:solidFill>
+                  <a:schemeClr val="tx1">
+                    <a:lumMod val="50000"/>
+                    <a:lumOff val="50000"/>
+                  </a:schemeClr>
+                </a:solidFill>
+              </a:defRPr>
+            </a:lvl1pPr>
+            <a:lvl2pPr marL="457200" indent="0">
+              <a:buFontTx/>
+              <a:buNone/>
+              <a:defRPr/>
+            </a:lvl2pPr>
+            <a:lvl3pPr marL="914400" indent="0">
+              <a:buFontTx/>
+              <a:buNone/>
+              <a:defRPr/>
+            </a:lvl3pPr>
+            <a:lvl4pPr marL="1371600" indent="0">
+              <a:buFontTx/>
+              <a:buNone/>
+              <a:defRPr/>
+            </a:lvl4pPr>
+            <a:lvl5pPr marL="1828800" indent="0">
+              <a:buFontTx/>
+              <a:buNone/>
+              <a:defRPr/>
+            </a:lvl5pPr>
+          </a:lstStyle>
+          <a:p>
+            <a:pPr lvl="0"/>
+            <a:r>
+              <a:rPr lang="en-GB"/>
+              <a:t>Click to edit Master text styles</a:t>
+            </a:r>
+          </a:p>
+        </p:txBody>
+      </p:sp>
+      <p:sp>
+        <p:nvSpPr>
+          <p:cNvPr id="3" name="Text Placeholder 2"/>
+          <p:cNvSpPr>
+            <a:spLocks noGrp="1"/>
+          </p:cNvSpPr>
+          <p:nvPr>
+            <p:ph type="body" idx="1"/>
+          </p:nvPr>
+        </p:nvSpPr>
+        <p:spPr>
+          <a:xfrm>
+            <a:off x="677335" y="4470400"/>
+            <a:ext cx="8596668" cy="1570962"/>
+          </a:xfrm>
+        </p:spPr>
+        <p:txBody>
+          <a:bodyPr anchor="ctr">
+            <a:normAutofit/>
+          </a:bodyPr>
+          <a:lstStyle>
+            <a:lvl1pPr marL="0" indent="0" algn="l">
+              <a:buNone/>
+              <a:defRPr sz="1800">
+                <a:solidFill>
+                  <a:schemeClr val="tx1">
+                    <a:lumMod val="75000"/>
+                    <a:lumOff val="25000"/>
+                  </a:schemeClr>
+                </a:solidFill>
+              </a:defRPr>
+            </a:lvl1pPr>
+            <a:lvl2pPr marL="457200" indent="0">
+              <a:buNone/>
+              <a:defRPr sz="1800">
+                <a:solidFill>
+                  <a:schemeClr val="tx1">
+                    <a:tint val="75000"/>
+                  </a:schemeClr>
+                </a:solidFill>
+              </a:defRPr>
+            </a:lvl2pPr>
+            <a:lvl3pPr marL="914400" indent="0">
+              <a:buNone/>
+              <a:defRPr sz="1600">
+                <a:solidFill>
+                  <a:schemeClr val="tx1">
+                    <a:tint val="75000"/>
+                  </a:schemeClr>
+                </a:solidFill>
+              </a:defRPr>
+            </a:lvl3pPr>
+            <a:lvl4pPr marL="1371600" indent="0">
+              <a:buNone/>
+              <a:defRPr sz="1400">
+                <a:solidFill>
+                  <a:schemeClr val="tx1">
+                    <a:tint val="75000"/>
+                  </a:schemeClr>
+                </a:solidFill>
+              </a:defRPr>
+            </a:lvl4pPr>
+            <a:lvl5pPr marL="1828800" indent="0">
+              <a:buNone/>
+              <a:defRPr sz="1400">
+                <a:solidFill>
+                  <a:schemeClr val="tx1">
+                    <a:tint val="75000"/>
+                  </a:schemeClr>
+                </a:solidFill>
+              </a:defRPr>
+            </a:lvl5pPr>
+            <a:lvl6pPr marL="2286000" indent="0">
+              <a:buNone/>
+              <a:defRPr sz="1400">
+                <a:solidFill>
+                  <a:schemeClr val="tx1">
+                    <a:tint val="75000"/>
+                  </a:schemeClr>
+                </a:solidFill>
+              </a:defRPr>
+            </a:lvl6pPr>
+            <a:lvl7pPr marL="2743200" indent="0">
+              <a:buNone/>
+              <a:defRPr sz="1400">
+                <a:solidFill>
+                  <a:schemeClr val="tx1">
+                    <a:tint val="75000"/>
+                  </a:schemeClr>
+                </a:solidFill>
+              </a:defRPr>
+            </a:lvl7pPr>
+            <a:lvl8pPr marL="3200400" indent="0">
+              <a:buNone/>
+              <a:defRPr sz="1400">
+                <a:solidFill>
+                  <a:schemeClr val="tx1">
+                    <a:tint val="75000"/>
+                  </a:schemeClr>
+                </a:solidFill>
+              </a:defRPr>
+            </a:lvl8pPr>
+            <a:lvl9pPr marL="3657600" indent="0">
+              <a:buNone/>
+              <a:defRPr sz="1400">
+                <a:solidFill>
+                  <a:schemeClr val="tx1">
+                    <a:tint val="75000"/>
+                  </a:schemeClr>
+                </a:solidFill>
+              </a:defRPr>
+            </a:lvl9pPr>
+          </a:lstStyle>
+          <a:p>
+            <a:pPr lvl="0"/>
+            <a:r>
+              <a:rPr lang="en-GB"/>
+              <a:t>Click to edit Master text styles</a:t>
+            </a:r>
+          </a:p>
+        </p:txBody>
+      </p:sp>
+      <p:sp>
+        <p:nvSpPr>
+          <p:cNvPr id="4" name="Date Placeholder 3"/>
+          <p:cNvSpPr>
+            <a:spLocks noGrp="1"/>
+          </p:cNvSpPr>
+          <p:nvPr>
+            <p:ph type="dt" sz="half" idx="10"/>
+          </p:nvPr>
+        </p:nvSpPr>
+        <p:spPr/>
+        <p:txBody>
+          <a:bodyPr/>
+          <a:lstStyle/>
+          <a:p>
+            <a:fld id="{BD22A0CC-2790-4A20-A97B-69996E852145}" type="datetimeFigureOut">
+              <a:rPr lang="en-GB" smtClean="0"/>
+              <a:t>17/01/2024</a:t>
+            </a:fld>
+            <a:endParaRPr lang="en-GB"/>
+          </a:p>
+        </p:txBody>
+      </p:sp>
+      <p:sp>
+        <p:nvSpPr>
+          <p:cNvPr id="5" name="Footer Placeholder 4"/>
+          <p:cNvSpPr>
+            <a:spLocks noGrp="1"/>
+          </p:cNvSpPr>
+          <p:nvPr>
+            <p:ph type="ftr" sz="quarter" idx="11"/>
+          </p:nvPr>
+        </p:nvSpPr>
+        <p:spPr/>
+        <p:txBody>
+          <a:bodyPr/>
+          <a:lstStyle/>
+          <a:p>
+            <a:endParaRPr lang="en-GB"/>
+          </a:p>
+        </p:txBody>
+      </p:sp>
+      <p:sp>
+        <p:nvSpPr>
+          <p:cNvPr id="6" name="Slide Number Placeholder 5"/>
+          <p:cNvSpPr>
+            <a:spLocks noGrp="1"/>
+          </p:cNvSpPr>
+          <p:nvPr>
+            <p:ph type="sldNum" sz="quarter" idx="12"/>
+          </p:nvPr>
+        </p:nvSpPr>
+        <p:spPr/>
+        <p:txBody>
+          <a:bodyPr/>
+          <a:lstStyle/>
+          <a:p>
+            <a:fld id="{3229C5EB-B930-4870-935C-95F6137B4414}" type="slidenum">
+              <a:rPr lang="en-GB" smtClean="0"/>
+              <a:t>‹#›</a:t>
+            </a:fld>
+            <a:endParaRPr lang="en-GB"/>
+          </a:p>
+        </p:txBody>
+      </p:sp>
+      <p:sp>
+        <p:nvSpPr>
+          <p:cNvPr id="20" name="TextBox 19"/>
+          <p:cNvSpPr txBox="1"/>
+          <p:nvPr/>
+        </p:nvSpPr>
+        <p:spPr>
+          <a:xfrm>
+            <a:off x="541870" y="790378"/>
+            <a:ext cx="609600" cy="584776"/>
+          </a:xfrm>
+          <a:prstGeom prst="rect">
+            <a:avLst/>
+          </a:prstGeom>
+        </p:spPr>
+        <p:txBody>
+          <a:bodyPr vert="horz" lIns="91440" tIns="45720" rIns="91440" bIns="45720" rtlCol="0" anchor="ctr">
+            <a:noAutofit/>
+          </a:bodyPr>
+          <a:lstStyle/>
+          <a:p>
+            <a:pPr lvl="0"/>
+            <a:r>
+              <a:rPr lang="en-US" sz="8000" baseline="0" dirty="0">
+                <a:ln w="3175" cmpd="sng">
+                  <a:noFill/>
+                </a:ln>
+                <a:solidFill>
+                  <a:schemeClr val="accent1">
+                    <a:lumMod val="60000"/>
+                    <a:lumOff val="40000"/>
+                  </a:schemeClr>
+                </a:solidFill>
+                <a:effectLst/>
+                <a:latin typeface="Arial"/>
+              </a:rPr>
+              <a:t>“</a:t>
+            </a:r>
+          </a:p>
+        </p:txBody>
+      </p:sp>
+      <p:sp>
+        <p:nvSpPr>
+          <p:cNvPr id="22" name="TextBox 21"/>
+          <p:cNvSpPr txBox="1"/>
+          <p:nvPr/>
+        </p:nvSpPr>
+        <p:spPr>
+          <a:xfrm>
+            <a:off x="8893011" y="2886556"/>
+            <a:ext cx="609600" cy="584776"/>
+          </a:xfrm>
+          <a:prstGeom prst="rect">
+            <a:avLst/>
+          </a:prstGeom>
+        </p:spPr>
+        <p:txBody>
+          <a:bodyPr vert="horz" lIns="91440" tIns="45720" rIns="91440" bIns="45720" rtlCol="0" anchor="ctr">
+            <a:noAutofit/>
+          </a:bodyPr>
+          <a:lstStyle/>
+          <a:p>
+            <a:pPr lvl="0"/>
+            <a:r>
+              <a:rPr lang="en-US" sz="8000" baseline="0" dirty="0">
+                <a:ln w="3175" cmpd="sng">
+                  <a:noFill/>
+                </a:ln>
+                <a:solidFill>
+                  <a:schemeClr val="accent1">
+                    <a:lumMod val="60000"/>
+                    <a:lumOff val="40000"/>
+                  </a:schemeClr>
+                </a:solidFill>
+                <a:latin typeface="Arial"/>
+              </a:rPr>
+              <a:t>”</a:t>
+            </a:r>
+            <a:endParaRPr lang="en-US" dirty="0">
+              <a:solidFill>
+                <a:schemeClr val="accent1">
+                  <a:lumMod val="60000"/>
+                  <a:lumOff val="40000"/>
+                </a:schemeClr>
+              </a:solidFill>
+              <a:latin typeface="Arial"/>
+            </a:endParaRPr>
+          </a:p>
+        </p:txBody>
+      </p:sp>
+    </p:spTree>
+    <p:extLst>
+      <p:ext uri="{BB962C8B-B14F-4D97-AF65-F5344CB8AC3E}">
+        <p14:creationId xmlns:p14="http://schemas.microsoft.com/office/powerpoint/2010/main" val="3261011600"/>
+      </p:ext>
+    </p:extLst>
+  </p:cSld>
+  <p:clrMapOvr>
+    <a:masterClrMapping/>
+  </p:clrMapOvr>
+</p:sldLayout>
+</file>
+
+<file path=ppt/slideLayouts/slideLayout12.xml><?xml version="1.0" encoding="utf-8"?>
+<p:sldLayout xmlns:a="http://schemas.openxmlformats.org/drawingml/2006/main" xmlns:r="http://schemas.openxmlformats.org/officeDocument/2006/relationships" xmlns:p="http://schemas.openxmlformats.org/presentationml/2006/main" preserve="1">
+  <p:cSld name="Name Card">
+    <p:spTree>
+      <p:nvGrpSpPr>
+        <p:cNvPr id="1" name=""/>
+        <p:cNvGrpSpPr/>
+        <p:nvPr/>
+      </p:nvGrpSpPr>
+      <p:grpSpPr>
+        <a:xfrm>
+          <a:off x="0" y="0"/>
+          <a:ext cx="0" cy="0"/>
+          <a:chOff x="0" y="0"/>
+          <a:chExt cx="0" cy="0"/>
+        </a:xfrm>
+      </p:grpSpPr>
+      <p:sp>
+        <p:nvSpPr>
+          <p:cNvPr id="2" name="Title 1"/>
+          <p:cNvSpPr>
+            <a:spLocks noGrp="1"/>
+          </p:cNvSpPr>
+          <p:nvPr>
+            <p:ph type="title"/>
+          </p:nvPr>
+        </p:nvSpPr>
+        <p:spPr>
+          <a:xfrm>
+            <a:off x="677335" y="1931988"/>
+            <a:ext cx="8596668" cy="2595460"/>
+          </a:xfrm>
+        </p:spPr>
+        <p:txBody>
+          <a:bodyPr anchor="b">
+            <a:normAutofit/>
+          </a:bodyPr>
+          <a:lstStyle>
+            <a:lvl1pPr algn="l">
+              <a:defRPr sz="4400" b="0" cap="none"/>
+            </a:lvl1pPr>
+          </a:lstStyle>
+          <a:p>
+            <a:r>
+              <a:rPr lang="en-GB"/>
+              <a:t>Click to edit Master title style</a:t>
+            </a:r>
+            <a:endParaRPr lang="en-US" dirty="0"/>
+          </a:p>
+        </p:txBody>
+      </p:sp>
+      <p:sp>
+        <p:nvSpPr>
+          <p:cNvPr id="3" name="Text Placeholder 2"/>
+          <p:cNvSpPr>
+            <a:spLocks noGrp="1"/>
+          </p:cNvSpPr>
+          <p:nvPr>
+            <p:ph type="body" idx="1"/>
+          </p:nvPr>
+        </p:nvSpPr>
+        <p:spPr>
+          <a:xfrm>
+            <a:off x="677335" y="4527448"/>
+            <a:ext cx="8596668" cy="1513914"/>
+          </a:xfrm>
+        </p:spPr>
+        <p:txBody>
+          <a:bodyPr anchor="t">
+            <a:normAutofit/>
+          </a:bodyPr>
+          <a:lstStyle>
+            <a:lvl1pPr marL="0" indent="0" algn="l">
+              <a:buNone/>
+              <a:defRPr sz="1800">
+                <a:solidFill>
+                  <a:schemeClr val="tx1">
+                    <a:lumMod val="75000"/>
+                    <a:lumOff val="25000"/>
+                  </a:schemeClr>
+                </a:solidFill>
+              </a:defRPr>
+            </a:lvl1pPr>
+            <a:lvl2pPr marL="457200" indent="0">
+              <a:buNone/>
+              <a:defRPr sz="1800">
+                <a:solidFill>
+                  <a:schemeClr val="tx1">
+                    <a:tint val="75000"/>
+                  </a:schemeClr>
+                </a:solidFill>
+              </a:defRPr>
+            </a:lvl2pPr>
+            <a:lvl3pPr marL="914400" indent="0">
+              <a:buNone/>
+              <a:defRPr sz="1600">
+                <a:solidFill>
+                  <a:schemeClr val="tx1">
+                    <a:tint val="75000"/>
+                  </a:schemeClr>
+                </a:solidFill>
+              </a:defRPr>
+            </a:lvl3pPr>
+            <a:lvl4pPr marL="1371600" indent="0">
+              <a:buNone/>
+              <a:defRPr sz="1400">
+                <a:solidFill>
+                  <a:schemeClr val="tx1">
+                    <a:tint val="75000"/>
+                  </a:schemeClr>
+                </a:solidFill>
+              </a:defRPr>
+            </a:lvl4pPr>
+            <a:lvl5pPr marL="1828800" indent="0">
+              <a:buNone/>
+              <a:defRPr sz="1400">
+                <a:solidFill>
+                  <a:schemeClr val="tx1">
+                    <a:tint val="75000"/>
+                  </a:schemeClr>
+                </a:solidFill>
+              </a:defRPr>
+            </a:lvl5pPr>
+            <a:lvl6pPr marL="2286000" indent="0">
+              <a:buNone/>
+              <a:defRPr sz="1400">
+                <a:solidFill>
+                  <a:schemeClr val="tx1">
+                    <a:tint val="75000"/>
+                  </a:schemeClr>
+                </a:solidFill>
+              </a:defRPr>
+            </a:lvl6pPr>
+            <a:lvl7pPr marL="2743200" indent="0">
+              <a:buNone/>
+              <a:defRPr sz="1400">
+                <a:solidFill>
+                  <a:schemeClr val="tx1">
+                    <a:tint val="75000"/>
+                  </a:schemeClr>
+                </a:solidFill>
+              </a:defRPr>
+            </a:lvl7pPr>
+            <a:lvl8pPr marL="3200400" indent="0">
+              <a:buNone/>
+              <a:defRPr sz="1400">
+                <a:solidFill>
+                  <a:schemeClr val="tx1">
+                    <a:tint val="75000"/>
+                  </a:schemeClr>
+                </a:solidFill>
+              </a:defRPr>
+            </a:lvl8pPr>
+            <a:lvl9pPr marL="3657600" indent="0">
+              <a:buNone/>
+              <a:defRPr sz="1400">
+                <a:solidFill>
+                  <a:schemeClr val="tx1">
+                    <a:tint val="75000"/>
+                  </a:schemeClr>
+                </a:solidFill>
+              </a:defRPr>
+            </a:lvl9pPr>
+          </a:lstStyle>
+          <a:p>
+            <a:pPr lvl="0"/>
+            <a:r>
+              <a:rPr lang="en-GB"/>
+              <a:t>Click to edit Master text styles</a:t>
+            </a:r>
+          </a:p>
+        </p:txBody>
+      </p:sp>
+      <p:sp>
+        <p:nvSpPr>
+          <p:cNvPr id="4" name="Date Placeholder 3"/>
+          <p:cNvSpPr>
+            <a:spLocks noGrp="1"/>
+          </p:cNvSpPr>
+          <p:nvPr>
+            <p:ph type="dt" sz="half" idx="10"/>
+          </p:nvPr>
+        </p:nvSpPr>
+        <p:spPr/>
+        <p:txBody>
+          <a:bodyPr/>
+          <a:lstStyle/>
+          <a:p>
+            <a:fld id="{BD22A0CC-2790-4A20-A97B-69996E852145}" type="datetimeFigureOut">
+              <a:rPr lang="en-GB" smtClean="0"/>
+              <a:t>17/01/2024</a:t>
+            </a:fld>
+            <a:endParaRPr lang="en-GB"/>
+          </a:p>
+        </p:txBody>
+      </p:sp>
+      <p:sp>
+        <p:nvSpPr>
+          <p:cNvPr id="5" name="Footer Placeholder 4"/>
+          <p:cNvSpPr>
+            <a:spLocks noGrp="1"/>
+          </p:cNvSpPr>
+          <p:nvPr>
+            <p:ph type="ftr" sz="quarter" idx="11"/>
+          </p:nvPr>
+        </p:nvSpPr>
+        <p:spPr/>
+        <p:txBody>
+          <a:bodyPr/>
+          <a:lstStyle/>
+          <a:p>
+            <a:endParaRPr lang="en-GB"/>
+          </a:p>
+        </p:txBody>
+      </p:sp>
+      <p:sp>
+        <p:nvSpPr>
+          <p:cNvPr id="6" name="Slide Number Placeholder 5"/>
+          <p:cNvSpPr>
+            <a:spLocks noGrp="1"/>
+          </p:cNvSpPr>
+          <p:nvPr>
+            <p:ph type="sldNum" sz="quarter" idx="12"/>
+          </p:nvPr>
+        </p:nvSpPr>
+        <p:spPr/>
+        <p:txBody>
+          <a:bodyPr/>
+          <a:lstStyle/>
+          <a:p>
+            <a:fld id="{3229C5EB-B930-4870-935C-95F6137B4414}" type="slidenum">
+              <a:rPr lang="en-GB" smtClean="0"/>
+              <a:t>‹#›</a:t>
+            </a:fld>
+            <a:endParaRPr lang="en-GB"/>
+          </a:p>
+        </p:txBody>
+      </p:sp>
+    </p:spTree>
+    <p:extLst>
+      <p:ext uri="{BB962C8B-B14F-4D97-AF65-F5344CB8AC3E}">
+        <p14:creationId xmlns:p14="http://schemas.microsoft.com/office/powerpoint/2010/main" val="4016959813"/>
+      </p:ext>
+    </p:extLst>
+  </p:cSld>
+  <p:clrMapOvr>
+    <a:masterClrMapping/>
+  </p:clrMapOvr>
+</p:sldLayout>
+</file>
+
+<file path=ppt/slideLayouts/slideLayout13.xml><?xml version="1.0" encoding="utf-8"?>
+<p:sldLayout xmlns:a="http://schemas.openxmlformats.org/drawingml/2006/main" xmlns:r="http://schemas.openxmlformats.org/officeDocument/2006/relationships" xmlns:p="http://schemas.openxmlformats.org/presentationml/2006/main" preserve="1">
+  <p:cSld name="Quote Name Card">
+    <p:spTree>
+      <p:nvGrpSpPr>
+        <p:cNvPr id="1" name=""/>
+        <p:cNvGrpSpPr/>
+        <p:nvPr/>
+      </p:nvGrpSpPr>
+      <p:grpSpPr>
+        <a:xfrm>
+          <a:off x="0" y="0"/>
+          <a:ext cx="0" cy="0"/>
+          <a:chOff x="0" y="0"/>
+          <a:chExt cx="0" cy="0"/>
+        </a:xfrm>
+      </p:grpSpPr>
+      <p:sp>
+        <p:nvSpPr>
+          <p:cNvPr id="2" name="Title 1"/>
+          <p:cNvSpPr>
+            <a:spLocks noGrp="1"/>
+          </p:cNvSpPr>
+          <p:nvPr>
+            <p:ph type="title"/>
+          </p:nvPr>
+        </p:nvSpPr>
+        <p:spPr>
+          <a:xfrm>
+            <a:off x="931334" y="609600"/>
+            <a:ext cx="8094134" cy="3022600"/>
+          </a:xfrm>
+        </p:spPr>
+        <p:txBody>
+          <a:bodyPr anchor="ctr">
+            <a:normAutofit/>
+          </a:bodyPr>
+          <a:lstStyle>
+            <a:lvl1pPr algn="l">
+              <a:defRPr sz="4400" b="0" cap="none"/>
+            </a:lvl1pPr>
+          </a:lstStyle>
+          <a:p>
+            <a:r>
+              <a:rPr lang="en-GB"/>
+              <a:t>Click to edit Master title style</a:t>
+            </a:r>
+            <a:endParaRPr lang="en-US" dirty="0"/>
+          </a:p>
+        </p:txBody>
+      </p:sp>
+      <p:sp>
+        <p:nvSpPr>
+          <p:cNvPr id="23" name="Text Placeholder 9"/>
+          <p:cNvSpPr>
+            <a:spLocks noGrp="1"/>
+          </p:cNvSpPr>
+          <p:nvPr>
+            <p:ph type="body" sz="quarter" idx="13"/>
+          </p:nvPr>
+        </p:nvSpPr>
+        <p:spPr>
+          <a:xfrm>
+            <a:off x="677332" y="4013200"/>
+            <a:ext cx="8596669" cy="514248"/>
+          </a:xfrm>
+        </p:spPr>
+        <p:txBody>
+          <a:bodyPr anchor="b">
+            <a:noAutofit/>
+          </a:bodyPr>
+          <a:lstStyle>
+            <a:lvl1pPr marL="0" indent="0">
+              <a:buFontTx/>
+              <a:buNone/>
+              <a:defRPr sz="2400">
+                <a:solidFill>
+                  <a:schemeClr val="tx1">
+                    <a:lumMod val="75000"/>
+                    <a:lumOff val="25000"/>
+                  </a:schemeClr>
+                </a:solidFill>
+              </a:defRPr>
+            </a:lvl1pPr>
+            <a:lvl2pPr marL="457200" indent="0">
+              <a:buFontTx/>
+              <a:buNone/>
+              <a:defRPr/>
+            </a:lvl2pPr>
+            <a:lvl3pPr marL="914400" indent="0">
+              <a:buFontTx/>
+              <a:buNone/>
+              <a:defRPr/>
+            </a:lvl3pPr>
+            <a:lvl4pPr marL="1371600" indent="0">
+              <a:buFontTx/>
+              <a:buNone/>
+              <a:defRPr/>
+            </a:lvl4pPr>
+            <a:lvl5pPr marL="1828800" indent="0">
+              <a:buFontTx/>
+              <a:buNone/>
+              <a:defRPr/>
+            </a:lvl5pPr>
+          </a:lstStyle>
+          <a:p>
+            <a:pPr lvl="0"/>
+            <a:r>
+              <a:rPr lang="en-GB"/>
+              <a:t>Click to edit Master text styles</a:t>
+            </a:r>
+          </a:p>
+        </p:txBody>
+      </p:sp>
+      <p:sp>
+        <p:nvSpPr>
+          <p:cNvPr id="3" name="Text Placeholder 2"/>
+          <p:cNvSpPr>
+            <a:spLocks noGrp="1"/>
+          </p:cNvSpPr>
+          <p:nvPr>
+            <p:ph type="body" idx="1"/>
+          </p:nvPr>
+        </p:nvSpPr>
+        <p:spPr>
+          <a:xfrm>
+            <a:off x="677335" y="4527448"/>
+            <a:ext cx="8596668" cy="1513914"/>
+          </a:xfrm>
+        </p:spPr>
+        <p:txBody>
+          <a:bodyPr anchor="t">
+            <a:normAutofit/>
+          </a:bodyPr>
+          <a:lstStyle>
+            <a:lvl1pPr marL="0" indent="0" algn="l">
+              <a:buNone/>
+              <a:defRPr sz="1800">
+                <a:solidFill>
+                  <a:schemeClr val="tx1">
+                    <a:lumMod val="50000"/>
+                    <a:lumOff val="50000"/>
+                  </a:schemeClr>
+                </a:solidFill>
+              </a:defRPr>
+            </a:lvl1pPr>
+            <a:lvl2pPr marL="457200" indent="0">
+              <a:buNone/>
+              <a:defRPr sz="1800">
+                <a:solidFill>
+                  <a:schemeClr val="tx1">
+                    <a:tint val="75000"/>
+                  </a:schemeClr>
+                </a:solidFill>
+              </a:defRPr>
+            </a:lvl2pPr>
+            <a:lvl3pPr marL="914400" indent="0">
+              <a:buNone/>
+              <a:defRPr sz="1600">
+                <a:solidFill>
+                  <a:schemeClr val="tx1">
+                    <a:tint val="75000"/>
+                  </a:schemeClr>
+                </a:solidFill>
+              </a:defRPr>
+            </a:lvl3pPr>
+            <a:lvl4pPr marL="1371600" indent="0">
+              <a:buNone/>
+              <a:defRPr sz="1400">
+                <a:solidFill>
+                  <a:schemeClr val="tx1">
+                    <a:tint val="75000"/>
+                  </a:schemeClr>
+                </a:solidFill>
+              </a:defRPr>
+            </a:lvl4pPr>
+            <a:lvl5pPr marL="1828800" indent="0">
+              <a:buNone/>
+              <a:defRPr sz="1400">
+                <a:solidFill>
+                  <a:schemeClr val="tx1">
+                    <a:tint val="75000"/>
+                  </a:schemeClr>
+                </a:solidFill>
+              </a:defRPr>
+            </a:lvl5pPr>
+            <a:lvl6pPr marL="2286000" indent="0">
+              <a:buNone/>
+              <a:defRPr sz="1400">
+                <a:solidFill>
+                  <a:schemeClr val="tx1">
+                    <a:tint val="75000"/>
+                  </a:schemeClr>
+                </a:solidFill>
+              </a:defRPr>
+            </a:lvl6pPr>
+            <a:lvl7pPr marL="2743200" indent="0">
+              <a:buNone/>
+              <a:defRPr sz="1400">
+                <a:solidFill>
+                  <a:schemeClr val="tx1">
+                    <a:tint val="75000"/>
+                  </a:schemeClr>
+                </a:solidFill>
+              </a:defRPr>
+            </a:lvl7pPr>
+            <a:lvl8pPr marL="3200400" indent="0">
+              <a:buNone/>
+              <a:defRPr sz="1400">
+                <a:solidFill>
+                  <a:schemeClr val="tx1">
+                    <a:tint val="75000"/>
+                  </a:schemeClr>
+                </a:solidFill>
+              </a:defRPr>
+            </a:lvl8pPr>
+            <a:lvl9pPr marL="3657600" indent="0">
+              <a:buNone/>
+              <a:defRPr sz="1400">
+                <a:solidFill>
+                  <a:schemeClr val="tx1">
+                    <a:tint val="75000"/>
+                  </a:schemeClr>
+                </a:solidFill>
+              </a:defRPr>
+            </a:lvl9pPr>
+          </a:lstStyle>
+          <a:p>
+            <a:pPr lvl="0"/>
+            <a:r>
+              <a:rPr lang="en-GB"/>
+              <a:t>Click to edit Master text styles</a:t>
+            </a:r>
+          </a:p>
+        </p:txBody>
+      </p:sp>
+      <p:sp>
+        <p:nvSpPr>
+          <p:cNvPr id="4" name="Date Placeholder 3"/>
+          <p:cNvSpPr>
+            <a:spLocks noGrp="1"/>
+          </p:cNvSpPr>
+          <p:nvPr>
+            <p:ph type="dt" sz="half" idx="10"/>
+          </p:nvPr>
+        </p:nvSpPr>
+        <p:spPr/>
+        <p:txBody>
+          <a:bodyPr/>
+          <a:lstStyle/>
+          <a:p>
+            <a:fld id="{BD22A0CC-2790-4A20-A97B-69996E852145}" type="datetimeFigureOut">
+              <a:rPr lang="en-GB" smtClean="0"/>
+              <a:t>17/01/2024</a:t>
+            </a:fld>
+            <a:endParaRPr lang="en-GB"/>
+          </a:p>
+        </p:txBody>
+      </p:sp>
+      <p:sp>
+        <p:nvSpPr>
+          <p:cNvPr id="5" name="Footer Placeholder 4"/>
+          <p:cNvSpPr>
+            <a:spLocks noGrp="1"/>
+          </p:cNvSpPr>
+          <p:nvPr>
+            <p:ph type="ftr" sz="quarter" idx="11"/>
+          </p:nvPr>
+        </p:nvSpPr>
+        <p:spPr/>
+        <p:txBody>
+          <a:bodyPr/>
+          <a:lstStyle/>
+          <a:p>
+            <a:endParaRPr lang="en-GB"/>
+          </a:p>
+        </p:txBody>
+      </p:sp>
+      <p:sp>
+        <p:nvSpPr>
+          <p:cNvPr id="6" name="Slide Number Placeholder 5"/>
+          <p:cNvSpPr>
+            <a:spLocks noGrp="1"/>
+          </p:cNvSpPr>
+          <p:nvPr>
+            <p:ph type="sldNum" sz="quarter" idx="12"/>
+          </p:nvPr>
+        </p:nvSpPr>
+        <p:spPr/>
+        <p:txBody>
+          <a:bodyPr/>
+          <a:lstStyle/>
+          <a:p>
+            <a:fld id="{3229C5EB-B930-4870-935C-95F6137B4414}" type="slidenum">
+              <a:rPr lang="en-GB" smtClean="0"/>
+              <a:t>‹#›</a:t>
+            </a:fld>
+            <a:endParaRPr lang="en-GB"/>
+          </a:p>
+        </p:txBody>
+      </p:sp>
+      <p:sp>
+        <p:nvSpPr>
+          <p:cNvPr id="24" name="TextBox 23"/>
+          <p:cNvSpPr txBox="1"/>
+          <p:nvPr/>
+        </p:nvSpPr>
+        <p:spPr>
+          <a:xfrm>
+            <a:off x="541870" y="790378"/>
+            <a:ext cx="609600" cy="584776"/>
+          </a:xfrm>
+          <a:prstGeom prst="rect">
+            <a:avLst/>
+          </a:prstGeom>
+        </p:spPr>
+        <p:txBody>
+          <a:bodyPr vert="horz" lIns="91440" tIns="45720" rIns="91440" bIns="45720" rtlCol="0" anchor="ctr">
+            <a:noAutofit/>
+          </a:bodyPr>
+          <a:lstStyle/>
+          <a:p>
+            <a:pPr lvl="0"/>
+            <a:r>
+              <a:rPr lang="en-US" sz="8000" baseline="0" dirty="0">
+                <a:ln w="3175" cmpd="sng">
+                  <a:noFill/>
+                </a:ln>
+                <a:solidFill>
+                  <a:schemeClr val="accent1">
+                    <a:lumMod val="60000"/>
+                    <a:lumOff val="40000"/>
+                  </a:schemeClr>
+                </a:solidFill>
+                <a:effectLst/>
+                <a:latin typeface="Arial"/>
+              </a:rPr>
+              <a:t>“</a:t>
+            </a:r>
+          </a:p>
+        </p:txBody>
+      </p:sp>
+      <p:sp>
+        <p:nvSpPr>
+          <p:cNvPr id="25" name="TextBox 24"/>
+          <p:cNvSpPr txBox="1"/>
+          <p:nvPr/>
+        </p:nvSpPr>
+        <p:spPr>
+          <a:xfrm>
+            <a:off x="8893011" y="2886556"/>
+            <a:ext cx="609600" cy="584776"/>
+          </a:xfrm>
+          <a:prstGeom prst="rect">
+            <a:avLst/>
+          </a:prstGeom>
+        </p:spPr>
+        <p:txBody>
+          <a:bodyPr vert="horz" lIns="91440" tIns="45720" rIns="91440" bIns="45720" rtlCol="0" anchor="ctr">
+            <a:noAutofit/>
+          </a:bodyPr>
+          <a:lstStyle/>
+          <a:p>
+            <a:pPr lvl="0"/>
+            <a:r>
+              <a:rPr lang="en-US" sz="8000" baseline="0" dirty="0">
+                <a:ln w="3175" cmpd="sng">
+                  <a:noFill/>
+                </a:ln>
+                <a:solidFill>
+                  <a:schemeClr val="accent1">
+                    <a:lumMod val="60000"/>
+                    <a:lumOff val="40000"/>
+                  </a:schemeClr>
+                </a:solidFill>
+                <a:effectLst/>
+                <a:latin typeface="Arial"/>
+              </a:rPr>
+              <a:t>”</a:t>
+            </a:r>
+          </a:p>
+        </p:txBody>
+      </p:sp>
+    </p:spTree>
+    <p:extLst>
+      <p:ext uri="{BB962C8B-B14F-4D97-AF65-F5344CB8AC3E}">
+        <p14:creationId xmlns:p14="http://schemas.microsoft.com/office/powerpoint/2010/main" val="3860320508"/>
+      </p:ext>
+    </p:extLst>
+  </p:cSld>
+  <p:clrMapOvr>
+    <a:masterClrMapping/>
+  </p:clrMapOvr>
+</p:sldLayout>
+</file>
+
+<file path=ppt/slideLayouts/slideLayout14.xml><?xml version="1.0" encoding="utf-8"?>
+<p:sldLayout xmlns:a="http://schemas.openxmlformats.org/drawingml/2006/main" xmlns:r="http://schemas.openxmlformats.org/officeDocument/2006/relationships" xmlns:p="http://schemas.openxmlformats.org/presentationml/2006/main" preserve="1">
+  <p:cSld name="True or False">
+    <p:spTree>
+      <p:nvGrpSpPr>
+        <p:cNvPr id="1" name=""/>
+        <p:cNvGrpSpPr/>
+        <p:nvPr/>
+      </p:nvGrpSpPr>
+      <p:grpSpPr>
+        <a:xfrm>
+          <a:off x="0" y="0"/>
+          <a:ext cx="0" cy="0"/>
+          <a:chOff x="0" y="0"/>
+          <a:chExt cx="0" cy="0"/>
+        </a:xfrm>
+      </p:grpSpPr>
+      <p:sp>
+        <p:nvSpPr>
+          <p:cNvPr id="2" name="Title 1"/>
+          <p:cNvSpPr>
+            <a:spLocks noGrp="1"/>
+          </p:cNvSpPr>
+          <p:nvPr>
+            <p:ph type="title"/>
+          </p:nvPr>
+        </p:nvSpPr>
+        <p:spPr>
+          <a:xfrm>
+            <a:off x="685799" y="609600"/>
+            <a:ext cx="8588203" cy="3022600"/>
+          </a:xfrm>
+        </p:spPr>
+        <p:txBody>
+          <a:bodyPr anchor="ctr">
+            <a:normAutofit/>
+          </a:bodyPr>
+          <a:lstStyle>
+            <a:lvl1pPr algn="l">
+              <a:defRPr sz="4400" b="0" cap="none"/>
+            </a:lvl1pPr>
+          </a:lstStyle>
+          <a:p>
+            <a:r>
+              <a:rPr lang="en-GB"/>
+              <a:t>Click to edit Master title style</a:t>
+            </a:r>
+            <a:endParaRPr lang="en-US" dirty="0"/>
+          </a:p>
+        </p:txBody>
+      </p:sp>
+      <p:sp>
+        <p:nvSpPr>
+          <p:cNvPr id="23" name="Text Placeholder 9"/>
+          <p:cNvSpPr>
+            <a:spLocks noGrp="1"/>
+          </p:cNvSpPr>
+          <p:nvPr>
+            <p:ph type="body" sz="quarter" idx="13"/>
+          </p:nvPr>
+        </p:nvSpPr>
+        <p:spPr>
+          <a:xfrm>
+            <a:off x="677332" y="4013200"/>
+            <a:ext cx="8596669" cy="514248"/>
+          </a:xfrm>
+        </p:spPr>
+        <p:txBody>
+          <a:bodyPr anchor="b">
+            <a:noAutofit/>
+          </a:bodyPr>
+          <a:lstStyle>
+            <a:lvl1pPr marL="0" indent="0">
+              <a:buFontTx/>
+              <a:buNone/>
+              <a:defRPr sz="2400">
+                <a:solidFill>
+                  <a:schemeClr val="accent1"/>
+                </a:solidFill>
+              </a:defRPr>
+            </a:lvl1pPr>
+            <a:lvl2pPr marL="457200" indent="0">
+              <a:buFontTx/>
+              <a:buNone/>
+              <a:defRPr/>
+            </a:lvl2pPr>
+            <a:lvl3pPr marL="914400" indent="0">
+              <a:buFontTx/>
+              <a:buNone/>
+              <a:defRPr/>
+            </a:lvl3pPr>
+            <a:lvl4pPr marL="1371600" indent="0">
+              <a:buFontTx/>
+              <a:buNone/>
+              <a:defRPr/>
+            </a:lvl4pPr>
+            <a:lvl5pPr marL="1828800" indent="0">
+              <a:buFontTx/>
+              <a:buNone/>
+              <a:defRPr/>
+            </a:lvl5pPr>
+          </a:lstStyle>
+          <a:p>
+            <a:pPr lvl="0"/>
+            <a:r>
+              <a:rPr lang="en-GB"/>
+              <a:t>Click to edit Master text styles</a:t>
+            </a:r>
+          </a:p>
+        </p:txBody>
+      </p:sp>
+      <p:sp>
+        <p:nvSpPr>
+          <p:cNvPr id="3" name="Text Placeholder 2"/>
+          <p:cNvSpPr>
+            <a:spLocks noGrp="1"/>
+          </p:cNvSpPr>
+          <p:nvPr>
+            <p:ph type="body" idx="1"/>
+          </p:nvPr>
+        </p:nvSpPr>
+        <p:spPr>
+          <a:xfrm>
+            <a:off x="677335" y="4527448"/>
+            <a:ext cx="8596668" cy="1513914"/>
+          </a:xfrm>
+        </p:spPr>
+        <p:txBody>
+          <a:bodyPr anchor="t">
+            <a:normAutofit/>
+          </a:bodyPr>
+          <a:lstStyle>
+            <a:lvl1pPr marL="0" indent="0" algn="l">
+              <a:buNone/>
+              <a:defRPr sz="1800">
+                <a:solidFill>
+                  <a:schemeClr val="tx1">
+                    <a:lumMod val="50000"/>
+                    <a:lumOff val="50000"/>
+                  </a:schemeClr>
+                </a:solidFill>
+              </a:defRPr>
+            </a:lvl1pPr>
+            <a:lvl2pPr marL="457200" indent="0">
+              <a:buNone/>
+              <a:defRPr sz="1800">
+                <a:solidFill>
+                  <a:schemeClr val="tx1">
+                    <a:tint val="75000"/>
+                  </a:schemeClr>
+                </a:solidFill>
+              </a:defRPr>
+            </a:lvl2pPr>
+            <a:lvl3pPr marL="914400" indent="0">
+              <a:buNone/>
+              <a:defRPr sz="1600">
+                <a:solidFill>
+                  <a:schemeClr val="tx1">
+                    <a:tint val="75000"/>
+                  </a:schemeClr>
+                </a:solidFill>
+              </a:defRPr>
+            </a:lvl3pPr>
+            <a:lvl4pPr marL="1371600" indent="0">
+              <a:buNone/>
+              <a:defRPr sz="1400">
+                <a:solidFill>
+                  <a:schemeClr val="tx1">
+                    <a:tint val="75000"/>
+                  </a:schemeClr>
+                </a:solidFill>
+              </a:defRPr>
+            </a:lvl4pPr>
+            <a:lvl5pPr marL="1828800" indent="0">
+              <a:buNone/>
+              <a:defRPr sz="1400">
+                <a:solidFill>
+                  <a:schemeClr val="tx1">
+                    <a:tint val="75000"/>
+                  </a:schemeClr>
+                </a:solidFill>
+              </a:defRPr>
+            </a:lvl5pPr>
+            <a:lvl6pPr marL="2286000" indent="0">
+              <a:buNone/>
+              <a:defRPr sz="1400">
+                <a:solidFill>
+                  <a:schemeClr val="tx1">
+                    <a:tint val="75000"/>
+                  </a:schemeClr>
+                </a:solidFill>
+              </a:defRPr>
+            </a:lvl6pPr>
+            <a:lvl7pPr marL="2743200" indent="0">
+              <a:buNone/>
+              <a:defRPr sz="1400">
+                <a:solidFill>
+                  <a:schemeClr val="tx1">
+                    <a:tint val="75000"/>
+                  </a:schemeClr>
+                </a:solidFill>
+              </a:defRPr>
+            </a:lvl7pPr>
+            <a:lvl8pPr marL="3200400" indent="0">
+              <a:buNone/>
+              <a:defRPr sz="1400">
+                <a:solidFill>
+                  <a:schemeClr val="tx1">
+                    <a:tint val="75000"/>
+                  </a:schemeClr>
+                </a:solidFill>
+              </a:defRPr>
+            </a:lvl8pPr>
+            <a:lvl9pPr marL="3657600" indent="0">
+              <a:buNone/>
+              <a:defRPr sz="1400">
+                <a:solidFill>
+                  <a:schemeClr val="tx1">
+                    <a:tint val="75000"/>
+                  </a:schemeClr>
+                </a:solidFill>
+              </a:defRPr>
+            </a:lvl9pPr>
+          </a:lstStyle>
+          <a:p>
+            <a:pPr lvl="0"/>
+            <a:r>
+              <a:rPr lang="en-GB"/>
+              <a:t>Click to edit Master text styles</a:t>
+            </a:r>
+          </a:p>
+        </p:txBody>
+      </p:sp>
+      <p:sp>
+        <p:nvSpPr>
+          <p:cNvPr id="4" name="Date Placeholder 3"/>
+          <p:cNvSpPr>
+            <a:spLocks noGrp="1"/>
+          </p:cNvSpPr>
+          <p:nvPr>
+            <p:ph type="dt" sz="half" idx="10"/>
+          </p:nvPr>
+        </p:nvSpPr>
+        <p:spPr/>
+        <p:txBody>
+          <a:bodyPr/>
+          <a:lstStyle/>
+          <a:p>
+            <a:fld id="{BD22A0CC-2790-4A20-A97B-69996E852145}" type="datetimeFigureOut">
+              <a:rPr lang="en-GB" smtClean="0"/>
+              <a:t>17/01/2024</a:t>
+            </a:fld>
+            <a:endParaRPr lang="en-GB"/>
+          </a:p>
+        </p:txBody>
+      </p:sp>
+      <p:sp>
+        <p:nvSpPr>
+          <p:cNvPr id="5" name="Footer Placeholder 4"/>
+          <p:cNvSpPr>
+            <a:spLocks noGrp="1"/>
+          </p:cNvSpPr>
+          <p:nvPr>
+            <p:ph type="ftr" sz="quarter" idx="11"/>
+          </p:nvPr>
+        </p:nvSpPr>
+        <p:spPr/>
+        <p:txBody>
+          <a:bodyPr/>
+          <a:lstStyle/>
+          <a:p>
+            <a:endParaRPr lang="en-GB"/>
+          </a:p>
+        </p:txBody>
+      </p:sp>
+      <p:sp>
+        <p:nvSpPr>
+          <p:cNvPr id="6" name="Slide Number Placeholder 5"/>
+          <p:cNvSpPr>
+            <a:spLocks noGrp="1"/>
+          </p:cNvSpPr>
+          <p:nvPr>
+            <p:ph type="sldNum" sz="quarter" idx="12"/>
+          </p:nvPr>
+        </p:nvSpPr>
+        <p:spPr/>
+        <p:txBody>
+          <a:bodyPr/>
+          <a:lstStyle/>
+          <a:p>
+            <a:fld id="{3229C5EB-B930-4870-935C-95F6137B4414}" type="slidenum">
+              <a:rPr lang="en-GB" smtClean="0"/>
+              <a:t>‹#›</a:t>
+            </a:fld>
+            <a:endParaRPr lang="en-GB"/>
+          </a:p>
+        </p:txBody>
+      </p:sp>
+    </p:spTree>
+    <p:extLst>
+      <p:ext uri="{BB962C8B-B14F-4D97-AF65-F5344CB8AC3E}">
+        <p14:creationId xmlns:p14="http://schemas.microsoft.com/office/powerpoint/2010/main" val="490910983"/>
+      </p:ext>
+    </p:extLst>
+  </p:cSld>
+  <p:clrMapOvr>
+    <a:masterClrMapping/>
+  </p:clrMapOvr>
+</p:sldLayout>
+</file>
+
+<file path=ppt/slideLayouts/slideLayout15.xml><?xml version="1.0" encoding="utf-8"?>
 <p:sldLayout xmlns:a="http://schemas.openxmlformats.org/drawingml/2006/main" xmlns:r="http://schemas.openxmlformats.org/officeDocument/2006/relationships" xmlns:p="http://schemas.openxmlformats.org/presentationml/2006/main" type="vertTx" preserve="1">
   <p:cSld name="Title and Vertical Text">
     <p:spTree>
@@ -1439,13 +3631,7 @@
       </p:grpSpPr>
       <p:sp>
         <p:nvSpPr>
-          <p:cNvPr id="2" name="Title 1">
-            <a:extLst>
-              <a:ext uri="{FF2B5EF4-FFF2-40B4-BE49-F238E27FC236}">
-                <a16:creationId xmlns:a16="http://schemas.microsoft.com/office/drawing/2014/main" id="{2B1E22ED-4A07-6E30-5F24-10A45915B67F}"/>
-              </a:ext>
-            </a:extLst>
-          </p:cNvPr>
+          <p:cNvPr id="2" name="Title 1"/>
           <p:cNvSpPr>
             <a:spLocks noGrp="1"/>
           </p:cNvSpPr>
@@ -1462,18 +3648,13 @@
               <a:rPr lang="en-GB"/>
               <a:t>Click to edit Master title style</a:t>
             </a:r>
-          </a:p>
-        </p:txBody>
-      </p:sp>
-      <p:sp>
-        <p:nvSpPr>
-          <p:cNvPr id="3" name="Vertical Text Placeholder 2">
-            <a:extLst>
-              <a:ext uri="{FF2B5EF4-FFF2-40B4-BE49-F238E27FC236}">
-                <a16:creationId xmlns:a16="http://schemas.microsoft.com/office/drawing/2014/main" id="{D029E925-6714-809F-749F-3644FD0CA9C8}"/>
-              </a:ext>
-            </a:extLst>
-          </p:cNvPr>
+            <a:endParaRPr lang="en-US" dirty="0"/>
+          </a:p>
+        </p:txBody>
+      </p:sp>
+      <p:sp>
+        <p:nvSpPr>
+          <p:cNvPr id="3" name="Vertical Text Placeholder 2"/>
           <p:cNvSpPr>
             <a:spLocks noGrp="1"/>
           </p:cNvSpPr>
@@ -1519,18 +3700,13 @@
               <a:rPr lang="en-GB"/>
               <a:t>Fifth level</a:t>
             </a:r>
-          </a:p>
-        </p:txBody>
-      </p:sp>
-      <p:sp>
-        <p:nvSpPr>
-          <p:cNvPr id="4" name="Date Placeholder 3">
-            <a:extLst>
-              <a:ext uri="{FF2B5EF4-FFF2-40B4-BE49-F238E27FC236}">
-                <a16:creationId xmlns:a16="http://schemas.microsoft.com/office/drawing/2014/main" id="{B8D38191-A331-0E1F-2BA9-69670F30F942}"/>
-              </a:ext>
-            </a:extLst>
-          </p:cNvPr>
+            <a:endParaRPr lang="en-US" dirty="0"/>
+          </a:p>
+        </p:txBody>
+      </p:sp>
+      <p:sp>
+        <p:nvSpPr>
+          <p:cNvPr id="4" name="Date Placeholder 3"/>
           <p:cNvSpPr>
             <a:spLocks noGrp="1"/>
           </p:cNvSpPr>
@@ -1545,7 +3721,7 @@
           <a:p>
             <a:fld id="{BD22A0CC-2790-4A20-A97B-69996E852145}" type="datetimeFigureOut">
               <a:rPr lang="en-GB" smtClean="0"/>
-              <a:t>15/01/2024</a:t>
+              <a:t>17/01/2024</a:t>
             </a:fld>
             <a:endParaRPr lang="en-GB"/>
           </a:p>
@@ -1553,13 +3729,7 @@
       </p:sp>
       <p:sp>
         <p:nvSpPr>
-          <p:cNvPr id="5" name="Footer Placeholder 4">
-            <a:extLst>
-              <a:ext uri="{FF2B5EF4-FFF2-40B4-BE49-F238E27FC236}">
-                <a16:creationId xmlns:a16="http://schemas.microsoft.com/office/drawing/2014/main" id="{8ACF58DB-9FE5-895F-B991-059AC8491E88}"/>
-              </a:ext>
-            </a:extLst>
-          </p:cNvPr>
+          <p:cNvPr id="5" name="Footer Placeholder 4"/>
           <p:cNvSpPr>
             <a:spLocks noGrp="1"/>
           </p:cNvSpPr>
@@ -1578,13 +3748,7 @@
       </p:sp>
       <p:sp>
         <p:nvSpPr>
-          <p:cNvPr id="6" name="Slide Number Placeholder 5">
-            <a:extLst>
-              <a:ext uri="{FF2B5EF4-FFF2-40B4-BE49-F238E27FC236}">
-                <a16:creationId xmlns:a16="http://schemas.microsoft.com/office/drawing/2014/main" id="{92975420-FB1A-7CAD-952D-987E0645A6E9}"/>
-              </a:ext>
-            </a:extLst>
-          </p:cNvPr>
+          <p:cNvPr id="6" name="Slide Number Placeholder 5"/>
           <p:cNvSpPr>
             <a:spLocks noGrp="1"/>
           </p:cNvSpPr>
@@ -1608,7 +3772,7 @@
     </p:spTree>
     <p:extLst>
       <p:ext uri="{BB962C8B-B14F-4D97-AF65-F5344CB8AC3E}">
-        <p14:creationId xmlns:p14="http://schemas.microsoft.com/office/powerpoint/2010/main" val="2370960053"/>
+        <p14:creationId xmlns:p14="http://schemas.microsoft.com/office/powerpoint/2010/main" val="3713081329"/>
       </p:ext>
     </p:extLst>
   </p:cSld>
@@ -1618,7 +3782,7 @@
 </p:sldLayout>
 </file>
 
-<file path=ppt/slideLayouts/slideLayout11.xml><?xml version="1.0" encoding="utf-8"?>
+<file path=ppt/slideLayouts/slideLayout16.xml><?xml version="1.0" encoding="utf-8"?>
 <p:sldLayout xmlns:a="http://schemas.openxmlformats.org/drawingml/2006/main" xmlns:r="http://schemas.openxmlformats.org/officeDocument/2006/relationships" xmlns:p="http://schemas.openxmlformats.org/presentationml/2006/main" type="vertTitleAndTx" preserve="1">
   <p:cSld name="Vertical Title and Text">
     <p:spTree>
@@ -1637,13 +3801,7 @@
       </p:grpSpPr>
       <p:sp>
         <p:nvSpPr>
-          <p:cNvPr id="2" name="Vertical Title 1">
-            <a:extLst>
-              <a:ext uri="{FF2B5EF4-FFF2-40B4-BE49-F238E27FC236}">
-                <a16:creationId xmlns:a16="http://schemas.microsoft.com/office/drawing/2014/main" id="{A49AC118-9CEF-7993-2E5C-D775737041DF}"/>
-              </a:ext>
-            </a:extLst>
-          </p:cNvPr>
+          <p:cNvPr id="2" name="Vertical Title 1"/>
           <p:cNvSpPr>
             <a:spLocks noGrp="1"/>
           </p:cNvSpPr>
@@ -1653,30 +3811,25 @@
         </p:nvSpPr>
         <p:spPr>
           <a:xfrm>
-            <a:off x="8724900" y="365125"/>
-            <a:ext cx="2628900" cy="5811838"/>
+            <a:off x="7967673" y="609599"/>
+            <a:ext cx="1304743" cy="5251451"/>
           </a:xfrm>
         </p:spPr>
         <p:txBody>
-          <a:bodyPr vert="eaVert"/>
+          <a:bodyPr vert="eaVert" anchor="ctr"/>
           <a:lstStyle/>
           <a:p>
             <a:r>
               <a:rPr lang="en-GB"/>
               <a:t>Click to edit Master title style</a:t>
             </a:r>
-          </a:p>
-        </p:txBody>
-      </p:sp>
-      <p:sp>
-        <p:nvSpPr>
-          <p:cNvPr id="3" name="Vertical Text Placeholder 2">
-            <a:extLst>
-              <a:ext uri="{FF2B5EF4-FFF2-40B4-BE49-F238E27FC236}">
-                <a16:creationId xmlns:a16="http://schemas.microsoft.com/office/drawing/2014/main" id="{A4384C1A-E92A-64F5-BB6C-D076B67EF39F}"/>
-              </a:ext>
-            </a:extLst>
-          </p:cNvPr>
+            <a:endParaRPr lang="en-US" dirty="0"/>
+          </a:p>
+        </p:txBody>
+      </p:sp>
+      <p:sp>
+        <p:nvSpPr>
+          <p:cNvPr id="3" name="Vertical Text Placeholder 2"/>
           <p:cNvSpPr>
             <a:spLocks noGrp="1"/>
           </p:cNvSpPr>
@@ -1686,8 +3839,8 @@
         </p:nvSpPr>
         <p:spPr>
           <a:xfrm>
-            <a:off x="838200" y="365125"/>
-            <a:ext cx="7734300" cy="5811838"/>
+            <a:off x="677335" y="609600"/>
+            <a:ext cx="7060150" cy="5251450"/>
           </a:xfrm>
         </p:spPr>
         <p:txBody>
@@ -1727,18 +3880,13 @@
               <a:rPr lang="en-GB"/>
               <a:t>Fifth level</a:t>
             </a:r>
-          </a:p>
-        </p:txBody>
-      </p:sp>
-      <p:sp>
-        <p:nvSpPr>
-          <p:cNvPr id="4" name="Date Placeholder 3">
-            <a:extLst>
-              <a:ext uri="{FF2B5EF4-FFF2-40B4-BE49-F238E27FC236}">
-                <a16:creationId xmlns:a16="http://schemas.microsoft.com/office/drawing/2014/main" id="{09555053-BD04-A441-10B1-D5FB5BC9D004}"/>
-              </a:ext>
-            </a:extLst>
-          </p:cNvPr>
+            <a:endParaRPr lang="en-US" dirty="0"/>
+          </a:p>
+        </p:txBody>
+      </p:sp>
+      <p:sp>
+        <p:nvSpPr>
+          <p:cNvPr id="4" name="Date Placeholder 3"/>
           <p:cNvSpPr>
             <a:spLocks noGrp="1"/>
           </p:cNvSpPr>
@@ -1753,7 +3901,7 @@
           <a:p>
             <a:fld id="{BD22A0CC-2790-4A20-A97B-69996E852145}" type="datetimeFigureOut">
               <a:rPr lang="en-GB" smtClean="0"/>
-              <a:t>15/01/2024</a:t>
+              <a:t>17/01/2024</a:t>
             </a:fld>
             <a:endParaRPr lang="en-GB"/>
           </a:p>
@@ -1761,13 +3909,7 @@
       </p:sp>
       <p:sp>
         <p:nvSpPr>
-          <p:cNvPr id="5" name="Footer Placeholder 4">
-            <a:extLst>
-              <a:ext uri="{FF2B5EF4-FFF2-40B4-BE49-F238E27FC236}">
-                <a16:creationId xmlns:a16="http://schemas.microsoft.com/office/drawing/2014/main" id="{1A24167C-2A0C-3E3B-46EE-8B277A27FC1F}"/>
-              </a:ext>
-            </a:extLst>
-          </p:cNvPr>
+          <p:cNvPr id="5" name="Footer Placeholder 4"/>
           <p:cNvSpPr>
             <a:spLocks noGrp="1"/>
           </p:cNvSpPr>
@@ -1786,13 +3928,7 @@
       </p:sp>
       <p:sp>
         <p:nvSpPr>
-          <p:cNvPr id="6" name="Slide Number Placeholder 5">
-            <a:extLst>
-              <a:ext uri="{FF2B5EF4-FFF2-40B4-BE49-F238E27FC236}">
-                <a16:creationId xmlns:a16="http://schemas.microsoft.com/office/drawing/2014/main" id="{E1051C0B-2C89-4F3A-B6DF-72C99DC23266}"/>
-              </a:ext>
-            </a:extLst>
-          </p:cNvPr>
+          <p:cNvPr id="6" name="Slide Number Placeholder 5"/>
           <p:cNvSpPr>
             <a:spLocks noGrp="1"/>
           </p:cNvSpPr>
@@ -1816,7 +3952,7 @@
     </p:spTree>
     <p:extLst>
       <p:ext uri="{BB962C8B-B14F-4D97-AF65-F5344CB8AC3E}">
-        <p14:creationId xmlns:p14="http://schemas.microsoft.com/office/powerpoint/2010/main" val="3470096697"/>
+        <p14:creationId xmlns:p14="http://schemas.microsoft.com/office/powerpoint/2010/main" val="1476777245"/>
       </p:ext>
     </p:extLst>
   </p:cSld>
@@ -1845,13 +3981,7 @@
       </p:grpSpPr>
       <p:sp>
         <p:nvSpPr>
-          <p:cNvPr id="2" name="Title 1">
-            <a:extLst>
-              <a:ext uri="{FF2B5EF4-FFF2-40B4-BE49-F238E27FC236}">
-                <a16:creationId xmlns:a16="http://schemas.microsoft.com/office/drawing/2014/main" id="{5FFD0B90-5C46-C94C-6C74-50876A300BAD}"/>
-              </a:ext>
-            </a:extLst>
-          </p:cNvPr>
+          <p:cNvPr id="2" name="Title 1"/>
           <p:cNvSpPr>
             <a:spLocks noGrp="1"/>
           </p:cNvSpPr>
@@ -1861,25 +3991,26 @@
         </p:nvSpPr>
         <p:spPr/>
         <p:txBody>
-          <a:bodyPr/>
-          <a:lstStyle/>
+          <a:bodyPr>
+            <a:normAutofit/>
+          </a:bodyPr>
+          <a:lstStyle>
+            <a:lvl1pPr>
+              <a:defRPr sz="3600"/>
+            </a:lvl1pPr>
+          </a:lstStyle>
           <a:p>
             <a:r>
               <a:rPr lang="en-GB"/>
               <a:t>Click to edit Master title style</a:t>
             </a:r>
-          </a:p>
-        </p:txBody>
-      </p:sp>
-      <p:sp>
-        <p:nvSpPr>
-          <p:cNvPr id="3" name="Content Placeholder 2">
-            <a:extLst>
-              <a:ext uri="{FF2B5EF4-FFF2-40B4-BE49-F238E27FC236}">
-                <a16:creationId xmlns:a16="http://schemas.microsoft.com/office/drawing/2014/main" id="{5148F12F-D2A1-CE7A-13C7-660E6DBFDDCA}"/>
-              </a:ext>
-            </a:extLst>
-          </p:cNvPr>
+            <a:endParaRPr lang="en-US" dirty="0"/>
+          </a:p>
+        </p:txBody>
+      </p:sp>
+      <p:sp>
+        <p:nvSpPr>
+          <p:cNvPr id="3" name="Content Placeholder 2"/>
           <p:cNvSpPr>
             <a:spLocks noGrp="1"/>
           </p:cNvSpPr>
@@ -1925,18 +4056,13 @@
               <a:rPr lang="en-GB"/>
               <a:t>Fifth level</a:t>
             </a:r>
-          </a:p>
-        </p:txBody>
-      </p:sp>
-      <p:sp>
-        <p:nvSpPr>
-          <p:cNvPr id="4" name="Date Placeholder 3">
-            <a:extLst>
-              <a:ext uri="{FF2B5EF4-FFF2-40B4-BE49-F238E27FC236}">
-                <a16:creationId xmlns:a16="http://schemas.microsoft.com/office/drawing/2014/main" id="{D2AE2B98-DCB3-B3B0-FA73-1BDCE3FCE9FB}"/>
-              </a:ext>
-            </a:extLst>
-          </p:cNvPr>
+            <a:endParaRPr lang="en-US" dirty="0"/>
+          </a:p>
+        </p:txBody>
+      </p:sp>
+      <p:sp>
+        <p:nvSpPr>
+          <p:cNvPr id="4" name="Date Placeholder 3"/>
           <p:cNvSpPr>
             <a:spLocks noGrp="1"/>
           </p:cNvSpPr>
@@ -1951,7 +4077,7 @@
           <a:p>
             <a:fld id="{BD22A0CC-2790-4A20-A97B-69996E852145}" type="datetimeFigureOut">
               <a:rPr lang="en-GB" smtClean="0"/>
-              <a:t>15/01/2024</a:t>
+              <a:t>17/01/2024</a:t>
             </a:fld>
             <a:endParaRPr lang="en-GB"/>
           </a:p>
@@ -1959,13 +4085,7 @@
       </p:sp>
       <p:sp>
         <p:nvSpPr>
-          <p:cNvPr id="5" name="Footer Placeholder 4">
-            <a:extLst>
-              <a:ext uri="{FF2B5EF4-FFF2-40B4-BE49-F238E27FC236}">
-                <a16:creationId xmlns:a16="http://schemas.microsoft.com/office/drawing/2014/main" id="{243318E3-4D72-1D3C-C0ED-938774A4BA18}"/>
-              </a:ext>
-            </a:extLst>
-          </p:cNvPr>
+          <p:cNvPr id="5" name="Footer Placeholder 4"/>
           <p:cNvSpPr>
             <a:spLocks noGrp="1"/>
           </p:cNvSpPr>
@@ -1984,13 +4104,7 @@
       </p:sp>
       <p:sp>
         <p:nvSpPr>
-          <p:cNvPr id="6" name="Slide Number Placeholder 5">
-            <a:extLst>
-              <a:ext uri="{FF2B5EF4-FFF2-40B4-BE49-F238E27FC236}">
-                <a16:creationId xmlns:a16="http://schemas.microsoft.com/office/drawing/2014/main" id="{083D9FE8-50BB-8D37-5BBD-24871FF3F5FB}"/>
-              </a:ext>
-            </a:extLst>
-          </p:cNvPr>
+          <p:cNvPr id="6" name="Slide Number Placeholder 5"/>
           <p:cNvSpPr>
             <a:spLocks noGrp="1"/>
           </p:cNvSpPr>
@@ -2014,7 +4128,7 @@
     </p:spTree>
     <p:extLst>
       <p:ext uri="{BB962C8B-B14F-4D97-AF65-F5344CB8AC3E}">
-        <p14:creationId xmlns:p14="http://schemas.microsoft.com/office/powerpoint/2010/main" val="87210137"/>
+        <p14:creationId xmlns:p14="http://schemas.microsoft.com/office/powerpoint/2010/main" val="3378992885"/>
       </p:ext>
     </p:extLst>
   </p:cSld>
@@ -2043,13 +4157,7 @@
       </p:grpSpPr>
       <p:sp>
         <p:nvSpPr>
-          <p:cNvPr id="2" name="Title 1">
-            <a:extLst>
-              <a:ext uri="{FF2B5EF4-FFF2-40B4-BE49-F238E27FC236}">
-                <a16:creationId xmlns:a16="http://schemas.microsoft.com/office/drawing/2014/main" id="{BFD90C64-4A97-71E7-B498-39637D0134E5}"/>
-              </a:ext>
-            </a:extLst>
-          </p:cNvPr>
+          <p:cNvPr id="2" name="Title 1"/>
           <p:cNvSpPr>
             <a:spLocks noGrp="1"/>
           </p:cNvSpPr>
@@ -2059,15 +4167,15 @@
         </p:nvSpPr>
         <p:spPr>
           <a:xfrm>
-            <a:off x="831850" y="1709738"/>
-            <a:ext cx="10515600" cy="2852737"/>
+            <a:off x="677335" y="2700867"/>
+            <a:ext cx="8596668" cy="1826581"/>
           </a:xfrm>
         </p:spPr>
         <p:txBody>
           <a:bodyPr anchor="b"/>
           <a:lstStyle>
-            <a:lvl1pPr>
-              <a:defRPr sz="6000"/>
+            <a:lvl1pPr algn="l">
+              <a:defRPr sz="4000" b="0" cap="none"/>
             </a:lvl1pPr>
           </a:lstStyle>
           <a:p>
@@ -2075,18 +4183,13 @@
               <a:rPr lang="en-GB"/>
               <a:t>Click to edit Master title style</a:t>
             </a:r>
-          </a:p>
-        </p:txBody>
-      </p:sp>
-      <p:sp>
-        <p:nvSpPr>
-          <p:cNvPr id="3" name="Text Placeholder 2">
-            <a:extLst>
-              <a:ext uri="{FF2B5EF4-FFF2-40B4-BE49-F238E27FC236}">
-                <a16:creationId xmlns:a16="http://schemas.microsoft.com/office/drawing/2014/main" id="{8582E219-C758-4EDE-C940-C1A9BB8B3631}"/>
-              </a:ext>
-            </a:extLst>
-          </p:cNvPr>
+            <a:endParaRPr lang="en-US" dirty="0"/>
+          </a:p>
+        </p:txBody>
+      </p:sp>
+      <p:sp>
+        <p:nvSpPr>
+          <p:cNvPr id="3" name="Text Placeholder 2"/>
           <p:cNvSpPr>
             <a:spLocks noGrp="1"/>
           </p:cNvSpPr>
@@ -2096,99 +4199,100 @@
         </p:nvSpPr>
         <p:spPr>
           <a:xfrm>
-            <a:off x="831850" y="4589463"/>
-            <a:ext cx="10515600" cy="1500187"/>
+            <a:off x="677335" y="4527448"/>
+            <a:ext cx="8596668" cy="860400"/>
           </a:xfrm>
         </p:spPr>
         <p:txBody>
-          <a:bodyPr/>
+          <a:bodyPr anchor="t"/>
           <a:lstStyle>
-            <a:lvl1pPr marL="0" indent="0">
-              <a:buNone/>
-              <a:defRPr sz="2400">
+            <a:lvl1pPr marL="0" indent="0" algn="l">
+              <a:buNone/>
+              <a:defRPr sz="2000">
                 <a:solidFill>
                   <a:schemeClr val="tx1">
-                    <a:tint val="82000"/>
+                    <a:lumMod val="50000"/>
+                    <a:lumOff val="50000"/>
                   </a:schemeClr>
                 </a:solidFill>
               </a:defRPr>
             </a:lvl1pPr>
             <a:lvl2pPr marL="457200" indent="0">
               <a:buNone/>
-              <a:defRPr sz="2000">
+              <a:defRPr sz="1800">
                 <a:solidFill>
                   <a:schemeClr val="tx1">
-                    <a:tint val="82000"/>
+                    <a:tint val="75000"/>
                   </a:schemeClr>
                 </a:solidFill>
               </a:defRPr>
             </a:lvl2pPr>
             <a:lvl3pPr marL="914400" indent="0">
               <a:buNone/>
-              <a:defRPr sz="1800">
+              <a:defRPr sz="1600">
                 <a:solidFill>
                   <a:schemeClr val="tx1">
-                    <a:tint val="82000"/>
+                    <a:tint val="75000"/>
                   </a:schemeClr>
                 </a:solidFill>
               </a:defRPr>
             </a:lvl3pPr>
             <a:lvl4pPr marL="1371600" indent="0">
               <a:buNone/>
-              <a:defRPr sz="1600">
+              <a:defRPr sz="1400">
                 <a:solidFill>
                   <a:schemeClr val="tx1">
-                    <a:tint val="82000"/>
+                    <a:tint val="75000"/>
                   </a:schemeClr>
                 </a:solidFill>
               </a:defRPr>
             </a:lvl4pPr>
             <a:lvl5pPr marL="1828800" indent="0">
               <a:buNone/>
-              <a:defRPr sz="1600">
+              <a:defRPr sz="1400">
                 <a:solidFill>
                   <a:schemeClr val="tx1">
-                    <a:tint val="82000"/>
+                    <a:tint val="75000"/>
                   </a:schemeClr>
                 </a:solidFill>
               </a:defRPr>
             </a:lvl5pPr>
             <a:lvl6pPr marL="2286000" indent="0">
               <a:buNone/>
-              <a:defRPr sz="1600">
+              <a:defRPr sz="1400">
                 <a:solidFill>
                   <a:schemeClr val="tx1">
-                    <a:tint val="82000"/>
+                    <a:tint val="75000"/>
                   </a:schemeClr>
                 </a:solidFill>
               </a:defRPr>
             </a:lvl6pPr>
             <a:lvl7pPr marL="2743200" indent="0">
               <a:buNone/>
-              <a:defRPr sz="1600">
+              <a:defRPr sz="1400">
                 <a:solidFill>
                   <a:schemeClr val="tx1">
-                    <a:tint val="82000"/>
+                    <a:tint val="75000"/>
                   </a:schemeClr>
                 </a:solidFill>
               </a:defRPr>
             </a:lvl7pPr>
             <a:lvl8pPr marL="3200400" indent="0">
               <a:buNone/>
-              <a:defRPr sz="1600">
+              <a:defRPr sz="1400">
                 <a:solidFill>
                   <a:schemeClr val="tx1">
-                    <a:tint val="82000"/>
+                    <a:tint val="75000"/>
                   </a:schemeClr>
                 </a:solidFill>
               </a:defRPr>
             </a:lvl8pPr>
             <a:lvl9pPr marL="3657600" indent="0">
               <a:buNone/>
-              <a:defRPr sz="1600">
+              <a:defRPr sz="1400">
                 <a:solidFill>
                   <a:schemeClr val="tx1">
-                    <a:tint val="82000"/>
+                    <a:tint val="75000"/>
                   </a:schemeClr>
                 </a:solidFill>
               </a:defRPr>
@@ -2205,13 +4309,7 @@
       </p:sp>
       <p:sp>
         <p:nvSpPr>
-          <p:cNvPr id="4" name="Date Placeholder 3">
-            <a:extLst>
-              <a:ext uri="{FF2B5EF4-FFF2-40B4-BE49-F238E27FC236}">
-                <a16:creationId xmlns:a16="http://schemas.microsoft.com/office/drawing/2014/main" id="{58526424-B8C8-9EDF-E02A-C07672A2A929}"/>
-              </a:ext>
-            </a:extLst>
-          </p:cNvPr>
+          <p:cNvPr id="4" name="Date Placeholder 3"/>
           <p:cNvSpPr>
             <a:spLocks noGrp="1"/>
           </p:cNvSpPr>
@@ -2226,7 +4324,7 @@
           <a:p>
             <a:fld id="{BD22A0CC-2790-4A20-A97B-69996E852145}" type="datetimeFigureOut">
               <a:rPr lang="en-GB" smtClean="0"/>
-              <a:t>15/01/2024</a:t>
+              <a:t>17/01/2024</a:t>
             </a:fld>
             <a:endParaRPr lang="en-GB"/>
           </a:p>
@@ -2234,13 +4332,7 @@
       </p:sp>
       <p:sp>
         <p:nvSpPr>
-          <p:cNvPr id="5" name="Footer Placeholder 4">
-            <a:extLst>
-              <a:ext uri="{FF2B5EF4-FFF2-40B4-BE49-F238E27FC236}">
-                <a16:creationId xmlns:a16="http://schemas.microsoft.com/office/drawing/2014/main" id="{3E55D596-A872-70A8-A4A6-EAC7BD3EFAC7}"/>
-              </a:ext>
-            </a:extLst>
-          </p:cNvPr>
+          <p:cNvPr id="5" name="Footer Placeholder 4"/>
           <p:cNvSpPr>
             <a:spLocks noGrp="1"/>
           </p:cNvSpPr>
@@ -2259,13 +4351,7 @@
       </p:sp>
       <p:sp>
         <p:nvSpPr>
-          <p:cNvPr id="6" name="Slide Number Placeholder 5">
-            <a:extLst>
-              <a:ext uri="{FF2B5EF4-FFF2-40B4-BE49-F238E27FC236}">
-                <a16:creationId xmlns:a16="http://schemas.microsoft.com/office/drawing/2014/main" id="{34DC5B85-DC31-62E8-D427-1836AB4547ED}"/>
-              </a:ext>
-            </a:extLst>
-          </p:cNvPr>
+          <p:cNvPr id="6" name="Slide Number Placeholder 5"/>
           <p:cNvSpPr>
             <a:spLocks noGrp="1"/>
           </p:cNvSpPr>
@@ -2289,7 +4375,7 @@
     </p:spTree>
     <p:extLst>
       <p:ext uri="{BB962C8B-B14F-4D97-AF65-F5344CB8AC3E}">
-        <p14:creationId xmlns:p14="http://schemas.microsoft.com/office/powerpoint/2010/main" val="129166510"/>
+        <p14:creationId xmlns:p14="http://schemas.microsoft.com/office/powerpoint/2010/main" val="567252178"/>
       </p:ext>
     </p:extLst>
   </p:cSld>
@@ -2318,13 +4404,7 @@
       </p:grpSpPr>
       <p:sp>
         <p:nvSpPr>
-          <p:cNvPr id="2" name="Title 1">
-            <a:extLst>
-              <a:ext uri="{FF2B5EF4-FFF2-40B4-BE49-F238E27FC236}">
-                <a16:creationId xmlns:a16="http://schemas.microsoft.com/office/drawing/2014/main" id="{CB90BBAB-E35E-0416-DF09-AAED1350AB61}"/>
-              </a:ext>
-            </a:extLst>
-          </p:cNvPr>
+          <p:cNvPr id="2" name="Title 1"/>
           <p:cNvSpPr>
             <a:spLocks noGrp="1"/>
           </p:cNvSpPr>
@@ -2341,18 +4421,13 @@
               <a:rPr lang="en-GB"/>
               <a:t>Click to edit Master title style</a:t>
             </a:r>
-          </a:p>
-        </p:txBody>
-      </p:sp>
-      <p:sp>
-        <p:nvSpPr>
-          <p:cNvPr id="3" name="Content Placeholder 2">
-            <a:extLst>
-              <a:ext uri="{FF2B5EF4-FFF2-40B4-BE49-F238E27FC236}">
-                <a16:creationId xmlns:a16="http://schemas.microsoft.com/office/drawing/2014/main" id="{E647877A-38E8-5645-9258-24B0ABFE3404}"/>
-              </a:ext>
-            </a:extLst>
-          </p:cNvPr>
+            <a:endParaRPr lang="en-US" dirty="0"/>
+          </a:p>
+        </p:txBody>
+      </p:sp>
+      <p:sp>
+        <p:nvSpPr>
+          <p:cNvPr id="3" name="Content Placeholder 2"/>
           <p:cNvSpPr>
             <a:spLocks noGrp="1"/>
           </p:cNvSpPr>
@@ -2362,8 +4437,8 @@
         </p:nvSpPr>
         <p:spPr>
           <a:xfrm>
-            <a:off x="838200" y="1825625"/>
-            <a:ext cx="5181600" cy="4351338"/>
+            <a:off x="677334" y="2160589"/>
+            <a:ext cx="4184035" cy="3880772"/>
           </a:xfrm>
         </p:spPr>
         <p:txBody>
@@ -2403,18 +4478,13 @@
               <a:rPr lang="en-GB"/>
               <a:t>Fifth level</a:t>
             </a:r>
-          </a:p>
-        </p:txBody>
-      </p:sp>
-      <p:sp>
-        <p:nvSpPr>
-          <p:cNvPr id="4" name="Content Placeholder 3">
-            <a:extLst>
-              <a:ext uri="{FF2B5EF4-FFF2-40B4-BE49-F238E27FC236}">
-                <a16:creationId xmlns:a16="http://schemas.microsoft.com/office/drawing/2014/main" id="{982CE416-DA12-52DC-E696-780AB63E7083}"/>
-              </a:ext>
-            </a:extLst>
-          </p:cNvPr>
+            <a:endParaRPr lang="en-US" dirty="0"/>
+          </a:p>
+        </p:txBody>
+      </p:sp>
+      <p:sp>
+        <p:nvSpPr>
+          <p:cNvPr id="4" name="Content Placeholder 3"/>
           <p:cNvSpPr>
             <a:spLocks noGrp="1"/>
           </p:cNvSpPr>
@@ -2424,8 +4494,8 @@
         </p:nvSpPr>
         <p:spPr>
           <a:xfrm>
-            <a:off x="6172200" y="1825625"/>
-            <a:ext cx="5181600" cy="4351338"/>
+            <a:off x="5089970" y="2160589"/>
+            <a:ext cx="4184034" cy="3880773"/>
           </a:xfrm>
         </p:spPr>
         <p:txBody>
@@ -2465,18 +4535,13 @@
               <a:rPr lang="en-GB"/>
               <a:t>Fifth level</a:t>
             </a:r>
-          </a:p>
-        </p:txBody>
-      </p:sp>
-      <p:sp>
-        <p:nvSpPr>
-          <p:cNvPr id="5" name="Date Placeholder 4">
-            <a:extLst>
-              <a:ext uri="{FF2B5EF4-FFF2-40B4-BE49-F238E27FC236}">
-                <a16:creationId xmlns:a16="http://schemas.microsoft.com/office/drawing/2014/main" id="{91B189DB-D331-367A-100F-FB8BE884A1BC}"/>
-              </a:ext>
-            </a:extLst>
-          </p:cNvPr>
+            <a:endParaRPr lang="en-US" dirty="0"/>
+          </a:p>
+        </p:txBody>
+      </p:sp>
+      <p:sp>
+        <p:nvSpPr>
+          <p:cNvPr id="5" name="Date Placeholder 4"/>
           <p:cNvSpPr>
             <a:spLocks noGrp="1"/>
           </p:cNvSpPr>
@@ -2491,7 +4556,7 @@
           <a:p>
             <a:fld id="{BD22A0CC-2790-4A20-A97B-69996E852145}" type="datetimeFigureOut">
               <a:rPr lang="en-GB" smtClean="0"/>
-              <a:t>15/01/2024</a:t>
+              <a:t>17/01/2024</a:t>
             </a:fld>
             <a:endParaRPr lang="en-GB"/>
           </a:p>
@@ -2499,13 +4564,7 @@
       </p:sp>
       <p:sp>
         <p:nvSpPr>
-          <p:cNvPr id="6" name="Footer Placeholder 5">
-            <a:extLst>
-              <a:ext uri="{FF2B5EF4-FFF2-40B4-BE49-F238E27FC236}">
-                <a16:creationId xmlns:a16="http://schemas.microsoft.com/office/drawing/2014/main" id="{13020CF5-B9A9-DAE9-952D-8C1673DCADD5}"/>
-              </a:ext>
-            </a:extLst>
-          </p:cNvPr>
+          <p:cNvPr id="6" name="Footer Placeholder 5"/>
           <p:cNvSpPr>
             <a:spLocks noGrp="1"/>
           </p:cNvSpPr>
@@ -2524,13 +4583,7 @@
       </p:sp>
       <p:sp>
         <p:nvSpPr>
-          <p:cNvPr id="7" name="Slide Number Placeholder 6">
-            <a:extLst>
-              <a:ext uri="{FF2B5EF4-FFF2-40B4-BE49-F238E27FC236}">
-                <a16:creationId xmlns:a16="http://schemas.microsoft.com/office/drawing/2014/main" id="{C3E6C812-33E4-3212-F1ED-9894C0A8C288}"/>
-              </a:ext>
-            </a:extLst>
-          </p:cNvPr>
+          <p:cNvPr id="7" name="Slide Number Placeholder 6"/>
           <p:cNvSpPr>
             <a:spLocks noGrp="1"/>
           </p:cNvSpPr>
@@ -2554,7 +4607,7 @@
     </p:spTree>
     <p:extLst>
       <p:ext uri="{BB962C8B-B14F-4D97-AF65-F5344CB8AC3E}">
-        <p14:creationId xmlns:p14="http://schemas.microsoft.com/office/powerpoint/2010/main" val="245761544"/>
+        <p14:creationId xmlns:p14="http://schemas.microsoft.com/office/powerpoint/2010/main" val="2310413123"/>
       </p:ext>
     </p:extLst>
   </p:cSld>
@@ -2583,65 +4636,55 @@
       </p:grpSpPr>
       <p:sp>
         <p:nvSpPr>
-          <p:cNvPr id="2" name="Title 1">
-            <a:extLst>
-              <a:ext uri="{FF2B5EF4-FFF2-40B4-BE49-F238E27FC236}">
-                <a16:creationId xmlns:a16="http://schemas.microsoft.com/office/drawing/2014/main" id="{FA86E7B2-D950-A097-CDD8-DB60442CE75C}"/>
-              </a:ext>
-            </a:extLst>
-          </p:cNvPr>
+          <p:cNvPr id="2" name="Title 1"/>
           <p:cNvSpPr>
             <a:spLocks noGrp="1"/>
           </p:cNvSpPr>
           <p:nvPr>
             <p:ph type="title"/>
+          </p:nvPr>
+        </p:nvSpPr>
+        <p:spPr/>
+        <p:txBody>
+          <a:bodyPr/>
+          <a:lstStyle>
+            <a:lvl1pPr>
+              <a:defRPr/>
+            </a:lvl1pPr>
+          </a:lstStyle>
+          <a:p>
+            <a:r>
+              <a:rPr lang="en-GB"/>
+              <a:t>Click to edit Master title style</a:t>
+            </a:r>
+            <a:endParaRPr lang="en-US" dirty="0"/>
+          </a:p>
+        </p:txBody>
+      </p:sp>
+      <p:sp>
+        <p:nvSpPr>
+          <p:cNvPr id="3" name="Text Placeholder 2"/>
+          <p:cNvSpPr>
+            <a:spLocks noGrp="1"/>
+          </p:cNvSpPr>
+          <p:nvPr>
+            <p:ph type="body" idx="1"/>
           </p:nvPr>
         </p:nvSpPr>
         <p:spPr>
           <a:xfrm>
-            <a:off x="839788" y="365125"/>
-            <a:ext cx="10515600" cy="1325563"/>
+            <a:off x="675745" y="2160983"/>
+            <a:ext cx="4185623" cy="576262"/>
           </a:xfrm>
         </p:spPr>
         <p:txBody>
-          <a:bodyPr/>
-          <a:lstStyle/>
-          <a:p>
-            <a:r>
-              <a:rPr lang="en-GB"/>
-              <a:t>Click to edit Master title style</a:t>
-            </a:r>
-          </a:p>
-        </p:txBody>
-      </p:sp>
-      <p:sp>
-        <p:nvSpPr>
-          <p:cNvPr id="3" name="Text Placeholder 2">
-            <a:extLst>
-              <a:ext uri="{FF2B5EF4-FFF2-40B4-BE49-F238E27FC236}">
-                <a16:creationId xmlns:a16="http://schemas.microsoft.com/office/drawing/2014/main" id="{8E9502FF-A488-5EDC-EA87-620A6D248BA9}"/>
-              </a:ext>
-            </a:extLst>
-          </p:cNvPr>
-          <p:cNvSpPr>
-            <a:spLocks noGrp="1"/>
-          </p:cNvSpPr>
-          <p:nvPr>
-            <p:ph type="body" idx="1"/>
-          </p:nvPr>
-        </p:nvSpPr>
-        <p:spPr>
-          <a:xfrm>
-            <a:off x="839788" y="1681163"/>
-            <a:ext cx="5157787" cy="823912"/>
-          </a:xfrm>
-        </p:spPr>
-        <p:txBody>
-          <a:bodyPr anchor="b"/>
+          <a:bodyPr anchor="b">
+            <a:noAutofit/>
+          </a:bodyPr>
           <a:lstStyle>
             <a:lvl1pPr marL="0" indent="0">
               <a:buNone/>
-              <a:defRPr sz="2400" b="1"/>
+              <a:defRPr sz="2400" b="0"/>
             </a:lvl1pPr>
             <a:lvl2pPr marL="457200" indent="0">
               <a:buNone/>
@@ -2687,13 +4730,7 @@
       </p:sp>
       <p:sp>
         <p:nvSpPr>
-          <p:cNvPr id="4" name="Content Placeholder 3">
-            <a:extLst>
-              <a:ext uri="{FF2B5EF4-FFF2-40B4-BE49-F238E27FC236}">
-                <a16:creationId xmlns:a16="http://schemas.microsoft.com/office/drawing/2014/main" id="{0E99915E-7189-B684-49EA-9E94C443C46E}"/>
-              </a:ext>
-            </a:extLst>
-          </p:cNvPr>
+          <p:cNvPr id="4" name="Content Placeholder 3"/>
           <p:cNvSpPr>
             <a:spLocks noGrp="1"/>
           </p:cNvSpPr>
@@ -2703,12 +4740,14 @@
         </p:nvSpPr>
         <p:spPr>
           <a:xfrm>
-            <a:off x="839788" y="2505075"/>
-            <a:ext cx="5157787" cy="3684588"/>
+            <a:off x="675745" y="2737245"/>
+            <a:ext cx="4185623" cy="3304117"/>
           </a:xfrm>
         </p:spPr>
         <p:txBody>
-          <a:bodyPr/>
+          <a:bodyPr>
+            <a:normAutofit/>
+          </a:bodyPr>
           <a:lstStyle/>
           <a:p>
             <a:pPr lvl="0"/>
@@ -2744,18 +4783,13 @@
               <a:rPr lang="en-GB"/>
               <a:t>Fifth level</a:t>
             </a:r>
-          </a:p>
-        </p:txBody>
-      </p:sp>
-      <p:sp>
-        <p:nvSpPr>
-          <p:cNvPr id="5" name="Text Placeholder 4">
-            <a:extLst>
-              <a:ext uri="{FF2B5EF4-FFF2-40B4-BE49-F238E27FC236}">
-                <a16:creationId xmlns:a16="http://schemas.microsoft.com/office/drawing/2014/main" id="{74B80DA6-D90E-365F-9158-4B3519EBEC42}"/>
-              </a:ext>
-            </a:extLst>
-          </p:cNvPr>
+            <a:endParaRPr lang="en-US" dirty="0"/>
+          </a:p>
+        </p:txBody>
+      </p:sp>
+      <p:sp>
+        <p:nvSpPr>
+          <p:cNvPr id="5" name="Text Placeholder 4"/>
           <p:cNvSpPr>
             <a:spLocks noGrp="1"/>
           </p:cNvSpPr>
@@ -2765,16 +4799,18 @@
         </p:nvSpPr>
         <p:spPr>
           <a:xfrm>
-            <a:off x="6172200" y="1681163"/>
-            <a:ext cx="5183188" cy="823912"/>
+            <a:off x="5088383" y="2160983"/>
+            <a:ext cx="4185618" cy="576262"/>
           </a:xfrm>
         </p:spPr>
         <p:txBody>
-          <a:bodyPr anchor="b"/>
+          <a:bodyPr anchor="b">
+            <a:noAutofit/>
+          </a:bodyPr>
           <a:lstStyle>
             <a:lvl1pPr marL="0" indent="0">
               <a:buNone/>
-              <a:defRPr sz="2400" b="1"/>
+              <a:defRPr sz="2400" b="0"/>
             </a:lvl1pPr>
             <a:lvl2pPr marL="457200" indent="0">
               <a:buNone/>
@@ -2820,13 +4856,7 @@
       </p:sp>
       <p:sp>
         <p:nvSpPr>
-          <p:cNvPr id="6" name="Content Placeholder 5">
-            <a:extLst>
-              <a:ext uri="{FF2B5EF4-FFF2-40B4-BE49-F238E27FC236}">
-                <a16:creationId xmlns:a16="http://schemas.microsoft.com/office/drawing/2014/main" id="{3E92FC36-99EF-C765-63E2-9CE286E18AB0}"/>
-              </a:ext>
-            </a:extLst>
-          </p:cNvPr>
+          <p:cNvPr id="6" name="Content Placeholder 5"/>
           <p:cNvSpPr>
             <a:spLocks noGrp="1"/>
           </p:cNvSpPr>
@@ -2836,12 +4866,14 @@
         </p:nvSpPr>
         <p:spPr>
           <a:xfrm>
-            <a:off x="6172200" y="2505075"/>
-            <a:ext cx="5183188" cy="3684588"/>
+            <a:off x="5088384" y="2737245"/>
+            <a:ext cx="4185617" cy="3304117"/>
           </a:xfrm>
         </p:spPr>
         <p:txBody>
-          <a:bodyPr/>
+          <a:bodyPr>
+            <a:normAutofit/>
+          </a:bodyPr>
           <a:lstStyle/>
           <a:p>
             <a:pPr lvl="0"/>
@@ -2877,18 +4909,13 @@
               <a:rPr lang="en-GB"/>
               <a:t>Fifth level</a:t>
             </a:r>
-          </a:p>
-        </p:txBody>
-      </p:sp>
-      <p:sp>
-        <p:nvSpPr>
-          <p:cNvPr id="7" name="Date Placeholder 6">
-            <a:extLst>
-              <a:ext uri="{FF2B5EF4-FFF2-40B4-BE49-F238E27FC236}">
-                <a16:creationId xmlns:a16="http://schemas.microsoft.com/office/drawing/2014/main" id="{D2DE788C-D614-AD39-181E-EEEAD37AE054}"/>
-              </a:ext>
-            </a:extLst>
-          </p:cNvPr>
+            <a:endParaRPr lang="en-US" dirty="0"/>
+          </a:p>
+        </p:txBody>
+      </p:sp>
+      <p:sp>
+        <p:nvSpPr>
+          <p:cNvPr id="7" name="Date Placeholder 6"/>
           <p:cNvSpPr>
             <a:spLocks noGrp="1"/>
           </p:cNvSpPr>
@@ -2903,7 +4930,7 @@
           <a:p>
             <a:fld id="{BD22A0CC-2790-4A20-A97B-69996E852145}" type="datetimeFigureOut">
               <a:rPr lang="en-GB" smtClean="0"/>
-              <a:t>15/01/2024</a:t>
+              <a:t>17/01/2024</a:t>
             </a:fld>
             <a:endParaRPr lang="en-GB"/>
           </a:p>
@@ -2911,13 +4938,7 @@
       </p:sp>
       <p:sp>
         <p:nvSpPr>
-          <p:cNvPr id="8" name="Footer Placeholder 7">
-            <a:extLst>
-              <a:ext uri="{FF2B5EF4-FFF2-40B4-BE49-F238E27FC236}">
-                <a16:creationId xmlns:a16="http://schemas.microsoft.com/office/drawing/2014/main" id="{9BCEEB75-467A-9440-174D-A2BD37EEE2E2}"/>
-              </a:ext>
-            </a:extLst>
-          </p:cNvPr>
+          <p:cNvPr id="8" name="Footer Placeholder 7"/>
           <p:cNvSpPr>
             <a:spLocks noGrp="1"/>
           </p:cNvSpPr>
@@ -2936,13 +4957,7 @@
       </p:sp>
       <p:sp>
         <p:nvSpPr>
-          <p:cNvPr id="9" name="Slide Number Placeholder 8">
-            <a:extLst>
-              <a:ext uri="{FF2B5EF4-FFF2-40B4-BE49-F238E27FC236}">
-                <a16:creationId xmlns:a16="http://schemas.microsoft.com/office/drawing/2014/main" id="{2D831A57-450D-FD42-878F-B1A544A3C4E6}"/>
-              </a:ext>
-            </a:extLst>
-          </p:cNvPr>
+          <p:cNvPr id="9" name="Slide Number Placeholder 8"/>
           <p:cNvSpPr>
             <a:spLocks noGrp="1"/>
           </p:cNvSpPr>
@@ -2966,7 +4981,7 @@
     </p:spTree>
     <p:extLst>
       <p:ext uri="{BB962C8B-B14F-4D97-AF65-F5344CB8AC3E}">
-        <p14:creationId xmlns:p14="http://schemas.microsoft.com/office/powerpoint/2010/main" val="1582452879"/>
+        <p14:creationId xmlns:p14="http://schemas.microsoft.com/office/powerpoint/2010/main" val="3002818037"/>
       </p:ext>
     </p:extLst>
   </p:cSld>
@@ -2995,13 +5010,7 @@
       </p:grpSpPr>
       <p:sp>
         <p:nvSpPr>
-          <p:cNvPr id="2" name="Title 1">
-            <a:extLst>
-              <a:ext uri="{FF2B5EF4-FFF2-40B4-BE49-F238E27FC236}">
-                <a16:creationId xmlns:a16="http://schemas.microsoft.com/office/drawing/2014/main" id="{B5B35C2A-223B-89FD-57BB-6B68F36D4445}"/>
-              </a:ext>
-            </a:extLst>
-          </p:cNvPr>
+          <p:cNvPr id="2" name="Title 1"/>
           <p:cNvSpPr>
             <a:spLocks noGrp="1"/>
           </p:cNvSpPr>
@@ -3009,7 +5018,12 @@
             <p:ph type="title"/>
           </p:nvPr>
         </p:nvSpPr>
-        <p:spPr/>
+        <p:spPr>
+          <a:xfrm>
+            <a:off x="677334" y="609600"/>
+            <a:ext cx="8596668" cy="1320800"/>
+          </a:xfrm>
+        </p:spPr>
         <p:txBody>
           <a:bodyPr/>
           <a:lstStyle/>
@@ -3018,18 +5032,13 @@
               <a:rPr lang="en-GB"/>
               <a:t>Click to edit Master title style</a:t>
             </a:r>
-          </a:p>
-        </p:txBody>
-      </p:sp>
-      <p:sp>
-        <p:nvSpPr>
-          <p:cNvPr id="3" name="Date Placeholder 2">
-            <a:extLst>
-              <a:ext uri="{FF2B5EF4-FFF2-40B4-BE49-F238E27FC236}">
-                <a16:creationId xmlns:a16="http://schemas.microsoft.com/office/drawing/2014/main" id="{53F9EEE7-D008-7A70-6842-D90E0A722CD9}"/>
-              </a:ext>
-            </a:extLst>
-          </p:cNvPr>
+            <a:endParaRPr lang="en-US" dirty="0"/>
+          </a:p>
+        </p:txBody>
+      </p:sp>
+      <p:sp>
+        <p:nvSpPr>
+          <p:cNvPr id="3" name="Date Placeholder 2"/>
           <p:cNvSpPr>
             <a:spLocks noGrp="1"/>
           </p:cNvSpPr>
@@ -3044,7 +5053,7 @@
           <a:p>
             <a:fld id="{BD22A0CC-2790-4A20-A97B-69996E852145}" type="datetimeFigureOut">
               <a:rPr lang="en-GB" smtClean="0"/>
-              <a:t>15/01/2024</a:t>
+              <a:t>17/01/2024</a:t>
             </a:fld>
             <a:endParaRPr lang="en-GB"/>
           </a:p>
@@ -3052,13 +5061,7 @@
       </p:sp>
       <p:sp>
         <p:nvSpPr>
-          <p:cNvPr id="4" name="Footer Placeholder 3">
-            <a:extLst>
-              <a:ext uri="{FF2B5EF4-FFF2-40B4-BE49-F238E27FC236}">
-                <a16:creationId xmlns:a16="http://schemas.microsoft.com/office/drawing/2014/main" id="{2EAD4E66-43E8-8600-5721-352F0DD125D9}"/>
-              </a:ext>
-            </a:extLst>
-          </p:cNvPr>
+          <p:cNvPr id="4" name="Footer Placeholder 3"/>
           <p:cNvSpPr>
             <a:spLocks noGrp="1"/>
           </p:cNvSpPr>
@@ -3077,13 +5080,7 @@
       </p:sp>
       <p:sp>
         <p:nvSpPr>
-          <p:cNvPr id="5" name="Slide Number Placeholder 4">
-            <a:extLst>
-              <a:ext uri="{FF2B5EF4-FFF2-40B4-BE49-F238E27FC236}">
-                <a16:creationId xmlns:a16="http://schemas.microsoft.com/office/drawing/2014/main" id="{E4CC8443-07C4-F0B3-67A5-94E257BDA679}"/>
-              </a:ext>
-            </a:extLst>
-          </p:cNvPr>
+          <p:cNvPr id="5" name="Slide Number Placeholder 4"/>
           <p:cNvSpPr>
             <a:spLocks noGrp="1"/>
           </p:cNvSpPr>
@@ -3107,7 +5104,7 @@
     </p:spTree>
     <p:extLst>
       <p:ext uri="{BB962C8B-B14F-4D97-AF65-F5344CB8AC3E}">
-        <p14:creationId xmlns:p14="http://schemas.microsoft.com/office/powerpoint/2010/main" val="908258253"/>
+        <p14:creationId xmlns:p14="http://schemas.microsoft.com/office/powerpoint/2010/main" val="3109964776"/>
       </p:ext>
     </p:extLst>
   </p:cSld>
@@ -3136,13 +5133,7 @@
       </p:grpSpPr>
       <p:sp>
         <p:nvSpPr>
-          <p:cNvPr id="2" name="Date Placeholder 1">
-            <a:extLst>
-              <a:ext uri="{FF2B5EF4-FFF2-40B4-BE49-F238E27FC236}">
-                <a16:creationId xmlns:a16="http://schemas.microsoft.com/office/drawing/2014/main" id="{3E25FD5C-18F1-27FC-B587-D7B3D0065EEF}"/>
-              </a:ext>
-            </a:extLst>
-          </p:cNvPr>
+          <p:cNvPr id="2" name="Date Placeholder 1"/>
           <p:cNvSpPr>
             <a:spLocks noGrp="1"/>
           </p:cNvSpPr>
@@ -3157,7 +5148,7 @@
           <a:p>
             <a:fld id="{BD22A0CC-2790-4A20-A97B-69996E852145}" type="datetimeFigureOut">
               <a:rPr lang="en-GB" smtClean="0"/>
-              <a:t>15/01/2024</a:t>
+              <a:t>17/01/2024</a:t>
             </a:fld>
             <a:endParaRPr lang="en-GB"/>
           </a:p>
@@ -3165,13 +5156,7 @@
       </p:sp>
       <p:sp>
         <p:nvSpPr>
-          <p:cNvPr id="3" name="Footer Placeholder 2">
-            <a:extLst>
-              <a:ext uri="{FF2B5EF4-FFF2-40B4-BE49-F238E27FC236}">
-                <a16:creationId xmlns:a16="http://schemas.microsoft.com/office/drawing/2014/main" id="{CEE19AC6-6EB6-9717-7071-984CFAA9DAEF}"/>
-              </a:ext>
-            </a:extLst>
-          </p:cNvPr>
+          <p:cNvPr id="3" name="Footer Placeholder 2"/>
           <p:cNvSpPr>
             <a:spLocks noGrp="1"/>
           </p:cNvSpPr>
@@ -3190,13 +5175,7 @@
       </p:sp>
       <p:sp>
         <p:nvSpPr>
-          <p:cNvPr id="4" name="Slide Number Placeholder 3">
-            <a:extLst>
-              <a:ext uri="{FF2B5EF4-FFF2-40B4-BE49-F238E27FC236}">
-                <a16:creationId xmlns:a16="http://schemas.microsoft.com/office/drawing/2014/main" id="{7B040324-F68B-3982-152C-06063904E403}"/>
-              </a:ext>
-            </a:extLst>
-          </p:cNvPr>
+          <p:cNvPr id="4" name="Slide Number Placeholder 3"/>
           <p:cNvSpPr>
             <a:spLocks noGrp="1"/>
           </p:cNvSpPr>
@@ -3220,7 +5199,7 @@
     </p:spTree>
     <p:extLst>
       <p:ext uri="{BB962C8B-B14F-4D97-AF65-F5344CB8AC3E}">
-        <p14:creationId xmlns:p14="http://schemas.microsoft.com/office/powerpoint/2010/main" val="58470597"/>
+        <p14:creationId xmlns:p14="http://schemas.microsoft.com/office/powerpoint/2010/main" val="3944870728"/>
       </p:ext>
     </p:extLst>
   </p:cSld>
@@ -3249,13 +5228,7 @@
       </p:grpSpPr>
       <p:sp>
         <p:nvSpPr>
-          <p:cNvPr id="2" name="Title 1">
-            <a:extLst>
-              <a:ext uri="{FF2B5EF4-FFF2-40B4-BE49-F238E27FC236}">
-                <a16:creationId xmlns:a16="http://schemas.microsoft.com/office/drawing/2014/main" id="{D15818E8-81C0-9C93-10AF-913F32644E4D}"/>
-              </a:ext>
-            </a:extLst>
-          </p:cNvPr>
+          <p:cNvPr id="2" name="Title 1"/>
           <p:cNvSpPr>
             <a:spLocks noGrp="1"/>
           </p:cNvSpPr>
@@ -3265,15 +5238,17 @@
         </p:nvSpPr>
         <p:spPr>
           <a:xfrm>
-            <a:off x="839788" y="457200"/>
-            <a:ext cx="3932237" cy="1600200"/>
+            <a:off x="677334" y="1498604"/>
+            <a:ext cx="3854528" cy="1278466"/>
           </a:xfrm>
         </p:spPr>
         <p:txBody>
-          <a:bodyPr anchor="b"/>
+          <a:bodyPr anchor="b">
+            <a:normAutofit/>
+          </a:bodyPr>
           <a:lstStyle>
             <a:lvl1pPr>
-              <a:defRPr sz="3200"/>
+              <a:defRPr sz="2000"/>
             </a:lvl1pPr>
           </a:lstStyle>
           <a:p>
@@ -3281,18 +5256,13 @@
               <a:rPr lang="en-GB"/>
               <a:t>Click to edit Master title style</a:t>
             </a:r>
-          </a:p>
-        </p:txBody>
-      </p:sp>
-      <p:sp>
-        <p:nvSpPr>
-          <p:cNvPr id="3" name="Content Placeholder 2">
-            <a:extLst>
-              <a:ext uri="{FF2B5EF4-FFF2-40B4-BE49-F238E27FC236}">
-                <a16:creationId xmlns:a16="http://schemas.microsoft.com/office/drawing/2014/main" id="{F256307F-675E-CB12-4669-8DCBAFDD4EC0}"/>
-              </a:ext>
-            </a:extLst>
-          </p:cNvPr>
+            <a:endParaRPr lang="en-US" dirty="0"/>
+          </a:p>
+        </p:txBody>
+      </p:sp>
+      <p:sp>
+        <p:nvSpPr>
+          <p:cNvPr id="3" name="Content Placeholder 2"/>
           <p:cNvSpPr>
             <a:spLocks noGrp="1"/>
           </p:cNvSpPr>
@@ -3302,41 +5272,15 @@
         </p:nvSpPr>
         <p:spPr>
           <a:xfrm>
-            <a:off x="5183188" y="987425"/>
-            <a:ext cx="6172200" cy="4873625"/>
+            <a:off x="4760461" y="514924"/>
+            <a:ext cx="4513541" cy="5526437"/>
           </a:xfrm>
         </p:spPr>
         <p:txBody>
-          <a:bodyPr/>
-          <a:lstStyle>
-            <a:lvl1pPr>
-              <a:defRPr sz="3200"/>
-            </a:lvl1pPr>
-            <a:lvl2pPr>
-              <a:defRPr sz="2800"/>
-            </a:lvl2pPr>
-            <a:lvl3pPr>
-              <a:defRPr sz="2400"/>
-            </a:lvl3pPr>
-            <a:lvl4pPr>
-              <a:defRPr sz="2000"/>
-            </a:lvl4pPr>
-            <a:lvl5pPr>
-              <a:defRPr sz="2000"/>
-            </a:lvl5pPr>
-            <a:lvl6pPr>
-              <a:defRPr sz="2000"/>
-            </a:lvl6pPr>
-            <a:lvl7pPr>
-              <a:defRPr sz="2000"/>
-            </a:lvl7pPr>
-            <a:lvl8pPr>
-              <a:defRPr sz="2000"/>
-            </a:lvl8pPr>
-            <a:lvl9pPr>
-              <a:defRPr sz="2000"/>
-            </a:lvl9pPr>
-          </a:lstStyle>
+          <a:bodyPr>
+            <a:normAutofit/>
+          </a:bodyPr>
+          <a:lstStyle/>
           <a:p>
             <a:pPr lvl="0"/>
             <a:r>
@@ -3371,18 +5315,13 @@
               <a:rPr lang="en-GB"/>
               <a:t>Fifth level</a:t>
             </a:r>
-          </a:p>
-        </p:txBody>
-      </p:sp>
-      <p:sp>
-        <p:nvSpPr>
-          <p:cNvPr id="4" name="Text Placeholder 3">
-            <a:extLst>
-              <a:ext uri="{FF2B5EF4-FFF2-40B4-BE49-F238E27FC236}">
-                <a16:creationId xmlns:a16="http://schemas.microsoft.com/office/drawing/2014/main" id="{7E694700-474E-E7AD-7528-B5A6F4E72161}"/>
-              </a:ext>
-            </a:extLst>
-          </p:cNvPr>
+            <a:endParaRPr lang="en-US" dirty="0"/>
+          </a:p>
+        </p:txBody>
+      </p:sp>
+      <p:sp>
+        <p:nvSpPr>
+          <p:cNvPr id="4" name="Text Placeholder 3"/>
           <p:cNvSpPr>
             <a:spLocks noGrp="1"/>
           </p:cNvSpPr>
@@ -3392,46 +5331,48 @@
         </p:nvSpPr>
         <p:spPr>
           <a:xfrm>
-            <a:off x="839788" y="2057400"/>
-            <a:ext cx="3932237" cy="3811588"/>
+            <a:off x="677334" y="2777069"/>
+            <a:ext cx="3854528" cy="2584449"/>
           </a:xfrm>
         </p:spPr>
         <p:txBody>
-          <a:bodyPr/>
+          <a:bodyPr>
+            <a:normAutofit/>
+          </a:bodyPr>
           <a:lstStyle>
             <a:lvl1pPr marL="0" indent="0">
               <a:buNone/>
-              <a:defRPr sz="1600"/>
+              <a:defRPr sz="1400"/>
             </a:lvl1pPr>
-            <a:lvl2pPr marL="457200" indent="0">
+            <a:lvl2pPr marL="457063" indent="0">
               <a:buNone/>
               <a:defRPr sz="1400"/>
             </a:lvl2pPr>
-            <a:lvl3pPr marL="914400" indent="0">
+            <a:lvl3pPr marL="914126" indent="0">
               <a:buNone/>
               <a:defRPr sz="1200"/>
             </a:lvl3pPr>
-            <a:lvl4pPr marL="1371600" indent="0">
+            <a:lvl4pPr marL="1371189" indent="0">
               <a:buNone/>
               <a:defRPr sz="1000"/>
             </a:lvl4pPr>
-            <a:lvl5pPr marL="1828800" indent="0">
+            <a:lvl5pPr marL="1828251" indent="0">
               <a:buNone/>
               <a:defRPr sz="1000"/>
             </a:lvl5pPr>
-            <a:lvl6pPr marL="2286000" indent="0">
+            <a:lvl6pPr marL="2285314" indent="0">
               <a:buNone/>
               <a:defRPr sz="1000"/>
             </a:lvl6pPr>
-            <a:lvl7pPr marL="2743200" indent="0">
+            <a:lvl7pPr marL="2742377" indent="0">
               <a:buNone/>
               <a:defRPr sz="1000"/>
             </a:lvl7pPr>
-            <a:lvl8pPr marL="3200400" indent="0">
+            <a:lvl8pPr marL="3199440" indent="0">
               <a:buNone/>
               <a:defRPr sz="1000"/>
             </a:lvl8pPr>
-            <a:lvl9pPr marL="3657600" indent="0">
+            <a:lvl9pPr marL="3656503" indent="0">
               <a:buNone/>
               <a:defRPr sz="1000"/>
             </a:lvl9pPr>
@@ -3447,13 +5388,7 @@
       </p:sp>
       <p:sp>
         <p:nvSpPr>
-          <p:cNvPr id="5" name="Date Placeholder 4">
-            <a:extLst>
-              <a:ext uri="{FF2B5EF4-FFF2-40B4-BE49-F238E27FC236}">
-                <a16:creationId xmlns:a16="http://schemas.microsoft.com/office/drawing/2014/main" id="{3489D5A0-555B-F371-D2A8-6875EBD185FF}"/>
-              </a:ext>
-            </a:extLst>
-          </p:cNvPr>
+          <p:cNvPr id="5" name="Date Placeholder 4"/>
           <p:cNvSpPr>
             <a:spLocks noGrp="1"/>
           </p:cNvSpPr>
@@ -3468,7 +5403,7 @@
           <a:p>
             <a:fld id="{BD22A0CC-2790-4A20-A97B-69996E852145}" type="datetimeFigureOut">
               <a:rPr lang="en-GB" smtClean="0"/>
-              <a:t>15/01/2024</a:t>
+              <a:t>17/01/2024</a:t>
             </a:fld>
             <a:endParaRPr lang="en-GB"/>
           </a:p>
@@ -3476,13 +5411,7 @@
       </p:sp>
       <p:sp>
         <p:nvSpPr>
-          <p:cNvPr id="6" name="Footer Placeholder 5">
-            <a:extLst>
-              <a:ext uri="{FF2B5EF4-FFF2-40B4-BE49-F238E27FC236}">
-                <a16:creationId xmlns:a16="http://schemas.microsoft.com/office/drawing/2014/main" id="{59370560-0D34-F168-F995-82FE6F72CA07}"/>
-              </a:ext>
-            </a:extLst>
-          </p:cNvPr>
+          <p:cNvPr id="6" name="Footer Placeholder 5"/>
           <p:cNvSpPr>
             <a:spLocks noGrp="1"/>
           </p:cNvSpPr>
@@ -3501,13 +5430,7 @@
       </p:sp>
       <p:sp>
         <p:nvSpPr>
-          <p:cNvPr id="7" name="Slide Number Placeholder 6">
-            <a:extLst>
-              <a:ext uri="{FF2B5EF4-FFF2-40B4-BE49-F238E27FC236}">
-                <a16:creationId xmlns:a16="http://schemas.microsoft.com/office/drawing/2014/main" id="{A21231B5-24DA-240F-1944-96936E6AE5BB}"/>
-              </a:ext>
-            </a:extLst>
-          </p:cNvPr>
+          <p:cNvPr id="7" name="Slide Number Placeholder 6"/>
           <p:cNvSpPr>
             <a:spLocks noGrp="1"/>
           </p:cNvSpPr>
@@ -3531,7 +5454,7 @@
     </p:spTree>
     <p:extLst>
       <p:ext uri="{BB962C8B-B14F-4D97-AF65-F5344CB8AC3E}">
-        <p14:creationId xmlns:p14="http://schemas.microsoft.com/office/powerpoint/2010/main" val="1547703173"/>
+        <p14:creationId xmlns:p14="http://schemas.microsoft.com/office/powerpoint/2010/main" val="2865307830"/>
       </p:ext>
     </p:extLst>
   </p:cSld>
@@ -3560,13 +5483,7 @@
       </p:grpSpPr>
       <p:sp>
         <p:nvSpPr>
-          <p:cNvPr id="2" name="Title 1">
-            <a:extLst>
-              <a:ext uri="{FF2B5EF4-FFF2-40B4-BE49-F238E27FC236}">
-                <a16:creationId xmlns:a16="http://schemas.microsoft.com/office/drawing/2014/main" id="{A22AC04D-F155-30BF-1D32-13E4E3B34431}"/>
-              </a:ext>
-            </a:extLst>
-          </p:cNvPr>
+          <p:cNvPr id="2" name="Title 1"/>
           <p:cNvSpPr>
             <a:spLocks noGrp="1"/>
           </p:cNvSpPr>
@@ -3576,15 +5493,17 @@
         </p:nvSpPr>
         <p:spPr>
           <a:xfrm>
-            <a:off x="839788" y="457200"/>
-            <a:ext cx="3932237" cy="1600200"/>
+            <a:off x="677334" y="4800600"/>
+            <a:ext cx="8596667" cy="566738"/>
           </a:xfrm>
         </p:spPr>
         <p:txBody>
-          <a:bodyPr anchor="b"/>
+          <a:bodyPr anchor="b">
+            <a:normAutofit/>
+          </a:bodyPr>
           <a:lstStyle>
-            <a:lvl1pPr>
-              <a:defRPr sz="3200"/>
+            <a:lvl1pPr algn="l">
+              <a:defRPr sz="2400" b="0"/>
             </a:lvl1pPr>
           </a:lstStyle>
           <a:p>
@@ -3592,20 +5511,15 @@
               <a:rPr lang="en-GB"/>
               <a:t>Click to edit Master title style</a:t>
             </a:r>
-          </a:p>
-        </p:txBody>
-      </p:sp>
-      <p:sp>
-        <p:nvSpPr>
-          <p:cNvPr id="3" name="Picture Placeholder 2">
-            <a:extLst>
-              <a:ext uri="{FF2B5EF4-FFF2-40B4-BE49-F238E27FC236}">
-                <a16:creationId xmlns:a16="http://schemas.microsoft.com/office/drawing/2014/main" id="{BAC2605B-6EC8-D020-5AA8-368D5D3E8FC1}"/>
-              </a:ext>
-            </a:extLst>
-          </p:cNvPr>
-          <p:cNvSpPr>
-            <a:spLocks noGrp="1"/>
+            <a:endParaRPr lang="en-US" dirty="0"/>
+          </a:p>
+        </p:txBody>
+      </p:sp>
+      <p:sp>
+        <p:nvSpPr>
+          <p:cNvPr id="3" name="Picture Placeholder 2"/>
+          <p:cNvSpPr>
+            <a:spLocks noGrp="1" noChangeAspect="1"/>
           </p:cNvSpPr>
           <p:nvPr>
             <p:ph type="pic" idx="1"/>
@@ -3613,118 +5527,120 @@
         </p:nvSpPr>
         <p:spPr>
           <a:xfrm>
-            <a:off x="5183188" y="987425"/>
-            <a:ext cx="6172200" cy="4873625"/>
+            <a:off x="677334" y="609600"/>
+            <a:ext cx="8596668" cy="3845718"/>
           </a:xfrm>
         </p:spPr>
         <p:txBody>
-          <a:bodyPr/>
+          <a:bodyPr anchor="t">
+            <a:normAutofit/>
+          </a:bodyPr>
           <a:lstStyle>
-            <a:lvl1pPr marL="0" indent="0">
-              <a:buNone/>
-              <a:defRPr sz="3200"/>
-            </a:lvl1pPr>
-            <a:lvl2pPr marL="457200" indent="0">
-              <a:buNone/>
-              <a:defRPr sz="2800"/>
-            </a:lvl2pPr>
-            <a:lvl3pPr marL="914400" indent="0">
-              <a:buNone/>
-              <a:defRPr sz="2400"/>
-            </a:lvl3pPr>
-            <a:lvl4pPr marL="1371600" indent="0">
-              <a:buNone/>
-              <a:defRPr sz="2000"/>
-            </a:lvl4pPr>
-            <a:lvl5pPr marL="1828800" indent="0">
-              <a:buNone/>
-              <a:defRPr sz="2000"/>
-            </a:lvl5pPr>
-            <a:lvl6pPr marL="2286000" indent="0">
-              <a:buNone/>
-              <a:defRPr sz="2000"/>
-            </a:lvl6pPr>
-            <a:lvl7pPr marL="2743200" indent="0">
-              <a:buNone/>
-              <a:defRPr sz="2000"/>
-            </a:lvl7pPr>
-            <a:lvl8pPr marL="3200400" indent="0">
-              <a:buNone/>
-              <a:defRPr sz="2000"/>
-            </a:lvl8pPr>
-            <a:lvl9pPr marL="3657600" indent="0">
-              <a:buNone/>
-              <a:defRPr sz="2000"/>
-            </a:lvl9pPr>
-          </a:lstStyle>
-          <a:p>
-            <a:endParaRPr lang="en-GB"/>
-          </a:p>
-        </p:txBody>
-      </p:sp>
-      <p:sp>
-        <p:nvSpPr>
-          <p:cNvPr id="4" name="Text Placeholder 3">
-            <a:extLst>
-              <a:ext uri="{FF2B5EF4-FFF2-40B4-BE49-F238E27FC236}">
-                <a16:creationId xmlns:a16="http://schemas.microsoft.com/office/drawing/2014/main" id="{5E5590EF-2502-FD01-91EB-3E5BBA432C71}"/>
-              </a:ext>
-            </a:extLst>
-          </p:cNvPr>
-          <p:cNvSpPr>
-            <a:spLocks noGrp="1"/>
-          </p:cNvSpPr>
-          <p:nvPr>
-            <p:ph type="body" sz="half" idx="2"/>
-          </p:nvPr>
-        </p:nvSpPr>
-        <p:spPr>
-          <a:xfrm>
-            <a:off x="839788" y="2057400"/>
-            <a:ext cx="3932237" cy="3811588"/>
-          </a:xfrm>
-        </p:spPr>
-        <p:txBody>
-          <a:bodyPr/>
-          <a:lstStyle>
-            <a:lvl1pPr marL="0" indent="0">
+            <a:lvl1pPr marL="0" indent="0" algn="ctr">
               <a:buNone/>
               <a:defRPr sz="1600"/>
             </a:lvl1pPr>
             <a:lvl2pPr marL="457200" indent="0">
               <a:buNone/>
-              <a:defRPr sz="1400"/>
+              <a:defRPr sz="1600"/>
             </a:lvl2pPr>
             <a:lvl3pPr marL="914400" indent="0">
               <a:buNone/>
-              <a:defRPr sz="1200"/>
+              <a:defRPr sz="1600"/>
             </a:lvl3pPr>
             <a:lvl4pPr marL="1371600" indent="0">
               <a:buNone/>
-              <a:defRPr sz="1000"/>
+              <a:defRPr sz="1600"/>
             </a:lvl4pPr>
             <a:lvl5pPr marL="1828800" indent="0">
               <a:buNone/>
-              <a:defRPr sz="1000"/>
+              <a:defRPr sz="1600"/>
             </a:lvl5pPr>
             <a:lvl6pPr marL="2286000" indent="0">
               <a:buNone/>
-              <a:defRPr sz="1000"/>
+              <a:defRPr sz="1600"/>
             </a:lvl6pPr>
             <a:lvl7pPr marL="2743200" indent="0">
               <a:buNone/>
-              <a:defRPr sz="1000"/>
+              <a:defRPr sz="1600"/>
             </a:lvl7pPr>
             <a:lvl8pPr marL="3200400" indent="0">
               <a:buNone/>
-              <a:defRPr sz="1000"/>
+              <a:defRPr sz="1600"/>
             </a:lvl8pPr>
             <a:lvl9pPr marL="3657600" indent="0">
               <a:buNone/>
-              <a:defRPr sz="1000"/>
+              <a:defRPr sz="1600"/>
             </a:lvl9pPr>
           </a:lstStyle>
           <a:p>
+            <a:r>
+              <a:rPr lang="en-GB"/>
+              <a:t>Click icon to add picture</a:t>
+            </a:r>
+            <a:endParaRPr lang="en-US" dirty="0"/>
+          </a:p>
+        </p:txBody>
+      </p:sp>
+      <p:sp>
+        <p:nvSpPr>
+          <p:cNvPr id="4" name="Text Placeholder 3"/>
+          <p:cNvSpPr>
+            <a:spLocks noGrp="1"/>
+          </p:cNvSpPr>
+          <p:nvPr>
+            <p:ph type="body" sz="half" idx="2"/>
+          </p:nvPr>
+        </p:nvSpPr>
+        <p:spPr>
+          <a:xfrm>
+            <a:off x="677334" y="5367338"/>
+            <a:ext cx="8596667" cy="674024"/>
+          </a:xfrm>
+        </p:spPr>
+        <p:txBody>
+          <a:bodyPr>
+            <a:normAutofit/>
+          </a:bodyPr>
+          <a:lstStyle>
+            <a:lvl1pPr marL="0" indent="0">
+              <a:buNone/>
+              <a:defRPr sz="1200"/>
+            </a:lvl1pPr>
+            <a:lvl2pPr marL="457200" indent="0">
+              <a:buNone/>
+              <a:defRPr sz="1200"/>
+            </a:lvl2pPr>
+            <a:lvl3pPr marL="914400" indent="0">
+              <a:buNone/>
+              <a:defRPr sz="1000"/>
+            </a:lvl3pPr>
+            <a:lvl4pPr marL="1371600" indent="0">
+              <a:buNone/>
+              <a:defRPr sz="900"/>
+            </a:lvl4pPr>
+            <a:lvl5pPr marL="1828800" indent="0">
+              <a:buNone/>
+              <a:defRPr sz="900"/>
+            </a:lvl5pPr>
+            <a:lvl6pPr marL="2286000" indent="0">
+              <a:buNone/>
+              <a:defRPr sz="900"/>
+            </a:lvl6pPr>
+            <a:lvl7pPr marL="2743200" indent="0">
+              <a:buNone/>
+              <a:defRPr sz="900"/>
+            </a:lvl7pPr>
+            <a:lvl8pPr marL="3200400" indent="0">
+              <a:buNone/>
+              <a:defRPr sz="900"/>
+            </a:lvl8pPr>
+            <a:lvl9pPr marL="3657600" indent="0">
+              <a:buNone/>
+              <a:defRPr sz="900"/>
+            </a:lvl9pPr>
+          </a:lstStyle>
+          <a:p>
             <a:pPr lvl="0"/>
             <a:r>
               <a:rPr lang="en-GB"/>
@@ -3735,13 +5651,7 @@
       </p:sp>
       <p:sp>
         <p:nvSpPr>
-          <p:cNvPr id="5" name="Date Placeholder 4">
-            <a:extLst>
-              <a:ext uri="{FF2B5EF4-FFF2-40B4-BE49-F238E27FC236}">
-                <a16:creationId xmlns:a16="http://schemas.microsoft.com/office/drawing/2014/main" id="{3EA85BBB-7AB8-1689-28FB-D82CA7933E31}"/>
-              </a:ext>
-            </a:extLst>
-          </p:cNvPr>
+          <p:cNvPr id="5" name="Date Placeholder 4"/>
           <p:cNvSpPr>
             <a:spLocks noGrp="1"/>
           </p:cNvSpPr>
@@ -3756,7 +5666,7 @@
           <a:p>
             <a:fld id="{BD22A0CC-2790-4A20-A97B-69996E852145}" type="datetimeFigureOut">
               <a:rPr lang="en-GB" smtClean="0"/>
-              <a:t>15/01/2024</a:t>
+              <a:t>17/01/2024</a:t>
             </a:fld>
             <a:endParaRPr lang="en-GB"/>
           </a:p>
@@ -3764,13 +5674,7 @@
       </p:sp>
       <p:sp>
         <p:nvSpPr>
-          <p:cNvPr id="6" name="Footer Placeholder 5">
-            <a:extLst>
-              <a:ext uri="{FF2B5EF4-FFF2-40B4-BE49-F238E27FC236}">
-                <a16:creationId xmlns:a16="http://schemas.microsoft.com/office/drawing/2014/main" id="{4A722A12-F06D-6BD2-FBF7-35411D979EA3}"/>
-              </a:ext>
-            </a:extLst>
-          </p:cNvPr>
+          <p:cNvPr id="6" name="Footer Placeholder 5"/>
           <p:cNvSpPr>
             <a:spLocks noGrp="1"/>
           </p:cNvSpPr>
@@ -3789,13 +5693,7 @@
       </p:sp>
       <p:sp>
         <p:nvSpPr>
-          <p:cNvPr id="7" name="Slide Number Placeholder 6">
-            <a:extLst>
-              <a:ext uri="{FF2B5EF4-FFF2-40B4-BE49-F238E27FC236}">
-                <a16:creationId xmlns:a16="http://schemas.microsoft.com/office/drawing/2014/main" id="{CEFC097C-5542-1974-E748-7D464E38871A}"/>
-              </a:ext>
-            </a:extLst>
-          </p:cNvPr>
+          <p:cNvPr id="7" name="Slide Number Placeholder 6"/>
           <p:cNvSpPr>
             <a:spLocks noGrp="1"/>
           </p:cNvSpPr>
@@ -3819,7 +5717,7 @@
     </p:spTree>
     <p:extLst>
       <p:ext uri="{BB962C8B-B14F-4D97-AF65-F5344CB8AC3E}">
-        <p14:creationId xmlns:p14="http://schemas.microsoft.com/office/powerpoint/2010/main" val="1525751305"/>
+        <p14:creationId xmlns:p14="http://schemas.microsoft.com/office/powerpoint/2010/main" val="2200511711"/>
       </p:ext>
     </p:extLst>
   </p:cSld>
@@ -3851,15 +5749,539 @@
           <a:chExt cx="0" cy="0"/>
         </a:xfrm>
       </p:grpSpPr>
-      <p:sp>
-        <p:nvSpPr>
-          <p:cNvPr id="2" name="Title Placeholder 1">
-            <a:extLst>
-              <a:ext uri="{FF2B5EF4-FFF2-40B4-BE49-F238E27FC236}">
-                <a16:creationId xmlns:a16="http://schemas.microsoft.com/office/drawing/2014/main" id="{9D0AF20F-C88E-AFCE-7F09-58DAD12755D6}"/>
-              </a:ext>
-            </a:extLst>
-          </p:cNvPr>
+      <p:grpSp>
+        <p:nvGrpSpPr>
+          <p:cNvPr id="7" name="Group 6"/>
+          <p:cNvGrpSpPr/>
+          <p:nvPr/>
+        </p:nvGrpSpPr>
+        <p:grpSpPr>
+          <a:xfrm>
+            <a:off x="0" y="-8467"/>
+            <a:ext cx="12192000" cy="6866467"/>
+            <a:chOff x="0" y="-8467"/>
+            <a:chExt cx="12192000" cy="6866467"/>
+          </a:xfrm>
+        </p:grpSpPr>
+        <p:cxnSp>
+          <p:nvCxnSpPr>
+            <p:cNvPr id="20" name="Straight Connector 19"/>
+            <p:cNvCxnSpPr/>
+            <p:nvPr/>
+          </p:nvCxnSpPr>
+          <p:spPr>
+            <a:xfrm>
+              <a:off x="9371012" y="0"/>
+              <a:ext cx="1219200" cy="6858000"/>
+            </a:xfrm>
+            <a:prstGeom prst="line">
+              <a:avLst/>
+            </a:prstGeom>
+            <a:ln w="9525">
+              <a:solidFill>
+                <a:schemeClr val="bg1">
+                  <a:lumMod val="75000"/>
+                </a:schemeClr>
+              </a:solidFill>
+            </a:ln>
+          </p:spPr>
+          <p:style>
+            <a:lnRef idx="2">
+              <a:schemeClr val="accent1"/>
+            </a:lnRef>
+            <a:fillRef idx="0">
+              <a:schemeClr val="accent1"/>
+            </a:fillRef>
+            <a:effectRef idx="1">
+              <a:schemeClr val="accent1"/>
+            </a:effectRef>
+            <a:fontRef idx="minor">
+              <a:schemeClr val="tx1"/>
+            </a:fontRef>
+          </p:style>
+        </p:cxnSp>
+        <p:cxnSp>
+          <p:nvCxnSpPr>
+            <p:cNvPr id="21" name="Straight Connector 20"/>
+            <p:cNvCxnSpPr/>
+            <p:nvPr/>
+          </p:nvCxnSpPr>
+          <p:spPr>
+            <a:xfrm flipH="1">
+              <a:off x="7425267" y="3681413"/>
+              <a:ext cx="4763558" cy="3176587"/>
+            </a:xfrm>
+            <a:prstGeom prst="line">
+              <a:avLst/>
+            </a:prstGeom>
+            <a:ln w="9525">
+              <a:solidFill>
+                <a:schemeClr val="bg1">
+                  <a:lumMod val="85000"/>
+                </a:schemeClr>
+              </a:solidFill>
+            </a:ln>
+          </p:spPr>
+          <p:style>
+            <a:lnRef idx="2">
+              <a:schemeClr val="accent1"/>
+            </a:lnRef>
+            <a:fillRef idx="0">
+              <a:schemeClr val="accent1"/>
+            </a:fillRef>
+            <a:effectRef idx="1">
+              <a:schemeClr val="accent1"/>
+            </a:effectRef>
+            <a:fontRef idx="minor">
+              <a:schemeClr val="tx1"/>
+            </a:fontRef>
+          </p:style>
+        </p:cxnSp>
+        <p:sp>
+          <p:nvSpPr>
+            <p:cNvPr id="22" name="Rectangle 23"/>
+            <p:cNvSpPr/>
+            <p:nvPr/>
+          </p:nvSpPr>
+          <p:spPr>
+            <a:xfrm>
+              <a:off x="9181476" y="-8467"/>
+              <a:ext cx="3007349" cy="6866467"/>
+            </a:xfrm>
+            <a:custGeom>
+              <a:avLst/>
+              <a:gdLst/>
+              <a:ahLst/>
+              <a:cxnLst/>
+              <a:rect l="l" t="t" r="r" b="b"/>
+              <a:pathLst>
+                <a:path w="3007349" h="6866467">
+                  <a:moveTo>
+                    <a:pt x="2045532" y="0"/>
+                  </a:moveTo>
+                  <a:lnTo>
+                    <a:pt x="3007349" y="0"/>
+                  </a:lnTo>
+                  <a:lnTo>
+                    <a:pt x="3007349" y="6866467"/>
+                  </a:lnTo>
+                  <a:lnTo>
+                    <a:pt x="0" y="6866467"/>
+                  </a:lnTo>
+                  <a:lnTo>
+                    <a:pt x="2045532" y="0"/>
+                  </a:lnTo>
+                  <a:close/>
+                </a:path>
+              </a:pathLst>
+            </a:custGeom>
+            <a:solidFill>
+              <a:schemeClr val="accent1">
+                <a:alpha val="30000"/>
+              </a:schemeClr>
+            </a:solidFill>
+            <a:ln>
+              <a:noFill/>
+            </a:ln>
+            <a:effectLst/>
+          </p:spPr>
+          <p:style>
+            <a:lnRef idx="1">
+              <a:schemeClr val="accent1"/>
+            </a:lnRef>
+            <a:fillRef idx="3">
+              <a:schemeClr val="accent1"/>
+            </a:fillRef>
+            <a:effectRef idx="2">
+              <a:schemeClr val="accent1"/>
+            </a:effectRef>
+            <a:fontRef idx="minor">
+              <a:schemeClr val="lt1"/>
+            </a:fontRef>
+          </p:style>
+        </p:sp>
+        <p:sp>
+          <p:nvSpPr>
+            <p:cNvPr id="23" name="Rectangle 25"/>
+            <p:cNvSpPr/>
+            <p:nvPr/>
+          </p:nvSpPr>
+          <p:spPr>
+            <a:xfrm>
+              <a:off x="9603442" y="-8467"/>
+              <a:ext cx="2588558" cy="6866467"/>
+            </a:xfrm>
+            <a:custGeom>
+              <a:avLst/>
+              <a:gdLst/>
+              <a:ahLst/>
+              <a:cxnLst/>
+              <a:rect l="l" t="t" r="r" b="b"/>
+              <a:pathLst>
+                <a:path w="2573311" h="6866467">
+                  <a:moveTo>
+                    <a:pt x="0" y="0"/>
+                  </a:moveTo>
+                  <a:lnTo>
+                    <a:pt x="2573311" y="0"/>
+                  </a:lnTo>
+                  <a:lnTo>
+                    <a:pt x="2573311" y="6866467"/>
+                  </a:lnTo>
+                  <a:lnTo>
+                    <a:pt x="1202336" y="6866467"/>
+                  </a:lnTo>
+                  <a:lnTo>
+                    <a:pt x="0" y="0"/>
+                  </a:lnTo>
+                  <a:close/>
+                </a:path>
+              </a:pathLst>
+            </a:custGeom>
+            <a:solidFill>
+              <a:schemeClr val="accent1">
+                <a:alpha val="20000"/>
+              </a:schemeClr>
+            </a:solidFill>
+            <a:ln>
+              <a:noFill/>
+            </a:ln>
+            <a:effectLst/>
+          </p:spPr>
+          <p:style>
+            <a:lnRef idx="1">
+              <a:schemeClr val="accent1"/>
+            </a:lnRef>
+            <a:fillRef idx="3">
+              <a:schemeClr val="accent1"/>
+            </a:fillRef>
+            <a:effectRef idx="2">
+              <a:schemeClr val="accent1"/>
+            </a:effectRef>
+            <a:fontRef idx="minor">
+              <a:schemeClr val="lt1"/>
+            </a:fontRef>
+          </p:style>
+        </p:sp>
+        <p:sp>
+          <p:nvSpPr>
+            <p:cNvPr id="24" name="Isosceles Triangle 23"/>
+            <p:cNvSpPr/>
+            <p:nvPr/>
+          </p:nvSpPr>
+          <p:spPr>
+            <a:xfrm>
+              <a:off x="8932333" y="3048000"/>
+              <a:ext cx="3259667" cy="3810000"/>
+            </a:xfrm>
+            <a:prstGeom prst="triangle">
+              <a:avLst>
+                <a:gd name="adj" fmla="val 100000"/>
+              </a:avLst>
+            </a:prstGeom>
+            <a:solidFill>
+              <a:schemeClr val="accent2">
+                <a:alpha val="72000"/>
+              </a:schemeClr>
+            </a:solidFill>
+            <a:ln>
+              <a:noFill/>
+            </a:ln>
+            <a:effectLst/>
+          </p:spPr>
+          <p:style>
+            <a:lnRef idx="1">
+              <a:schemeClr val="accent1"/>
+            </a:lnRef>
+            <a:fillRef idx="3">
+              <a:schemeClr val="accent1"/>
+            </a:fillRef>
+            <a:effectRef idx="2">
+              <a:schemeClr val="accent1"/>
+            </a:effectRef>
+            <a:fontRef idx="minor">
+              <a:schemeClr val="lt1"/>
+            </a:fontRef>
+          </p:style>
+        </p:sp>
+        <p:sp>
+          <p:nvSpPr>
+            <p:cNvPr id="25" name="Rectangle 27"/>
+            <p:cNvSpPr/>
+            <p:nvPr/>
+          </p:nvSpPr>
+          <p:spPr>
+            <a:xfrm>
+              <a:off x="9334500" y="-8467"/>
+              <a:ext cx="2854326" cy="6866467"/>
+            </a:xfrm>
+            <a:custGeom>
+              <a:avLst/>
+              <a:gdLst/>
+              <a:ahLst/>
+              <a:cxnLst/>
+              <a:rect l="l" t="t" r="r" b="b"/>
+              <a:pathLst>
+                <a:path w="2858013" h="6866467">
+                  <a:moveTo>
+                    <a:pt x="0" y="0"/>
+                  </a:moveTo>
+                  <a:lnTo>
+                    <a:pt x="2858013" y="0"/>
+                  </a:lnTo>
+                  <a:lnTo>
+                    <a:pt x="2858013" y="6866467"/>
+                  </a:lnTo>
+                  <a:lnTo>
+                    <a:pt x="2473942" y="6866467"/>
+                  </a:lnTo>
+                  <a:lnTo>
+                    <a:pt x="0" y="0"/>
+                  </a:lnTo>
+                  <a:close/>
+                </a:path>
+              </a:pathLst>
+            </a:custGeom>
+            <a:solidFill>
+              <a:schemeClr val="accent2">
+                <a:lumMod val="75000"/>
+                <a:alpha val="70000"/>
+              </a:schemeClr>
+            </a:solidFill>
+            <a:ln>
+              <a:noFill/>
+            </a:ln>
+            <a:effectLst/>
+          </p:spPr>
+          <p:style>
+            <a:lnRef idx="1">
+              <a:schemeClr val="accent1"/>
+            </a:lnRef>
+            <a:fillRef idx="3">
+              <a:schemeClr val="accent1"/>
+            </a:fillRef>
+            <a:effectRef idx="2">
+              <a:schemeClr val="accent1"/>
+            </a:effectRef>
+            <a:fontRef idx="minor">
+              <a:schemeClr val="lt1"/>
+            </a:fontRef>
+          </p:style>
+        </p:sp>
+        <p:sp>
+          <p:nvSpPr>
+            <p:cNvPr id="26" name="Rectangle 28"/>
+            <p:cNvSpPr/>
+            <p:nvPr/>
+          </p:nvSpPr>
+          <p:spPr>
+            <a:xfrm>
+              <a:off x="10898730" y="-8467"/>
+              <a:ext cx="1290094" cy="6866467"/>
+            </a:xfrm>
+            <a:custGeom>
+              <a:avLst/>
+              <a:gdLst/>
+              <a:ahLst/>
+              <a:cxnLst/>
+              <a:rect l="l" t="t" r="r" b="b"/>
+              <a:pathLst>
+                <a:path w="1290094" h="6858000">
+                  <a:moveTo>
+                    <a:pt x="1019735" y="0"/>
+                  </a:moveTo>
+                  <a:lnTo>
+                    <a:pt x="1290094" y="0"/>
+                  </a:lnTo>
+                  <a:lnTo>
+                    <a:pt x="1290094" y="6858000"/>
+                  </a:lnTo>
+                  <a:lnTo>
+                    <a:pt x="0" y="6858000"/>
+                  </a:lnTo>
+                  <a:lnTo>
+                    <a:pt x="1019735" y="0"/>
+                  </a:lnTo>
+                  <a:close/>
+                </a:path>
+              </a:pathLst>
+            </a:custGeom>
+            <a:solidFill>
+              <a:schemeClr val="accent1">
+                <a:lumMod val="60000"/>
+                <a:lumOff val="40000"/>
+                <a:alpha val="70000"/>
+              </a:schemeClr>
+            </a:solidFill>
+            <a:ln>
+              <a:noFill/>
+            </a:ln>
+            <a:effectLst/>
+          </p:spPr>
+          <p:style>
+            <a:lnRef idx="1">
+              <a:schemeClr val="accent1"/>
+            </a:lnRef>
+            <a:fillRef idx="3">
+              <a:schemeClr val="accent1"/>
+            </a:fillRef>
+            <a:effectRef idx="2">
+              <a:schemeClr val="accent1"/>
+            </a:effectRef>
+            <a:fontRef idx="minor">
+              <a:schemeClr val="lt1"/>
+            </a:fontRef>
+          </p:style>
+        </p:sp>
+        <p:sp>
+          <p:nvSpPr>
+            <p:cNvPr id="27" name="Rectangle 29"/>
+            <p:cNvSpPr/>
+            <p:nvPr/>
+          </p:nvSpPr>
+          <p:spPr>
+            <a:xfrm>
+              <a:off x="10938999" y="-8467"/>
+              <a:ext cx="1249825" cy="6866467"/>
+            </a:xfrm>
+            <a:custGeom>
+              <a:avLst/>
+              <a:gdLst/>
+              <a:ahLst/>
+              <a:cxnLst/>
+              <a:rect l="l" t="t" r="r" b="b"/>
+              <a:pathLst>
+                <a:path w="1249825" h="6858000">
+                  <a:moveTo>
+                    <a:pt x="0" y="0"/>
+                  </a:moveTo>
+                  <a:lnTo>
+                    <a:pt x="1249825" y="0"/>
+                  </a:lnTo>
+                  <a:lnTo>
+                    <a:pt x="1249825" y="6858000"/>
+                  </a:lnTo>
+                  <a:lnTo>
+                    <a:pt x="1109382" y="6858000"/>
+                  </a:lnTo>
+                  <a:lnTo>
+                    <a:pt x="0" y="0"/>
+                  </a:lnTo>
+                  <a:close/>
+                </a:path>
+              </a:pathLst>
+            </a:custGeom>
+            <a:solidFill>
+              <a:schemeClr val="accent1">
+                <a:alpha val="65000"/>
+              </a:schemeClr>
+            </a:solidFill>
+            <a:ln>
+              <a:noFill/>
+            </a:ln>
+            <a:effectLst/>
+          </p:spPr>
+          <p:style>
+            <a:lnRef idx="1">
+              <a:schemeClr val="accent1"/>
+            </a:lnRef>
+            <a:fillRef idx="3">
+              <a:schemeClr val="accent1"/>
+            </a:fillRef>
+            <a:effectRef idx="2">
+              <a:schemeClr val="accent1"/>
+            </a:effectRef>
+            <a:fontRef idx="minor">
+              <a:schemeClr val="lt1"/>
+            </a:fontRef>
+          </p:style>
+        </p:sp>
+        <p:sp>
+          <p:nvSpPr>
+            <p:cNvPr id="28" name="Isosceles Triangle 27"/>
+            <p:cNvSpPr/>
+            <p:nvPr/>
+          </p:nvSpPr>
+          <p:spPr>
+            <a:xfrm>
+              <a:off x="10371666" y="3589867"/>
+              <a:ext cx="1817159" cy="3268133"/>
+            </a:xfrm>
+            <a:prstGeom prst="triangle">
+              <a:avLst>
+                <a:gd name="adj" fmla="val 100000"/>
+              </a:avLst>
+            </a:prstGeom>
+            <a:solidFill>
+              <a:schemeClr val="accent1">
+                <a:alpha val="80000"/>
+              </a:schemeClr>
+            </a:solidFill>
+            <a:ln>
+              <a:noFill/>
+            </a:ln>
+            <a:effectLst/>
+          </p:spPr>
+          <p:style>
+            <a:lnRef idx="1">
+              <a:schemeClr val="accent1"/>
+            </a:lnRef>
+            <a:fillRef idx="3">
+              <a:schemeClr val="accent1"/>
+            </a:fillRef>
+            <a:effectRef idx="2">
+              <a:schemeClr val="accent1"/>
+            </a:effectRef>
+            <a:fontRef idx="minor">
+              <a:schemeClr val="lt1"/>
+            </a:fontRef>
+          </p:style>
+        </p:sp>
+        <p:sp>
+          <p:nvSpPr>
+            <p:cNvPr id="29" name="Isosceles Triangle 28"/>
+            <p:cNvSpPr/>
+            <p:nvPr/>
+          </p:nvSpPr>
+          <p:spPr>
+            <a:xfrm>
+              <a:off x="0" y="4013200"/>
+              <a:ext cx="448733" cy="2844800"/>
+            </a:xfrm>
+            <a:prstGeom prst="triangle">
+              <a:avLst>
+                <a:gd name="adj" fmla="val 0"/>
+              </a:avLst>
+            </a:prstGeom>
+            <a:solidFill>
+              <a:schemeClr val="accent1">
+                <a:alpha val="85000"/>
+              </a:schemeClr>
+            </a:solidFill>
+            <a:ln>
+              <a:noFill/>
+            </a:ln>
+            <a:effectLst/>
+          </p:spPr>
+          <p:style>
+            <a:lnRef idx="1">
+              <a:schemeClr val="accent1"/>
+            </a:lnRef>
+            <a:fillRef idx="3">
+              <a:schemeClr val="accent1"/>
+            </a:fillRef>
+            <a:effectRef idx="2">
+              <a:schemeClr val="accent1"/>
+            </a:effectRef>
+            <a:fontRef idx="minor">
+              <a:schemeClr val="lt1"/>
+            </a:fontRef>
+          </p:style>
+        </p:sp>
+      </p:grpSp>
+      <p:sp>
+        <p:nvSpPr>
+          <p:cNvPr id="2" name="Title Placeholder 1"/>
           <p:cNvSpPr>
             <a:spLocks noGrp="1"/>
           </p:cNvSpPr>
@@ -3869,15 +6291,15 @@
         </p:nvSpPr>
         <p:spPr>
           <a:xfrm>
-            <a:off x="838200" y="365125"/>
-            <a:ext cx="10515600" cy="1325563"/>
+            <a:off x="677334" y="609600"/>
+            <a:ext cx="8596668" cy="1320800"/>
           </a:xfrm>
           <a:prstGeom prst="rect">
             <a:avLst/>
           </a:prstGeom>
         </p:spPr>
         <p:txBody>
-          <a:bodyPr vert="horz" lIns="91440" tIns="45720" rIns="91440" bIns="45720" rtlCol="0" anchor="ctr">
+          <a:bodyPr vert="horz" lIns="91440" tIns="45720" rIns="91440" bIns="45720" rtlCol="0" anchor="t">
             <a:normAutofit/>
           </a:bodyPr>
           <a:lstStyle/>
@@ -3886,18 +6308,13 @@
               <a:rPr lang="en-GB"/>
               <a:t>Click to edit Master title style</a:t>
             </a:r>
-          </a:p>
-        </p:txBody>
-      </p:sp>
-      <p:sp>
-        <p:nvSpPr>
-          <p:cNvPr id="3" name="Text Placeholder 2">
-            <a:extLst>
-              <a:ext uri="{FF2B5EF4-FFF2-40B4-BE49-F238E27FC236}">
-                <a16:creationId xmlns:a16="http://schemas.microsoft.com/office/drawing/2014/main" id="{F2E6A72A-3482-31A8-0D7D-59FD0C61C912}"/>
-              </a:ext>
-            </a:extLst>
-          </p:cNvPr>
+            <a:endParaRPr lang="en-US" dirty="0"/>
+          </a:p>
+        </p:txBody>
+      </p:sp>
+      <p:sp>
+        <p:nvSpPr>
+          <p:cNvPr id="3" name="Text Placeholder 2"/>
           <p:cNvSpPr>
             <a:spLocks noGrp="1"/>
           </p:cNvSpPr>
@@ -3907,8 +6324,8 @@
         </p:nvSpPr>
         <p:spPr>
           <a:xfrm>
-            <a:off x="838200" y="1825625"/>
-            <a:ext cx="10515600" cy="4351338"/>
+            <a:off x="677334" y="2160589"/>
+            <a:ext cx="8596668" cy="3880773"/>
           </a:xfrm>
           <a:prstGeom prst="rect">
             <a:avLst/>
@@ -3953,18 +6370,13 @@
               <a:rPr lang="en-GB"/>
               <a:t>Fifth level</a:t>
             </a:r>
-          </a:p>
-        </p:txBody>
-      </p:sp>
-      <p:sp>
-        <p:nvSpPr>
-          <p:cNvPr id="4" name="Date Placeholder 3">
-            <a:extLst>
-              <a:ext uri="{FF2B5EF4-FFF2-40B4-BE49-F238E27FC236}">
-                <a16:creationId xmlns:a16="http://schemas.microsoft.com/office/drawing/2014/main" id="{F90A1E88-1025-2681-9C9D-5D4E3EB0C2AE}"/>
-              </a:ext>
-            </a:extLst>
-          </p:cNvPr>
+            <a:endParaRPr lang="en-US" dirty="0"/>
+          </a:p>
+        </p:txBody>
+      </p:sp>
+      <p:sp>
+        <p:nvSpPr>
+          <p:cNvPr id="4" name="Date Placeholder 3"/>
           <p:cNvSpPr>
             <a:spLocks noGrp="1"/>
           </p:cNvSpPr>
@@ -3974,8 +6386,8 @@
         </p:nvSpPr>
         <p:spPr>
           <a:xfrm>
-            <a:off x="838200" y="6356350"/>
-            <a:ext cx="2743200" cy="365125"/>
+            <a:off x="7205133" y="6041362"/>
+            <a:ext cx="911939" cy="365125"/>
           </a:xfrm>
           <a:prstGeom prst="rect">
             <a:avLst/>
@@ -3984,11 +6396,11 @@
         <p:txBody>
           <a:bodyPr vert="horz" lIns="91440" tIns="45720" rIns="91440" bIns="45720" rtlCol="0" anchor="ctr"/>
           <a:lstStyle>
-            <a:lvl1pPr algn="l">
-              <a:defRPr sz="1200">
+            <a:lvl1pPr algn="r">
+              <a:defRPr sz="900">
                 <a:solidFill>
                   <a:schemeClr val="tx1">
-                    <a:tint val="82000"/>
+                    <a:tint val="75000"/>
                   </a:schemeClr>
                 </a:solidFill>
               </a:defRPr>
@@ -3997,7 +6409,7 @@
           <a:p>
             <a:fld id="{BD22A0CC-2790-4A20-A97B-69996E852145}" type="datetimeFigureOut">
               <a:rPr lang="en-GB" smtClean="0"/>
-              <a:t>15/01/2024</a:t>
+              <a:t>17/01/2024</a:t>
             </a:fld>
             <a:endParaRPr lang="en-GB"/>
           </a:p>
@@ -4005,13 +6417,7 @@
       </p:sp>
       <p:sp>
         <p:nvSpPr>
-          <p:cNvPr id="5" name="Footer Placeholder 4">
-            <a:extLst>
-              <a:ext uri="{FF2B5EF4-FFF2-40B4-BE49-F238E27FC236}">
-                <a16:creationId xmlns:a16="http://schemas.microsoft.com/office/drawing/2014/main" id="{55E14F6A-5488-7FAB-8EFB-D9932D0C7464}"/>
-              </a:ext>
-            </a:extLst>
-          </p:cNvPr>
+          <p:cNvPr id="5" name="Footer Placeholder 4"/>
           <p:cNvSpPr>
             <a:spLocks noGrp="1"/>
           </p:cNvSpPr>
@@ -4021,8 +6427,8 @@
         </p:nvSpPr>
         <p:spPr>
           <a:xfrm>
-            <a:off x="4038600" y="6356350"/>
-            <a:ext cx="4114800" cy="365125"/>
+            <a:off x="677334" y="6041362"/>
+            <a:ext cx="6297612" cy="365125"/>
           </a:xfrm>
           <a:prstGeom prst="rect">
             <a:avLst/>
@@ -4031,11 +6437,11 @@
         <p:txBody>
           <a:bodyPr vert="horz" lIns="91440" tIns="45720" rIns="91440" bIns="45720" rtlCol="0" anchor="ctr"/>
           <a:lstStyle>
-            <a:lvl1pPr algn="ctr">
-              <a:defRPr sz="1200">
+            <a:lvl1pPr algn="l">
+              <a:defRPr sz="900">
                 <a:solidFill>
                   <a:schemeClr val="tx1">
-                    <a:tint val="82000"/>
+                    <a:tint val="75000"/>
                   </a:schemeClr>
                 </a:solidFill>
               </a:defRPr>
@@ -4048,13 +6454,7 @@
       </p:sp>
       <p:sp>
         <p:nvSpPr>
-          <p:cNvPr id="6" name="Slide Number Placeholder 5">
-            <a:extLst>
-              <a:ext uri="{FF2B5EF4-FFF2-40B4-BE49-F238E27FC236}">
-                <a16:creationId xmlns:a16="http://schemas.microsoft.com/office/drawing/2014/main" id="{621E621E-2B59-B5DB-6480-CD61514270C6}"/>
-              </a:ext>
-            </a:extLst>
-          </p:cNvPr>
+          <p:cNvPr id="6" name="Slide Number Placeholder 5"/>
           <p:cNvSpPr>
             <a:spLocks noGrp="1"/>
           </p:cNvSpPr>
@@ -4064,8 +6464,8 @@
         </p:nvSpPr>
         <p:spPr>
           <a:xfrm>
-            <a:off x="8610600" y="6356350"/>
-            <a:ext cx="2743200" cy="365125"/>
+            <a:off x="8590663" y="6041362"/>
+            <a:ext cx="683339" cy="365125"/>
           </a:xfrm>
           <a:prstGeom prst="rect">
             <a:avLst/>
@@ -4075,11 +6475,9 @@
           <a:bodyPr vert="horz" lIns="91440" tIns="45720" rIns="91440" bIns="45720" rtlCol="0" anchor="ctr"/>
           <a:lstStyle>
             <a:lvl1pPr algn="r">
-              <a:defRPr sz="1200">
+              <a:defRPr sz="900">
                 <a:solidFill>
-                  <a:schemeClr val="tx1">
-                    <a:tint val="82000"/>
-                  </a:schemeClr>
+                  <a:schemeClr val="accent1"/>
                 </a:solidFill>
               </a:defRPr>
             </a:lvl1pPr>
@@ -4096,201 +6494,322 @@
     </p:spTree>
     <p:extLst>
       <p:ext uri="{BB962C8B-B14F-4D97-AF65-F5344CB8AC3E}">
-        <p14:creationId xmlns:p14="http://schemas.microsoft.com/office/powerpoint/2010/main" val="3015810558"/>
+        <p14:creationId xmlns:p14="http://schemas.microsoft.com/office/powerpoint/2010/main" val="4230632732"/>
       </p:ext>
     </p:extLst>
   </p:cSld>
   <p:clrMap bg1="lt1" tx1="dk1" bg2="lt2" tx2="dk2" accent1="accent1" accent2="accent2" accent3="accent3" accent4="accent4" accent5="accent5" accent6="accent6" hlink="hlink" folHlink="folHlink"/>
   <p:sldLayoutIdLst>
-    <p:sldLayoutId id="2147483649" r:id="rId1"/>
-    <p:sldLayoutId id="2147483650" r:id="rId2"/>
-    <p:sldLayoutId id="2147483651" r:id="rId3"/>
-    <p:sldLayoutId id="2147483652" r:id="rId4"/>
-    <p:sldLayoutId id="2147483653" r:id="rId5"/>
-    <p:sldLayoutId id="2147483654" r:id="rId6"/>
-    <p:sldLayoutId id="2147483655" r:id="rId7"/>
-    <p:sldLayoutId id="2147483656" r:id="rId8"/>
-    <p:sldLayoutId id="2147483657" r:id="rId9"/>
-    <p:sldLayoutId id="2147483658" r:id="rId10"/>
-    <p:sldLayoutId id="2147483659" r:id="rId11"/>
+    <p:sldLayoutId id="2147483661" r:id="rId1"/>
+    <p:sldLayoutId id="2147483662" r:id="rId2"/>
+    <p:sldLayoutId id="2147483663" r:id="rId3"/>
+    <p:sldLayoutId id="2147483664" r:id="rId4"/>
+    <p:sldLayoutId id="2147483665" r:id="rId5"/>
+    <p:sldLayoutId id="2147483666" r:id="rId6"/>
+    <p:sldLayoutId id="2147483667" r:id="rId7"/>
+    <p:sldLayoutId id="2147483668" r:id="rId8"/>
+    <p:sldLayoutId id="2147483669" r:id="rId9"/>
+    <p:sldLayoutId id="2147483670" r:id="rId10"/>
+    <p:sldLayoutId id="2147483671" r:id="rId11"/>
+    <p:sldLayoutId id="2147483672" r:id="rId12"/>
+    <p:sldLayoutId id="2147483673" r:id="rId13"/>
+    <p:sldLayoutId id="2147483674" r:id="rId14"/>
+    <p:sldLayoutId id="2147483675" r:id="rId15"/>
+    <p:sldLayoutId id="2147483676" r:id="rId16"/>
   </p:sldLayoutIdLst>
   <p:txStyles>
     <p:titleStyle>
-      <a:lvl1pPr algn="l" defTabSz="914400" rtl="0" eaLnBrk="1" latinLnBrk="0" hangingPunct="1">
-        <a:lnSpc>
-          <a:spcPct val="90000"/>
-        </a:lnSpc>
+      <a:lvl1pPr algn="l" defTabSz="457200" rtl="0" eaLnBrk="1" latinLnBrk="0" hangingPunct="1">
         <a:spcBef>
           <a:spcPct val="0"/>
         </a:spcBef>
         <a:buNone/>
-        <a:defRPr sz="4400" kern="1200">
+        <a:defRPr sz="3600" kern="1200">
           <a:solidFill>
-            <a:schemeClr val="tx1"/>
+            <a:schemeClr val="accent1"/>
           </a:solidFill>
           <a:latin typeface="+mj-lt"/>
           <a:ea typeface="+mj-ea"/>
           <a:cs typeface="+mj-cs"/>
         </a:defRPr>
       </a:lvl1pPr>
+      <a:lvl2pPr eaLnBrk="1" hangingPunct="1">
+        <a:defRPr>
+          <a:solidFill>
+            <a:schemeClr val="tx2"/>
+          </a:solidFill>
+        </a:defRPr>
+      </a:lvl2pPr>
+      <a:lvl3pPr eaLnBrk="1" hangingPunct="1">
+        <a:defRPr>
+          <a:solidFill>
+            <a:schemeClr val="tx2"/>
+          </a:solidFill>
+        </a:defRPr>
+      </a:lvl3pPr>
+      <a:lvl4pPr eaLnBrk="1" hangingPunct="1">
+        <a:defRPr>
+          <a:solidFill>
+            <a:schemeClr val="tx2"/>
+          </a:solidFill>
+        </a:defRPr>
+      </a:lvl4pPr>
+      <a:lvl5pPr eaLnBrk="1" hangingPunct="1">
+        <a:defRPr>
+          <a:solidFill>
+            <a:schemeClr val="tx2"/>
+          </a:solidFill>
+        </a:defRPr>
+      </a:lvl5pPr>
+      <a:lvl6pPr eaLnBrk="1" hangingPunct="1">
+        <a:defRPr>
+          <a:solidFill>
+            <a:schemeClr val="tx2"/>
+          </a:solidFill>
+        </a:defRPr>
+      </a:lvl6pPr>
+      <a:lvl7pPr eaLnBrk="1" hangingPunct="1">
+        <a:defRPr>
+          <a:solidFill>
+            <a:schemeClr val="tx2"/>
+          </a:solidFill>
+        </a:defRPr>
+      </a:lvl7pPr>
+      <a:lvl8pPr eaLnBrk="1" hangingPunct="1">
+        <a:defRPr>
+          <a:solidFill>
+            <a:schemeClr val="tx2"/>
+          </a:solidFill>
+        </a:defRPr>
+      </a:lvl8pPr>
+      <a:lvl9pPr eaLnBrk="1" hangingPunct="1">
+        <a:defRPr>
+          <a:solidFill>
+            <a:schemeClr val="tx2"/>
+          </a:solidFill>
+        </a:defRPr>
+      </a:lvl9pPr>
     </p:titleStyle>
     <p:bodyStyle>
-      <a:lvl1pPr marL="228600" indent="-228600" algn="l" defTabSz="914400" rtl="0" eaLnBrk="1" latinLnBrk="0" hangingPunct="1">
-        <a:lnSpc>
-          <a:spcPct val="90000"/>
-        </a:lnSpc>
+      <a:lvl1pPr marL="342900" indent="-342900" algn="l" defTabSz="457200" rtl="0" eaLnBrk="1" latinLnBrk="0" hangingPunct="1">
         <a:spcBef>
           <a:spcPts val="1000"/>
         </a:spcBef>
-        <a:buFont typeface="Arial" panose="020B0604020202020204" pitchFamily="34" charset="0"/>
-        <a:buChar char="•"/>
-        <a:defRPr sz="2800" kern="1200">
+        <a:spcAft>
+          <a:spcPts val="0"/>
+        </a:spcAft>
+        <a:buClr>
+          <a:schemeClr val="accent1"/>
+        </a:buClr>
+        <a:buSzPct val="80000"/>
+        <a:buFont typeface="Wingdings 3" charset="2"/>
+        <a:buChar char=""/>
+        <a:defRPr sz="1800" kern="1200">
           <a:solidFill>
-            <a:schemeClr val="tx1"/>
+            <a:schemeClr val="tx1">
+              <a:lumMod val="75000"/>
+              <a:lumOff val="25000"/>
+            </a:schemeClr>
           </a:solidFill>
           <a:latin typeface="+mn-lt"/>
           <a:ea typeface="+mn-ea"/>
           <a:cs typeface="+mn-cs"/>
         </a:defRPr>
       </a:lvl1pPr>
-      <a:lvl2pPr marL="685800" indent="-228600" algn="l" defTabSz="914400" rtl="0" eaLnBrk="1" latinLnBrk="0" hangingPunct="1">
-        <a:lnSpc>
-          <a:spcPct val="90000"/>
-        </a:lnSpc>
+      <a:lvl2pPr marL="742950" indent="-285750" algn="l" defTabSz="457200" rtl="0" eaLnBrk="1" latinLnBrk="0" hangingPunct="1">
         <a:spcBef>
-          <a:spcPts val="500"/>
+          <a:spcPts val="1000"/>
         </a:spcBef>
-        <a:buFont typeface="Arial" panose="020B0604020202020204" pitchFamily="34" charset="0"/>
-        <a:buChar char="•"/>
-        <a:defRPr sz="2400" kern="1200">
+        <a:spcAft>
+          <a:spcPts val="0"/>
+        </a:spcAft>
+        <a:buClr>
+          <a:schemeClr val="accent1"/>
+        </a:buClr>
+        <a:buSzPct val="80000"/>
+        <a:buFont typeface="Wingdings 3" charset="2"/>
+        <a:buChar char=""/>
+        <a:defRPr sz="1600" kern="1200">
           <a:solidFill>
-            <a:schemeClr val="tx1"/>
+            <a:schemeClr val="tx1">
+              <a:lumMod val="75000"/>
+              <a:lumOff val="25000"/>
+            </a:schemeClr>
           </a:solidFill>
           <a:latin typeface="+mn-lt"/>
           <a:ea typeface="+mn-ea"/>
           <a:cs typeface="+mn-cs"/>
         </a:defRPr>
       </a:lvl2pPr>
-      <a:lvl3pPr marL="1143000" indent="-228600" algn="l" defTabSz="914400" rtl="0" eaLnBrk="1" latinLnBrk="0" hangingPunct="1">
-        <a:lnSpc>
-          <a:spcPct val="90000"/>
-        </a:lnSpc>
+      <a:lvl3pPr marL="1143000" indent="-228600" algn="l" defTabSz="457200" rtl="0" eaLnBrk="1" latinLnBrk="0" hangingPunct="1">
         <a:spcBef>
-          <a:spcPts val="500"/>
+          <a:spcPts val="1000"/>
         </a:spcBef>
-        <a:buFont typeface="Arial" panose="020B0604020202020204" pitchFamily="34" charset="0"/>
-        <a:buChar char="•"/>
-        <a:defRPr sz="2000" kern="1200">
+        <a:spcAft>
+          <a:spcPts val="0"/>
+        </a:spcAft>
+        <a:buClr>
+          <a:schemeClr val="accent1"/>
+        </a:buClr>
+        <a:buSzPct val="80000"/>
+        <a:buFont typeface="Wingdings 3" charset="2"/>
+        <a:buChar char=""/>
+        <a:defRPr sz="1400" kern="1200">
           <a:solidFill>
-            <a:schemeClr val="tx1"/>
+            <a:schemeClr val="tx1">
+              <a:lumMod val="75000"/>
+              <a:lumOff val="25000"/>
+            </a:schemeClr>
           </a:solidFill>
           <a:latin typeface="+mn-lt"/>
           <a:ea typeface="+mn-ea"/>
           <a:cs typeface="+mn-cs"/>
         </a:defRPr>
       </a:lvl3pPr>
-      <a:lvl4pPr marL="1600200" indent="-228600" algn="l" defTabSz="914400" rtl="0" eaLnBrk="1" latinLnBrk="0" hangingPunct="1">
-        <a:lnSpc>
-          <a:spcPct val="90000"/>
-        </a:lnSpc>
+      <a:lvl4pPr marL="1600200" indent="-228600" algn="l" defTabSz="457200" rtl="0" eaLnBrk="1" latinLnBrk="0" hangingPunct="1">
         <a:spcBef>
-          <a:spcPts val="500"/>
+          <a:spcPts val="1000"/>
         </a:spcBef>
-        <a:buFont typeface="Arial" panose="020B0604020202020204" pitchFamily="34" charset="0"/>
-        <a:buChar char="•"/>
-        <a:defRPr sz="1800" kern="1200">
+        <a:spcAft>
+          <a:spcPts val="0"/>
+        </a:spcAft>
+        <a:buClr>
+          <a:schemeClr val="accent1"/>
+        </a:buClr>
+        <a:buSzPct val="80000"/>
+        <a:buFont typeface="Wingdings 3" charset="2"/>
+        <a:buChar char=""/>
+        <a:defRPr sz="1200" kern="1200">
           <a:solidFill>
-            <a:schemeClr val="tx1"/>
+            <a:schemeClr val="tx1">
+              <a:lumMod val="75000"/>
+              <a:lumOff val="25000"/>
+            </a:schemeClr>
           </a:solidFill>
           <a:latin typeface="+mn-lt"/>
           <a:ea typeface="+mn-ea"/>
           <a:cs typeface="+mn-cs"/>
         </a:defRPr>
       </a:lvl4pPr>
-      <a:lvl5pPr marL="2057400" indent="-228600" algn="l" defTabSz="914400" rtl="0" eaLnBrk="1" latinLnBrk="0" hangingPunct="1">
-        <a:lnSpc>
-          <a:spcPct val="90000"/>
-        </a:lnSpc>
+      <a:lvl5pPr marL="2057400" indent="-228600" algn="l" defTabSz="457200" rtl="0" eaLnBrk="1" latinLnBrk="0" hangingPunct="1">
         <a:spcBef>
-          <a:spcPts val="500"/>
+          <a:spcPts val="1000"/>
         </a:spcBef>
-        <a:buFont typeface="Arial" panose="020B0604020202020204" pitchFamily="34" charset="0"/>
-        <a:buChar char="•"/>
-        <a:defRPr sz="1800" kern="1200">
+        <a:spcAft>
+          <a:spcPts val="0"/>
+        </a:spcAft>
+        <a:buClr>
+          <a:schemeClr val="accent1"/>
+        </a:buClr>
+        <a:buSzPct val="80000"/>
+        <a:buFont typeface="Wingdings 3" charset="2"/>
+        <a:buChar char=""/>
+        <a:defRPr sz="1200" kern="1200">
           <a:solidFill>
-            <a:schemeClr val="tx1"/>
+            <a:schemeClr val="tx1">
+              <a:lumMod val="75000"/>
+              <a:lumOff val="25000"/>
+            </a:schemeClr>
           </a:solidFill>
           <a:latin typeface="+mn-lt"/>
           <a:ea typeface="+mn-ea"/>
           <a:cs typeface="+mn-cs"/>
         </a:defRPr>
       </a:lvl5pPr>
-      <a:lvl6pPr marL="2514600" indent="-228600" algn="l" defTabSz="914400" rtl="0" eaLnBrk="1" latinLnBrk="0" hangingPunct="1">
-        <a:lnSpc>
-          <a:spcPct val="90000"/>
-        </a:lnSpc>
+      <a:lvl6pPr marL="2514600" indent="-228600" algn="l" defTabSz="457200" rtl="0" eaLnBrk="1" latinLnBrk="0" hangingPunct="1">
         <a:spcBef>
-          <a:spcPts val="500"/>
+          <a:spcPts val="1000"/>
         </a:spcBef>
-        <a:buFont typeface="Arial" panose="020B0604020202020204" pitchFamily="34" charset="0"/>
-        <a:buChar char="•"/>
-        <a:defRPr sz="1800" kern="1200">
+        <a:spcAft>
+          <a:spcPts val="0"/>
+        </a:spcAft>
+        <a:buClr>
+          <a:schemeClr val="accent1"/>
+        </a:buClr>
+        <a:buSzPct val="80000"/>
+        <a:buFont typeface="Wingdings 3" charset="2"/>
+        <a:buChar char=""/>
+        <a:defRPr sz="1200" kern="1200">
           <a:solidFill>
-            <a:schemeClr val="tx1"/>
+            <a:schemeClr val="tx1">
+              <a:lumMod val="75000"/>
+              <a:lumOff val="25000"/>
+            </a:schemeClr>
           </a:solidFill>
           <a:latin typeface="+mn-lt"/>
           <a:ea typeface="+mn-ea"/>
           <a:cs typeface="+mn-cs"/>
         </a:defRPr>
       </a:lvl6pPr>
-      <a:lvl7pPr marL="2971800" indent="-228600" algn="l" defTabSz="914400" rtl="0" eaLnBrk="1" latinLnBrk="0" hangingPunct="1">
-        <a:lnSpc>
-          <a:spcPct val="90000"/>
-        </a:lnSpc>
+      <a:lvl7pPr marL="2971800" indent="-228600" algn="l" defTabSz="457200" rtl="0" eaLnBrk="1" latinLnBrk="0" hangingPunct="1">
         <a:spcBef>
-          <a:spcPts val="500"/>
+          <a:spcPts val="1000"/>
         </a:spcBef>
-        <a:buFont typeface="Arial" panose="020B0604020202020204" pitchFamily="34" charset="0"/>
-        <a:buChar char="•"/>
-        <a:defRPr sz="1800" kern="1200">
+        <a:spcAft>
+          <a:spcPts val="0"/>
+        </a:spcAft>
+        <a:buClr>
+          <a:schemeClr val="accent1"/>
+        </a:buClr>
+        <a:buSzPct val="80000"/>
+        <a:buFont typeface="Wingdings 3" charset="2"/>
+        <a:buChar char=""/>
+        <a:defRPr sz="1200" kern="1200">
           <a:solidFill>
-            <a:schemeClr val="tx1"/>
+            <a:schemeClr val="tx1">
+              <a:lumMod val="75000"/>
+              <a:lumOff val="25000"/>
+            </a:schemeClr>
           </a:solidFill>
           <a:latin typeface="+mn-lt"/>
           <a:ea typeface="+mn-ea"/>
           <a:cs typeface="+mn-cs"/>
         </a:defRPr>
       </a:lvl7pPr>
-      <a:lvl8pPr marL="3429000" indent="-228600" algn="l" defTabSz="914400" rtl="0" eaLnBrk="1" latinLnBrk="0" hangingPunct="1">
-        <a:lnSpc>
-          <a:spcPct val="90000"/>
-        </a:lnSpc>
+      <a:lvl8pPr marL="3429000" indent="-228600" algn="l" defTabSz="457200" rtl="0" eaLnBrk="1" latinLnBrk="0" hangingPunct="1">
         <a:spcBef>
-          <a:spcPts val="500"/>
+          <a:spcPts val="1000"/>
         </a:spcBef>
-        <a:buFont typeface="Arial" panose="020B0604020202020204" pitchFamily="34" charset="0"/>
-        <a:buChar char="•"/>
-        <a:defRPr sz="1800" kern="1200">
+        <a:spcAft>
+          <a:spcPts val="0"/>
+        </a:spcAft>
+        <a:buClr>
+          <a:schemeClr val="accent1"/>
+        </a:buClr>
+        <a:buSzPct val="80000"/>
+        <a:buFont typeface="Wingdings 3" charset="2"/>
+        <a:buChar char=""/>
+        <a:defRPr sz="1200" kern="1200">
           <a:solidFill>
-            <a:schemeClr val="tx1"/>
+            <a:schemeClr val="tx1">
+              <a:lumMod val="75000"/>
+              <a:lumOff val="25000"/>
+            </a:schemeClr>
           </a:solidFill>
           <a:latin typeface="+mn-lt"/>
           <a:ea typeface="+mn-ea"/>
           <a:cs typeface="+mn-cs"/>
         </a:defRPr>
       </a:lvl8pPr>
-      <a:lvl9pPr marL="3886200" indent="-228600" algn="l" defTabSz="914400" rtl="0" eaLnBrk="1" latinLnBrk="0" hangingPunct="1">
-        <a:lnSpc>
-          <a:spcPct val="90000"/>
-        </a:lnSpc>
+      <a:lvl9pPr marL="3886200" indent="-228600" algn="l" defTabSz="457200" rtl="0" eaLnBrk="1" latinLnBrk="0" hangingPunct="1">
         <a:spcBef>
-          <a:spcPts val="500"/>
+          <a:spcPts val="1000"/>
         </a:spcBef>
-        <a:buFont typeface="Arial" panose="020B0604020202020204" pitchFamily="34" charset="0"/>
-        <a:buChar char="•"/>
-        <a:defRPr sz="1800" kern="1200">
+        <a:spcAft>
+          <a:spcPts val="0"/>
+        </a:spcAft>
+        <a:buClr>
+          <a:schemeClr val="accent1"/>
+        </a:buClr>
+        <a:buSzPct val="80000"/>
+        <a:buFont typeface="Wingdings 3" charset="2"/>
+        <a:buChar char=""/>
+        <a:defRPr sz="1200" kern="1200">
           <a:solidFill>
-            <a:schemeClr val="tx1"/>
+            <a:schemeClr val="tx1">
+              <a:lumMod val="75000"/>
+              <a:lumOff val="25000"/>
+            </a:schemeClr>
           </a:solidFill>
           <a:latin typeface="+mn-lt"/>
           <a:ea typeface="+mn-ea"/>
@@ -4302,7 +6821,7 @@
       <a:defPPr>
         <a:defRPr lang="en-US"/>
       </a:defPPr>
-      <a:lvl1pPr marL="0" algn="l" defTabSz="914400" rtl="0" eaLnBrk="1" latinLnBrk="0" hangingPunct="1">
+      <a:lvl1pPr marL="0" algn="l" defTabSz="457200" rtl="0" eaLnBrk="1" latinLnBrk="0" hangingPunct="1">
         <a:defRPr sz="1800" kern="1200">
           <a:solidFill>
             <a:schemeClr val="tx1"/>
@@ -4312,7 +6831,7 @@
           <a:cs typeface="+mn-cs"/>
         </a:defRPr>
       </a:lvl1pPr>
-      <a:lvl2pPr marL="457200" algn="l" defTabSz="914400" rtl="0" eaLnBrk="1" latinLnBrk="0" hangingPunct="1">
+      <a:lvl2pPr marL="457200" algn="l" defTabSz="457200" rtl="0" eaLnBrk="1" latinLnBrk="0" hangingPunct="1">
         <a:defRPr sz="1800" kern="1200">
           <a:solidFill>
             <a:schemeClr val="tx1"/>
@@ -4322,7 +6841,7 @@
           <a:cs typeface="+mn-cs"/>
         </a:defRPr>
       </a:lvl2pPr>
-      <a:lvl3pPr marL="914400" algn="l" defTabSz="914400" rtl="0" eaLnBrk="1" latinLnBrk="0" hangingPunct="1">
+      <a:lvl3pPr marL="914400" algn="l" defTabSz="457200" rtl="0" eaLnBrk="1" latinLnBrk="0" hangingPunct="1">
         <a:defRPr sz="1800" kern="1200">
           <a:solidFill>
             <a:schemeClr val="tx1"/>
@@ -4332,7 +6851,7 @@
           <a:cs typeface="+mn-cs"/>
         </a:defRPr>
       </a:lvl3pPr>
-      <a:lvl4pPr marL="1371600" algn="l" defTabSz="914400" rtl="0" eaLnBrk="1" latinLnBrk="0" hangingPunct="1">
+      <a:lvl4pPr marL="1371600" algn="l" defTabSz="457200" rtl="0" eaLnBrk="1" latinLnBrk="0" hangingPunct="1">
         <a:defRPr sz="1800" kern="1200">
           <a:solidFill>
             <a:schemeClr val="tx1"/>
@@ -4342,7 +6861,7 @@
           <a:cs typeface="+mn-cs"/>
         </a:defRPr>
       </a:lvl4pPr>
-      <a:lvl5pPr marL="1828800" algn="l" defTabSz="914400" rtl="0" eaLnBrk="1" latinLnBrk="0" hangingPunct="1">
+      <a:lvl5pPr marL="1828800" algn="l" defTabSz="457200" rtl="0" eaLnBrk="1" latinLnBrk="0" hangingPunct="1">
         <a:defRPr sz="1800" kern="1200">
           <a:solidFill>
             <a:schemeClr val="tx1"/>
@@ -4352,7 +6871,7 @@
           <a:cs typeface="+mn-cs"/>
         </a:defRPr>
       </a:lvl5pPr>
-      <a:lvl6pPr marL="2286000" algn="l" defTabSz="914400" rtl="0" eaLnBrk="1" latinLnBrk="0" hangingPunct="1">
+      <a:lvl6pPr marL="2286000" algn="l" defTabSz="457200" rtl="0" eaLnBrk="1" latinLnBrk="0" hangingPunct="1">
         <a:defRPr sz="1800" kern="1200">
           <a:solidFill>
             <a:schemeClr val="tx1"/>
@@ -4362,7 +6881,7 @@
           <a:cs typeface="+mn-cs"/>
         </a:defRPr>
       </a:lvl6pPr>
-      <a:lvl7pPr marL="2743200" algn="l" defTabSz="914400" rtl="0" eaLnBrk="1" latinLnBrk="0" hangingPunct="1">
+      <a:lvl7pPr marL="2743200" algn="l" defTabSz="457200" rtl="0" eaLnBrk="1" latinLnBrk="0" hangingPunct="1">
         <a:defRPr sz="1800" kern="1200">
           <a:solidFill>
             <a:schemeClr val="tx1"/>
@@ -4372,7 +6891,7 @@
           <a:cs typeface="+mn-cs"/>
         </a:defRPr>
       </a:lvl7pPr>
-      <a:lvl8pPr marL="3200400" algn="l" defTabSz="914400" rtl="0" eaLnBrk="1" latinLnBrk="0" hangingPunct="1">
+      <a:lvl8pPr marL="3200400" algn="l" defTabSz="457200" rtl="0" eaLnBrk="1" latinLnBrk="0" hangingPunct="1">
         <a:defRPr sz="1800" kern="1200">
           <a:solidFill>
             <a:schemeClr val="tx1"/>
@@ -4382,7 +6901,7 @@
           <a:cs typeface="+mn-cs"/>
         </a:defRPr>
       </a:lvl8pPr>
-      <a:lvl9pPr marL="3657600" algn="l" defTabSz="914400" rtl="0" eaLnBrk="1" latinLnBrk="0" hangingPunct="1">
+      <a:lvl9pPr marL="3657600" algn="l" defTabSz="457200" rtl="0" eaLnBrk="1" latinLnBrk="0" hangingPunct="1">
         <a:defRPr sz="1800" kern="1200">
           <a:solidFill>
             <a:schemeClr val="tx1"/>
@@ -5456,13 +7975,8 @@
           <a:p>
             <a:r>
               <a:rPr lang="en-GB" dirty="0"/>
-              <a:t>Limitations of </a:t>
-            </a:r>
-            <a:r>
-              <a:rPr lang="en-GB" dirty="0" err="1"/>
-              <a:t>monogame</a:t>
-            </a:r>
-            <a:endParaRPr lang="en-GB" dirty="0"/>
+              <a:t>Limitations of framework</a:t>
+            </a:r>
           </a:p>
         </p:txBody>
       </p:sp>
@@ -5990,6 +8504,18 @@
               <a:t>There is only one major bug</a:t>
             </a:r>
           </a:p>
+          <a:p>
+            <a:r>
+              <a:rPr lang="en-GB" dirty="0"/>
+              <a:t>Input system</a:t>
+            </a:r>
+          </a:p>
+          <a:p>
+            <a:r>
+              <a:rPr lang="en-GB" dirty="0"/>
+              <a:t>UI buttons</a:t>
+            </a:r>
+          </a:p>
         </p:txBody>
       </p:sp>
     </p:spTree>
@@ -6006,9 +8532,9 @@
 </file>
 
 <file path=ppt/theme/theme1.xml><?xml version="1.0" encoding="utf-8"?>
-<a:theme xmlns:a="http://schemas.openxmlformats.org/drawingml/2006/main" name="Office Theme">
+<a:theme xmlns:a="http://schemas.openxmlformats.org/drawingml/2006/main" name="Facet">
   <a:themeElements>
-    <a:clrScheme name="Office">
+    <a:clrScheme name="Facet">
       <a:dk1>
         <a:sysClr val="windowText" lastClr="000000"/>
       </a:dk1>
@@ -6016,52 +8542,52 @@
         <a:sysClr val="window" lastClr="FFFFFF"/>
       </a:lt1>
       <a:dk2>
-        <a:srgbClr val="0E2841"/>
+        <a:srgbClr val="2C3C43"/>
       </a:dk2>
       <a:lt2>
-        <a:srgbClr val="E8E8E8"/>
+        <a:srgbClr val="EBEBEB"/>
       </a:lt2>
       <a:accent1>
-        <a:srgbClr val="156082"/>
+        <a:srgbClr val="90C226"/>
       </a:accent1>
       <a:accent2>
-        <a:srgbClr val="E97132"/>
+        <a:srgbClr val="54A021"/>
       </a:accent2>
       <a:accent3>
-        <a:srgbClr val="196B24"/>
+        <a:srgbClr val="E6B91E"/>
       </a:accent3>
       <a:accent4>
-        <a:srgbClr val="0F9ED5"/>
+        <a:srgbClr val="E76618"/>
       </a:accent4>
       <a:accent5>
-        <a:srgbClr val="A02B93"/>
+        <a:srgbClr val="C42F1A"/>
       </a:accent5>
       <a:accent6>
-        <a:srgbClr val="4EA72E"/>
+        <a:srgbClr val="918655"/>
       </a:accent6>
       <a:hlink>
-        <a:srgbClr val="467886"/>
+        <a:srgbClr val="99CA3C"/>
       </a:hlink>
       <a:folHlink>
-        <a:srgbClr val="96607D"/>
+        <a:srgbClr val="B9D181"/>
       </a:folHlink>
     </a:clrScheme>
-    <a:fontScheme name="Office">
+    <a:fontScheme name="Facet">
       <a:majorFont>
-        <a:latin typeface="Aptos Display" panose="02110004020202020204"/>
+        <a:latin typeface="Trebuchet MS" panose="020B0603020202020204"/>
         <a:ea typeface=""/>
         <a:cs typeface=""/>
-        <a:font script="Jpan" typeface="游ゴシック Light"/>
+        <a:font script="Jpan" typeface="メイリオ"/>
         <a:font script="Hang" typeface="맑은 고딕"/>
-        <a:font script="Hans" typeface="等线 Light"/>
-        <a:font script="Hant" typeface="新細明體"/>
-        <a:font script="Arab" typeface="Times New Roman"/>
-        <a:font script="Hebr" typeface="Times New Roman"/>
-        <a:font script="Thai" typeface="Angsana New"/>
+        <a:font script="Hans" typeface="方正姚体"/>
+        <a:font script="Hant" typeface="微軟正黑體"/>
+        <a:font script="Arab" typeface="Tahoma"/>
+        <a:font script="Hebr" typeface="Arial"/>
+        <a:font script="Thai" typeface="Cordia New"/>
         <a:font script="Ethi" typeface="Nyala"/>
         <a:font script="Beng" typeface="Vrinda"/>
         <a:font script="Gujr" typeface="Shruti"/>
-        <a:font script="Khmr" typeface="MoolBoran"/>
+        <a:font script="Khmr" typeface="DaunPenh"/>
         <a:font script="Knda" typeface="Tunga"/>
         <a:font script="Guru" typeface="Raavi"/>
         <a:font script="Cans" typeface="Euphemia"/>
@@ -6078,38 +8604,21 @@
         <a:font script="Laoo" typeface="DokChampa"/>
         <a:font script="Sinh" typeface="Iskoola Pota"/>
         <a:font script="Mong" typeface="Mongolian Baiti"/>
-        <a:font script="Viet" typeface="Times New Roman"/>
+        <a:font script="Viet" typeface="Tahoma"/>
         <a:font script="Uigh" typeface="Microsoft Uighur"/>
         <a:font script="Geor" typeface="Sylfaen"/>
-        <a:font script="Armn" typeface="Arial"/>
-        <a:font script="Bugi" typeface="Leelawadee UI"/>
-        <a:font script="Bopo" typeface="Microsoft JhengHei"/>
-        <a:font script="Java" typeface="Javanese Text"/>
-        <a:font script="Lisu" typeface="Segoe UI"/>
-        <a:font script="Mymr" typeface="Myanmar Text"/>
-        <a:font script="Nkoo" typeface="Ebrima"/>
-        <a:font script="Olck" typeface="Nirmala UI"/>
-        <a:font script="Osma" typeface="Ebrima"/>
-        <a:font script="Phag" typeface="Phagspa"/>
-        <a:font script="Syrn" typeface="Estrangelo Edessa"/>
-        <a:font script="Syrj" typeface="Estrangelo Edessa"/>
-        <a:font script="Syre" typeface="Estrangelo Edessa"/>
-        <a:font script="Sora" typeface="Nirmala UI"/>
-        <a:font script="Tale" typeface="Microsoft Tai Le"/>
-        <a:font script="Talu" typeface="Microsoft New Tai Lue"/>
-        <a:font script="Tfng" typeface="Ebrima"/>
       </a:majorFont>
       <a:minorFont>
-        <a:latin typeface="Aptos" panose="02110004020202020204"/>
+        <a:latin typeface="Trebuchet MS" panose="020B0603020202020204"/>
         <a:ea typeface=""/>
         <a:cs typeface=""/>
-        <a:font script="Jpan" typeface="游ゴシック"/>
-        <a:font script="Hang" typeface="맑은 고딕"/>
-        <a:font script="Hans" typeface="等线"/>
-        <a:font script="Hant" typeface="新細明體"/>
-        <a:font script="Arab" typeface="Arial"/>
-        <a:font script="Hebr" typeface="Arial"/>
-        <a:font script="Thai" typeface="Cordia New"/>
+        <a:font script="Jpan" typeface="メイリオ"/>
+        <a:font script="Hang" typeface="HY그래픽M"/>
+        <a:font script="Hans" typeface="华文新魏"/>
+        <a:font script="Hant" typeface="微軟正黑體"/>
+        <a:font script="Arab" typeface="Tahoma"/>
+        <a:font script="Hebr" typeface="Gisha"/>
+        <a:font script="Thai" typeface="IrisUPC"/>
         <a:font script="Ethi" typeface="Nyala"/>
         <a:font script="Beng" typeface="Vrinda"/>
         <a:font script="Gujr" typeface="Shruti"/>
@@ -6133,26 +8642,9 @@
         <a:font script="Viet" typeface="Arial"/>
         <a:font script="Uigh" typeface="Microsoft Uighur"/>
         <a:font script="Geor" typeface="Sylfaen"/>
-        <a:font script="Armn" typeface="Arial"/>
-        <a:font script="Bugi" typeface="Leelawadee UI"/>
-        <a:font script="Bopo" typeface="Microsoft JhengHei"/>
-        <a:font script="Java" typeface="Javanese Text"/>
-        <a:font script="Lisu" typeface="Segoe UI"/>
-        <a:font script="Mymr" typeface="Myanmar Text"/>
-        <a:font script="Nkoo" typeface="Ebrima"/>
-        <a:font script="Olck" typeface="Nirmala UI"/>
-        <a:font script="Osma" typeface="Ebrima"/>
-        <a:font script="Phag" typeface="Phagspa"/>
-        <a:font script="Syrn" typeface="Estrangelo Edessa"/>
-        <a:font script="Syrj" typeface="Estrangelo Edessa"/>
-        <a:font script="Syre" typeface="Estrangelo Edessa"/>
-        <a:font script="Sora" typeface="Nirmala UI"/>
-        <a:font script="Tale" typeface="Microsoft Tai Le"/>
-        <a:font script="Talu" typeface="Microsoft New Tai Lue"/>
-        <a:font script="Tfng" typeface="Ebrima"/>
       </a:minorFont>
     </a:fontScheme>
-    <a:fmtScheme name="Office">
+    <a:fmtScheme name="Facet">
       <a:fillStyleLst>
         <a:solidFill>
           <a:schemeClr val="phClr"/>
@@ -6161,23 +8653,13 @@
           <a:gsLst>
             <a:gs pos="0">
               <a:schemeClr val="phClr">
+                <a:tint val="65000"/>
                 <a:lumMod val="110000"/>
-                <a:satMod val="105000"/>
-                <a:tint val="67000"/>
               </a:schemeClr>
             </a:gs>
-            <a:gs pos="50000">
+            <a:gs pos="88000">
               <a:schemeClr val="phClr">
-                <a:lumMod val="105000"/>
-                <a:satMod val="103000"/>
-                <a:tint val="73000"/>
-              </a:schemeClr>
-            </a:gs>
-            <a:gs pos="100000">
-              <a:schemeClr val="phClr">
-                <a:lumMod val="105000"/>
-                <a:satMod val="109000"/>
-                <a:tint val="81000"/>
+                <a:tint val="90000"/>
               </a:schemeClr>
             </a:gs>
           </a:gsLst>
@@ -6187,23 +8669,14 @@
           <a:gsLst>
             <a:gs pos="0">
               <a:schemeClr val="phClr">
-                <a:satMod val="103000"/>
-                <a:lumMod val="102000"/>
-                <a:tint val="94000"/>
+                <a:tint val="96000"/>
+                <a:lumMod val="100000"/>
               </a:schemeClr>
             </a:gs>
-            <a:gs pos="50000">
+            <a:gs pos="78000">
               <a:schemeClr val="phClr">
-                <a:satMod val="110000"/>
-                <a:lumMod val="100000"/>
-                <a:shade val="100000"/>
-              </a:schemeClr>
-            </a:gs>
-            <a:gs pos="100000">
-              <a:schemeClr val="phClr">
-                <a:lumMod val="99000"/>
-                <a:satMod val="120000"/>
-                <a:shade val="78000"/>
+                <a:shade val="94000"/>
+                <a:lumMod val="94000"/>
               </a:schemeClr>
             </a:gs>
           </a:gsLst>
@@ -6211,26 +8684,23 @@
         </a:gradFill>
       </a:fillStyleLst>
       <a:lnStyleLst>
-        <a:ln w="12700" cap="flat" cmpd="sng" algn="ctr">
+        <a:ln w="12700" cap="rnd" cmpd="sng" algn="ctr">
           <a:solidFill>
             <a:schemeClr val="phClr"/>
           </a:solidFill>
           <a:prstDash val="solid"/>
-          <a:miter lim="800000"/>
         </a:ln>
-        <a:ln w="19050" cap="flat" cmpd="sng" algn="ctr">
+        <a:ln w="19050" cap="rnd" cmpd="sng" algn="ctr">
           <a:solidFill>
             <a:schemeClr val="phClr"/>
           </a:solidFill>
           <a:prstDash val="solid"/>
-          <a:miter lim="800000"/>
         </a:ln>
-        <a:ln w="25400" cap="flat" cmpd="sng" algn="ctr">
+        <a:ln w="25400" cap="rnd" cmpd="sng" algn="ctr">
           <a:solidFill>
             <a:schemeClr val="phClr"/>
           </a:solidFill>
           <a:prstDash val="solid"/>
-          <a:miter lim="800000"/>
         </a:ln>
       </a:lnStyleLst>
       <a:effectStyleLst>
@@ -6238,83 +8708,81 @@
           <a:effectLst/>
         </a:effectStyle>
         <a:effectStyle>
-          <a:effectLst/>
+          <a:effectLst>
+            <a:outerShdw blurRad="38100" dist="25400" dir="5400000" rotWithShape="0">
+              <a:srgbClr val="000000">
+                <a:alpha val="35000"/>
+              </a:srgbClr>
+            </a:outerShdw>
+          </a:effectLst>
         </a:effectStyle>
         <a:effectStyle>
           <a:effectLst>
-            <a:outerShdw blurRad="57150" dist="19050" dir="5400000" algn="ctr" rotWithShape="0">
+            <a:outerShdw blurRad="50800" dist="38100" dir="5400000" rotWithShape="0">
               <a:srgbClr val="000000">
-                <a:alpha val="63000"/>
+                <a:alpha val="35000"/>
               </a:srgbClr>
             </a:outerShdw>
           </a:effectLst>
+          <a:scene3d>
+            <a:camera prst="orthographicFront">
+              <a:rot lat="0" lon="0" rev="0"/>
+            </a:camera>
+            <a:lightRig rig="threePt" dir="tl"/>
+          </a:scene3d>
+          <a:sp3d prstMaterial="plastic">
+            <a:bevelT w="0" h="0"/>
+          </a:sp3d>
         </a:effectStyle>
       </a:effectStyleLst>
       <a:bgFillStyleLst>
         <a:solidFill>
           <a:schemeClr val="phClr"/>
         </a:solidFill>
-        <a:solidFill>
-          <a:schemeClr val="phClr">
-            <a:tint val="95000"/>
-            <a:satMod val="170000"/>
-          </a:schemeClr>
-        </a:solidFill>
         <a:gradFill rotWithShape="1">
           <a:gsLst>
             <a:gs pos="0">
               <a:schemeClr val="phClr">
-                <a:tint val="93000"/>
-                <a:satMod val="150000"/>
-                <a:shade val="98000"/>
-                <a:lumMod val="102000"/>
+                <a:tint val="90000"/>
+                <a:lumMod val="104000"/>
               </a:schemeClr>
             </a:gs>
-            <a:gs pos="50000">
+            <a:gs pos="94000">
               <a:schemeClr val="phClr">
-                <a:tint val="98000"/>
-                <a:satMod val="130000"/>
-                <a:shade val="90000"/>
-                <a:lumMod val="103000"/>
-              </a:schemeClr>
-            </a:gs>
-            <a:gs pos="100000">
-              <a:schemeClr val="phClr">
-                <a:shade val="63000"/>
-                <a:satMod val="120000"/>
+                <a:shade val="96000"/>
+                <a:lumMod val="82000"/>
               </a:schemeClr>
             </a:gs>
           </a:gsLst>
           <a:lin ang="5400000" scaled="0"/>
         </a:gradFill>
+        <a:gradFill rotWithShape="1">
+          <a:gsLst>
+            <a:gs pos="0">
+              <a:schemeClr val="phClr">
+                <a:tint val="90000"/>
+                <a:lumMod val="110000"/>
+              </a:schemeClr>
+            </a:gs>
+            <a:gs pos="100000">
+              <a:schemeClr val="phClr">
+                <a:shade val="94000"/>
+                <a:lumMod val="96000"/>
+              </a:schemeClr>
+            </a:gs>
+          </a:gsLst>
+          <a:path path="circle">
+            <a:fillToRect l="50000" t="50000" r="100000" b="100000"/>
+          </a:path>
+        </a:gradFill>
       </a:bgFillStyleLst>
     </a:fmtScheme>
   </a:themeElements>
-  <a:objectDefaults>
-    <a:lnDef>
-      <a:spPr/>
-      <a:bodyPr/>
-      <a:lstStyle/>
-      <a:style>
-        <a:lnRef idx="2">
-          <a:schemeClr val="accent1"/>
-        </a:lnRef>
-        <a:fillRef idx="0">
-          <a:schemeClr val="accent1"/>
-        </a:fillRef>
-        <a:effectRef idx="1">
-          <a:schemeClr val="accent1"/>
-        </a:effectRef>
-        <a:fontRef idx="minor">
-          <a:schemeClr val="tx1"/>
-        </a:fontRef>
-      </a:style>
-    </a:lnDef>
-  </a:objectDefaults>
+  <a:objectDefaults/>
   <a:extraClrSchemeLst/>
   <a:extLst>
     <a:ext uri="{05A4C25C-085E-4340-85A3-A5531E510DB2}">
-      <thm15:themeFamily xmlns:thm15="http://schemas.microsoft.com/office/thememl/2012/main" name="Office Theme" id="{2E142A2C-CD16-42D6-873A-C26D2A0506FA}" vid="{1BDDFF52-6CD6-40A5-AB3C-68EB2F1E4D0A}"/>
+      <thm15:themeFamily xmlns:thm15="http://schemas.microsoft.com/office/thememl/2012/main" name="Facet" id="{C0C680CD-088A-49FC-A102-D699147F32B2}" vid="{CFBC31BA-B70F-4F30-BCAA-4F3011E16C4D}"/>
     </a:ext>
   </a:extLst>
 </a:theme>

--- a/Presentation.pptx
+++ b/Presentation.pptx
@@ -204,7 +204,7 @@
           <a:p>
             <a:fld id="{5F2751A6-3A54-4A02-ACC4-19F322273FD9}" type="datetimeFigureOut">
               <a:rPr lang="en-GB" smtClean="0"/>
-              <a:t>17/01/2024</a:t>
+              <a:t>18/01/2024</a:t>
             </a:fld>
             <a:endParaRPr lang="en-GB"/>
           </a:p>
@@ -1938,7 +1938,7 @@
           <a:p>
             <a:fld id="{BD22A0CC-2790-4A20-A97B-69996E852145}" type="datetimeFigureOut">
               <a:rPr lang="en-GB" smtClean="0"/>
-              <a:t>17/01/2024</a:t>
+              <a:t>18/01/2024</a:t>
             </a:fld>
             <a:endParaRPr lang="en-GB"/>
           </a:p>
@@ -2189,7 +2189,7 @@
           <a:p>
             <a:fld id="{BD22A0CC-2790-4A20-A97B-69996E852145}" type="datetimeFigureOut">
               <a:rPr lang="en-GB" smtClean="0"/>
-              <a:t>17/01/2024</a:t>
+              <a:t>18/01/2024</a:t>
             </a:fld>
             <a:endParaRPr lang="en-GB"/>
           </a:p>
@@ -2503,7 +2503,7 @@
           <a:p>
             <a:fld id="{BD22A0CC-2790-4A20-A97B-69996E852145}" type="datetimeFigureOut">
               <a:rPr lang="en-GB" smtClean="0"/>
-              <a:t>17/01/2024</a:t>
+              <a:t>18/01/2024</a:t>
             </a:fld>
             <a:endParaRPr lang="en-GB"/>
           </a:p>
@@ -2844,7 +2844,7 @@
           <a:p>
             <a:fld id="{BD22A0CC-2790-4A20-A97B-69996E852145}" type="datetimeFigureOut">
               <a:rPr lang="en-GB" smtClean="0"/>
-              <a:t>17/01/2024</a:t>
+              <a:t>18/01/2024</a:t>
             </a:fld>
             <a:endParaRPr lang="en-GB"/>
           </a:p>
@@ -3158,7 +3158,7 @@
           <a:p>
             <a:fld id="{BD22A0CC-2790-4A20-A97B-69996E852145}" type="datetimeFigureOut">
               <a:rPr lang="en-GB" smtClean="0"/>
-              <a:t>17/01/2024</a:t>
+              <a:t>18/01/2024</a:t>
             </a:fld>
             <a:endParaRPr lang="en-GB"/>
           </a:p>
@@ -3551,7 +3551,7 @@
           <a:p>
             <a:fld id="{BD22A0CC-2790-4A20-A97B-69996E852145}" type="datetimeFigureOut">
               <a:rPr lang="en-GB" smtClean="0"/>
-              <a:t>17/01/2024</a:t>
+              <a:t>18/01/2024</a:t>
             </a:fld>
             <a:endParaRPr lang="en-GB"/>
           </a:p>
@@ -3721,7 +3721,7 @@
           <a:p>
             <a:fld id="{BD22A0CC-2790-4A20-A97B-69996E852145}" type="datetimeFigureOut">
               <a:rPr lang="en-GB" smtClean="0"/>
-              <a:t>17/01/2024</a:t>
+              <a:t>18/01/2024</a:t>
             </a:fld>
             <a:endParaRPr lang="en-GB"/>
           </a:p>
@@ -3901,7 +3901,7 @@
           <a:p>
             <a:fld id="{BD22A0CC-2790-4A20-A97B-69996E852145}" type="datetimeFigureOut">
               <a:rPr lang="en-GB" smtClean="0"/>
-              <a:t>17/01/2024</a:t>
+              <a:t>18/01/2024</a:t>
             </a:fld>
             <a:endParaRPr lang="en-GB"/>
           </a:p>
@@ -4077,7 +4077,7 @@
           <a:p>
             <a:fld id="{BD22A0CC-2790-4A20-A97B-69996E852145}" type="datetimeFigureOut">
               <a:rPr lang="en-GB" smtClean="0"/>
-              <a:t>17/01/2024</a:t>
+              <a:t>18/01/2024</a:t>
             </a:fld>
             <a:endParaRPr lang="en-GB"/>
           </a:p>
@@ -4324,7 +4324,7 @@
           <a:p>
             <a:fld id="{BD22A0CC-2790-4A20-A97B-69996E852145}" type="datetimeFigureOut">
               <a:rPr lang="en-GB" smtClean="0"/>
-              <a:t>17/01/2024</a:t>
+              <a:t>18/01/2024</a:t>
             </a:fld>
             <a:endParaRPr lang="en-GB"/>
           </a:p>
@@ -4556,7 +4556,7 @@
           <a:p>
             <a:fld id="{BD22A0CC-2790-4A20-A97B-69996E852145}" type="datetimeFigureOut">
               <a:rPr lang="en-GB" smtClean="0"/>
-              <a:t>17/01/2024</a:t>
+              <a:t>18/01/2024</a:t>
             </a:fld>
             <a:endParaRPr lang="en-GB"/>
           </a:p>
@@ -4930,7 +4930,7 @@
           <a:p>
             <a:fld id="{BD22A0CC-2790-4A20-A97B-69996E852145}" type="datetimeFigureOut">
               <a:rPr lang="en-GB" smtClean="0"/>
-              <a:t>17/01/2024</a:t>
+              <a:t>18/01/2024</a:t>
             </a:fld>
             <a:endParaRPr lang="en-GB"/>
           </a:p>
@@ -5053,7 +5053,7 @@
           <a:p>
             <a:fld id="{BD22A0CC-2790-4A20-A97B-69996E852145}" type="datetimeFigureOut">
               <a:rPr lang="en-GB" smtClean="0"/>
-              <a:t>17/01/2024</a:t>
+              <a:t>18/01/2024</a:t>
             </a:fld>
             <a:endParaRPr lang="en-GB"/>
           </a:p>
@@ -5148,7 +5148,7 @@
           <a:p>
             <a:fld id="{BD22A0CC-2790-4A20-A97B-69996E852145}" type="datetimeFigureOut">
               <a:rPr lang="en-GB" smtClean="0"/>
-              <a:t>17/01/2024</a:t>
+              <a:t>18/01/2024</a:t>
             </a:fld>
             <a:endParaRPr lang="en-GB"/>
           </a:p>
@@ -5403,7 +5403,7 @@
           <a:p>
             <a:fld id="{BD22A0CC-2790-4A20-A97B-69996E852145}" type="datetimeFigureOut">
               <a:rPr lang="en-GB" smtClean="0"/>
-              <a:t>17/01/2024</a:t>
+              <a:t>18/01/2024</a:t>
             </a:fld>
             <a:endParaRPr lang="en-GB"/>
           </a:p>
@@ -5666,7 +5666,7 @@
           <a:p>
             <a:fld id="{BD22A0CC-2790-4A20-A97B-69996E852145}" type="datetimeFigureOut">
               <a:rPr lang="en-GB" smtClean="0"/>
-              <a:t>17/01/2024</a:t>
+              <a:t>18/01/2024</a:t>
             </a:fld>
             <a:endParaRPr lang="en-GB"/>
           </a:p>
@@ -6409,7 +6409,7 @@
           <a:p>
             <a:fld id="{BD22A0CC-2790-4A20-A97B-69996E852145}" type="datetimeFigureOut">
               <a:rPr lang="en-GB" smtClean="0"/>
-              <a:t>17/01/2024</a:t>
+              <a:t>18/01/2024</a:t>
             </a:fld>
             <a:endParaRPr lang="en-GB"/>
           </a:p>
@@ -6954,6 +6954,10 @@
           <a:bodyPr/>
           <a:lstStyle/>
           <a:p>
+            <a:r>
+              <a:rPr lang="en-GB" dirty="0" err="1"/>
+              <a:t>TileGame</a:t>
+            </a:r>
             <a:endParaRPr lang="en-GB" dirty="0"/>
           </a:p>
         </p:txBody>
@@ -6979,7 +6983,10 @@
           <a:bodyPr/>
           <a:lstStyle/>
           <a:p>
-            <a:endParaRPr lang="en-GB"/>
+            <a:r>
+              <a:rPr lang="en-GB"/>
+              <a:t>Theodore Bradley</a:t>
+            </a:r>
           </a:p>
         </p:txBody>
       </p:sp>
